--- a/Tests unitaires et fonctionnels.pptx
+++ b/Tests unitaires et fonctionnels.pptx
@@ -5,7 +5,7 @@
     <p:sldMasterId id="2147483648" r:id="rId1"/>
   </p:sldMasterIdLst>
   <p:notesMasterIdLst>
-    <p:notesMasterId r:id="rId58"/>
+    <p:notesMasterId r:id="rId59"/>
   </p:notesMasterIdLst>
   <p:sldIdLst>
     <p:sldId id="256" r:id="rId2"/>
@@ -45,25 +45,26 @@
     <p:sldId id="295" r:id="rId36"/>
     <p:sldId id="291" r:id="rId37"/>
     <p:sldId id="274" r:id="rId38"/>
-    <p:sldId id="276" r:id="rId39"/>
-    <p:sldId id="286" r:id="rId40"/>
-    <p:sldId id="283" r:id="rId41"/>
-    <p:sldId id="294" r:id="rId42"/>
-    <p:sldId id="275" r:id="rId43"/>
-    <p:sldId id="297" r:id="rId44"/>
-    <p:sldId id="298" r:id="rId45"/>
-    <p:sldId id="296" r:id="rId46"/>
-    <p:sldId id="268" r:id="rId47"/>
-    <p:sldId id="290" r:id="rId48"/>
-    <p:sldId id="306" r:id="rId49"/>
-    <p:sldId id="310" r:id="rId50"/>
-    <p:sldId id="312" r:id="rId51"/>
-    <p:sldId id="284" r:id="rId52"/>
-    <p:sldId id="301" r:id="rId53"/>
-    <p:sldId id="302" r:id="rId54"/>
-    <p:sldId id="303" r:id="rId55"/>
-    <p:sldId id="304" r:id="rId56"/>
-    <p:sldId id="269" r:id="rId57"/>
+    <p:sldId id="313" r:id="rId39"/>
+    <p:sldId id="276" r:id="rId40"/>
+    <p:sldId id="286" r:id="rId41"/>
+    <p:sldId id="283" r:id="rId42"/>
+    <p:sldId id="294" r:id="rId43"/>
+    <p:sldId id="275" r:id="rId44"/>
+    <p:sldId id="297" r:id="rId45"/>
+    <p:sldId id="298" r:id="rId46"/>
+    <p:sldId id="296" r:id="rId47"/>
+    <p:sldId id="268" r:id="rId48"/>
+    <p:sldId id="290" r:id="rId49"/>
+    <p:sldId id="306" r:id="rId50"/>
+    <p:sldId id="310" r:id="rId51"/>
+    <p:sldId id="312" r:id="rId52"/>
+    <p:sldId id="284" r:id="rId53"/>
+    <p:sldId id="301" r:id="rId54"/>
+    <p:sldId id="302" r:id="rId55"/>
+    <p:sldId id="303" r:id="rId56"/>
+    <p:sldId id="304" r:id="rId57"/>
+    <p:sldId id="269" r:id="rId58"/>
   </p:sldIdLst>
   <p:sldSz cx="12192000" cy="6858000"/>
   <p:notesSz cx="6858000" cy="9144000"/>
@@ -214,8 +215,8 @@
 <p:cmLst xmlns:a="http://schemas.openxmlformats.org/drawingml/2006/main" xmlns:r="http://schemas.openxmlformats.org/officeDocument/2006/relationships" xmlns:p="http://schemas.openxmlformats.org/presentationml/2006/main">
   <p:cm authorId="1" dt="2019-02-25T15:05:09.993" idx="2">
     <p:pos x="4631" y="2399"/>
-    <p:text>(*) Nous verrons plus tard que PantherTestCase et WebTestCase héritent de TestCase et qu'elles peuvent donc faire appel à ses fonctions.</p:text>
-    <p:extLst>
+    <p:text>(*) Nous verrons plus tard que PantherTestCase et WebTestCase étendent TestCase et qu'elles peuvent donc faire appel à ses fonctions.</p:text>
+    <p:extLst mod="1">
       <p:ext uri="{C676402C-5697-4E1C-873F-D02D1690AC5C}">
         <p15:threadingInfo xmlns:p15="http://schemas.microsoft.com/office/powerpoint/2012/main" timeZoneBias="-60"/>
       </p:ext>
@@ -926,7 +927,7 @@
           <a:p>
             <a:fld id="{5C20D268-D42A-4458-B323-BBF9AF1E1380}" type="slidenum">
               <a:rPr lang="fr-FR" smtClean="0"/>
-              <a:t>49</a:t>
+              <a:t>50</a:t>
             </a:fld>
             <a:endParaRPr lang="fr-FR"/>
           </a:p>
@@ -1014,7 +1015,7 @@
           <a:p>
             <a:fld id="{5C20D268-D42A-4458-B323-BBF9AF1E1380}" type="slidenum">
               <a:rPr lang="fr-FR" smtClean="0"/>
-              <a:t>50</a:t>
+              <a:t>51</a:t>
             </a:fld>
             <a:endParaRPr lang="fr-FR"/>
           </a:p>
@@ -15660,7 +15661,7 @@
           <a:graphicData uri="http://schemas.openxmlformats.org/presentationml/2006/ole">
             <mc:AlternateContent xmlns:mc="http://schemas.openxmlformats.org/markup-compatibility/2006">
               <mc:Choice xmlns:v="urn:schemas-microsoft-com:vml" Requires="v">
-                <p:oleObj spid="_x0000_s8270" name="Objet d’environnement du Gestionnaire de liaisons" showAsIcon="1" r:id="rId4" imgW="979200" imgH="491040" progId="Package">
+                <p:oleObj spid="_x0000_s8273" name="Objet d’environnement du Gestionnaire de liaisons" showAsIcon="1" r:id="rId4" imgW="979200" imgH="491040" progId="Package">
                   <p:embed/>
                 </p:oleObj>
               </mc:Choice>
@@ -16724,7 +16725,7 @@
           <p:nvPr>
             <p:extLst>
               <p:ext uri="{D42A27DB-BD31-4B8C-83A1-F6EECF244321}">
-                <p14:modId xmlns:p14="http://schemas.microsoft.com/office/powerpoint/2010/main" val="2950510560"/>
+                <p14:modId xmlns:p14="http://schemas.microsoft.com/office/powerpoint/2010/main" val="2178080402"/>
               </p:ext>
             </p:extLst>
           </p:nvPr>
@@ -16804,7 +16805,7 @@
                       </a:r>
                       <a:r>
                         <a:rPr lang="fr-FR" b="0" dirty="0" err="1" smtClean="0"/>
-                        <a:t>someUnitTest</a:t>
+                        <a:t>testSomeUnitTest</a:t>
                       </a:r>
                       <a:r>
                         <a:rPr lang="fr-FR" b="0" dirty="0" smtClean="0"/>
@@ -17337,7 +17338,7 @@
           <p:nvPr>
             <p:extLst>
               <p:ext uri="{D42A27DB-BD31-4B8C-83A1-F6EECF244321}">
-                <p14:modId xmlns:p14="http://schemas.microsoft.com/office/powerpoint/2010/main" val="2659819439"/>
+                <p14:modId xmlns:p14="http://schemas.microsoft.com/office/powerpoint/2010/main" val="3946171100"/>
               </p:ext>
             </p:extLst>
           </p:nvPr>
@@ -17456,6 +17457,7 @@
                         <a:rPr lang="fr-FR" b="0" dirty="0" smtClean="0"/>
                         <a:t>');</a:t>
                       </a:r>
+                      <a:endParaRPr lang="fr-FR" b="0" dirty="0" smtClean="0"/>
                     </a:p>
                     <a:p>
                       <a:pPr marL="400050" lvl="1" indent="0">
@@ -17639,7 +17641,7 @@
           <p:nvPr>
             <p:extLst>
               <p:ext uri="{D42A27DB-BD31-4B8C-83A1-F6EECF244321}">
-                <p14:modId xmlns:p14="http://schemas.microsoft.com/office/powerpoint/2010/main" val="2097305763"/>
+                <p14:modId xmlns:p14="http://schemas.microsoft.com/office/powerpoint/2010/main" val="2720217926"/>
               </p:ext>
             </p:extLst>
           </p:nvPr>
@@ -17711,7 +17713,7 @@
                       </a:r>
                       <a:r>
                         <a:rPr lang="fr-FR" b="0" dirty="0" err="1" smtClean="0"/>
-                        <a:t>someUnitTest</a:t>
+                        <a:t>testSomeUnitTest</a:t>
                       </a:r>
                       <a:r>
                         <a:rPr lang="fr-FR" b="0" dirty="0" smtClean="0"/>
@@ -20324,10 +20326,6 @@
               <a:rPr lang="fr-FR" dirty="0" err="1" smtClean="0"/>
               <a:t>liib</a:t>
             </a:r>
-            <a:r>
-              <a:rPr lang="fr-FR" dirty="0" smtClean="0"/>
-              <a:t>?</a:t>
-            </a:r>
             <a:endParaRPr lang="fr-FR" dirty="0"/>
           </a:p>
         </p:txBody>
@@ -23007,6 +23005,429 @@
 </file>
 
 <file path=ppt/slides/slide38.xml><?xml version="1.0" encoding="utf-8"?>
+<p:sld xmlns:a="http://schemas.openxmlformats.org/drawingml/2006/main" xmlns:r="http://schemas.openxmlformats.org/officeDocument/2006/relationships" xmlns:p="http://schemas.openxmlformats.org/presentationml/2006/main">
+  <p:cSld>
+    <p:spTree>
+      <p:nvGrpSpPr>
+        <p:cNvPr id="1" name=""/>
+        <p:cNvGrpSpPr/>
+        <p:nvPr/>
+      </p:nvGrpSpPr>
+      <p:grpSpPr>
+        <a:xfrm>
+          <a:off x="0" y="0"/>
+          <a:ext cx="0" cy="0"/>
+          <a:chOff x="0" y="0"/>
+          <a:chExt cx="0" cy="0"/>
+        </a:xfrm>
+      </p:grpSpPr>
+      <p:sp>
+        <p:nvSpPr>
+          <p:cNvPr id="2" name="Titre 1"/>
+          <p:cNvSpPr>
+            <a:spLocks noGrp="1"/>
+          </p:cNvSpPr>
+          <p:nvPr>
+            <p:ph type="title"/>
+          </p:nvPr>
+        </p:nvSpPr>
+        <p:spPr/>
+        <p:txBody>
+          <a:bodyPr/>
+          <a:lstStyle/>
+          <a:p>
+            <a:r>
+              <a:rPr lang="fr-FR" dirty="0" smtClean="0"/>
+              <a:t>Exports – Activer </a:t>
+            </a:r>
+            <a:r>
+              <a:rPr lang="fr-FR" dirty="0" err="1" smtClean="0"/>
+              <a:t>XDebug</a:t>
+            </a:r>
+            <a:endParaRPr lang="fr-FR" dirty="0"/>
+          </a:p>
+        </p:txBody>
+      </p:sp>
+      <p:sp>
+        <p:nvSpPr>
+          <p:cNvPr id="3" name="Espace réservé du contenu 2"/>
+          <p:cNvSpPr>
+            <a:spLocks noGrp="1"/>
+          </p:cNvSpPr>
+          <p:nvPr>
+            <p:ph idx="1"/>
+          </p:nvPr>
+        </p:nvSpPr>
+        <p:spPr/>
+        <p:txBody>
+          <a:bodyPr/>
+          <a:lstStyle/>
+          <a:p>
+            <a:r>
+              <a:rPr lang="fr-FR" dirty="0" smtClean="0"/>
+              <a:t>Dans votre fichier php.ini il faut activer </a:t>
+            </a:r>
+            <a:r>
+              <a:rPr lang="fr-FR" b="1" dirty="0" err="1" smtClean="0"/>
+              <a:t>Xdebug</a:t>
+            </a:r>
+            <a:r>
+              <a:rPr lang="fr-FR" dirty="0" smtClean="0"/>
+              <a:t> pour pouvoir générer des exports.</a:t>
+            </a:r>
+          </a:p>
+          <a:p>
+            <a:pPr marL="0" indent="0">
+              <a:buNone/>
+            </a:pPr>
+            <a:r>
+              <a:rPr lang="fr-FR" dirty="0" smtClean="0"/>
+              <a:t>Installation :</a:t>
+            </a:r>
+          </a:p>
+          <a:p>
+            <a:pPr marL="0" indent="0">
+              <a:buNone/>
+            </a:pPr>
+            <a:endParaRPr lang="fr-FR" dirty="0"/>
+          </a:p>
+          <a:p>
+            <a:pPr marL="0" indent="0">
+              <a:buNone/>
+            </a:pPr>
+            <a:endParaRPr lang="fr-FR" dirty="0" smtClean="0"/>
+          </a:p>
+          <a:p>
+            <a:pPr marL="0" indent="0">
+              <a:buNone/>
+            </a:pPr>
+            <a:r>
+              <a:rPr lang="fr-FR" dirty="0" smtClean="0"/>
+              <a:t>Activation :</a:t>
+            </a:r>
+          </a:p>
+          <a:p>
+            <a:pPr marL="0" indent="0">
+              <a:buNone/>
+            </a:pPr>
+            <a:endParaRPr lang="fr-FR" dirty="0" smtClean="0"/>
+          </a:p>
+          <a:p>
+            <a:endParaRPr lang="fr-FR" dirty="0"/>
+          </a:p>
+        </p:txBody>
+      </p:sp>
+      <p:graphicFrame>
+        <p:nvGraphicFramePr>
+          <p:cNvPr id="4" name="Tableau 3"/>
+          <p:cNvGraphicFramePr>
+            <a:graphicFrameLocks noGrp="1"/>
+          </p:cNvGraphicFramePr>
+          <p:nvPr>
+            <p:extLst>
+              <p:ext uri="{D42A27DB-BD31-4B8C-83A1-F6EECF244321}">
+                <p14:modId xmlns:p14="http://schemas.microsoft.com/office/powerpoint/2010/main" val="477345392"/>
+              </p:ext>
+            </p:extLst>
+          </p:nvPr>
+        </p:nvGraphicFramePr>
+        <p:xfrm>
+          <a:off x="1154954" y="4811727"/>
+          <a:ext cx="8825660" cy="1601952"/>
+        </p:xfrm>
+        <a:graphic>
+          <a:graphicData uri="http://schemas.openxmlformats.org/drawingml/2006/table">
+            <a:tbl>
+              <a:tblPr firstRow="1" bandRow="1">
+                <a:tableStyleId>{5C22544A-7EE6-4342-B048-85BDC9FD1C3A}</a:tableStyleId>
+              </a:tblPr>
+              <a:tblGrid>
+                <a:gridCol w="8825660"/>
+              </a:tblGrid>
+              <a:tr h="1601952">
+                <a:tc>
+                  <a:txBody>
+                    <a:bodyPr/>
+                    <a:lstStyle/>
+                    <a:p>
+                      <a:pPr marL="0" marR="0" lvl="0" indent="0" algn="l" defTabSz="457200" rtl="0" eaLnBrk="1" fontAlgn="auto" latinLnBrk="0" hangingPunct="1">
+                        <a:lnSpc>
+                          <a:spcPct val="100000"/>
+                        </a:lnSpc>
+                        <a:spcBef>
+                          <a:spcPts val="0"/>
+                        </a:spcBef>
+                        <a:spcAft>
+                          <a:spcPts val="0"/>
+                        </a:spcAft>
+                        <a:buClrTx/>
+                        <a:buSzTx/>
+                        <a:buFontTx/>
+                        <a:buNone/>
+                        <a:tabLst/>
+                        <a:defRPr/>
+                      </a:pPr>
+                      <a:r>
+                        <a:rPr lang="fr-FR" dirty="0" err="1" smtClean="0"/>
+                        <a:t>Zend_extention</a:t>
+                      </a:r>
+                      <a:r>
+                        <a:rPr lang="fr-FR" dirty="0" smtClean="0"/>
+                        <a:t> = C:/…php_xdebug-...-x86_64.dll</a:t>
+                      </a:r>
+                    </a:p>
+                    <a:p>
+                      <a:pPr marL="0" marR="0" lvl="0" indent="0" algn="l" defTabSz="457200" rtl="0" eaLnBrk="1" fontAlgn="auto" latinLnBrk="0" hangingPunct="1">
+                        <a:lnSpc>
+                          <a:spcPct val="100000"/>
+                        </a:lnSpc>
+                        <a:spcBef>
+                          <a:spcPts val="0"/>
+                        </a:spcBef>
+                        <a:spcAft>
+                          <a:spcPts val="0"/>
+                        </a:spcAft>
+                        <a:buClrTx/>
+                        <a:buSzTx/>
+                        <a:buFontTx/>
+                        <a:buNone/>
+                        <a:tabLst/>
+                        <a:defRPr/>
+                      </a:pPr>
+                      <a:r>
+                        <a:rPr lang="fr-FR" dirty="0" smtClean="0"/>
+                        <a:t>[</a:t>
+                      </a:r>
+                      <a:r>
+                        <a:rPr lang="fr-FR" dirty="0" err="1" smtClean="0"/>
+                        <a:t>XDebug</a:t>
+                      </a:r>
+                      <a:r>
+                        <a:rPr lang="fr-FR" dirty="0" smtClean="0"/>
+                        <a:t>]</a:t>
+                      </a:r>
+                    </a:p>
+                    <a:p>
+                      <a:pPr marL="0" marR="0" lvl="0" indent="0" algn="l" defTabSz="457200" rtl="0" eaLnBrk="1" fontAlgn="auto" latinLnBrk="0" hangingPunct="1">
+                        <a:lnSpc>
+                          <a:spcPct val="100000"/>
+                        </a:lnSpc>
+                        <a:spcBef>
+                          <a:spcPts val="0"/>
+                        </a:spcBef>
+                        <a:spcAft>
+                          <a:spcPts val="0"/>
+                        </a:spcAft>
+                        <a:buClrTx/>
+                        <a:buSzTx/>
+                        <a:buFontTx/>
+                        <a:buNone/>
+                        <a:tabLst/>
+                        <a:defRPr/>
+                      </a:pPr>
+                      <a:r>
+                        <a:rPr lang="fr-FR" dirty="0" err="1" smtClean="0"/>
+                        <a:t>xdebug.remote_enable</a:t>
+                      </a:r>
+                      <a:r>
+                        <a:rPr lang="fr-FR" baseline="0" dirty="0" smtClean="0"/>
+                        <a:t> = 0</a:t>
+                      </a:r>
+                    </a:p>
+                    <a:p>
+                      <a:pPr marL="0" marR="0" lvl="0" indent="0" algn="l" defTabSz="457200" rtl="0" eaLnBrk="1" fontAlgn="auto" latinLnBrk="0" hangingPunct="1">
+                        <a:lnSpc>
+                          <a:spcPct val="100000"/>
+                        </a:lnSpc>
+                        <a:spcBef>
+                          <a:spcPts val="0"/>
+                        </a:spcBef>
+                        <a:spcAft>
+                          <a:spcPts val="0"/>
+                        </a:spcAft>
+                        <a:buClrTx/>
+                        <a:buSzTx/>
+                        <a:buFontTx/>
+                        <a:buNone/>
+                        <a:tabLst/>
+                        <a:defRPr/>
+                      </a:pPr>
+                      <a:r>
+                        <a:rPr lang="fr-FR" baseline="0" dirty="0" err="1" smtClean="0"/>
+                        <a:t>xdebug.remote_autostart</a:t>
+                      </a:r>
+                      <a:r>
+                        <a:rPr lang="fr-FR" baseline="0" dirty="0" smtClean="0"/>
+                        <a:t> = 0</a:t>
+                      </a:r>
+                    </a:p>
+                    <a:p>
+                      <a:pPr marL="0" marR="0" lvl="0" indent="0" algn="l" defTabSz="457200" rtl="0" eaLnBrk="1" fontAlgn="auto" latinLnBrk="0" hangingPunct="1">
+                        <a:lnSpc>
+                          <a:spcPct val="100000"/>
+                        </a:lnSpc>
+                        <a:spcBef>
+                          <a:spcPts val="0"/>
+                        </a:spcBef>
+                        <a:spcAft>
+                          <a:spcPts val="0"/>
+                        </a:spcAft>
+                        <a:buClrTx/>
+                        <a:buSzTx/>
+                        <a:buFontTx/>
+                        <a:buNone/>
+                        <a:tabLst/>
+                        <a:defRPr/>
+                      </a:pPr>
+                      <a:r>
+                        <a:rPr lang="fr-FR" baseline="0" dirty="0" err="1" smtClean="0"/>
+                        <a:t>xdebug.support</a:t>
+                      </a:r>
+                      <a:r>
+                        <a:rPr lang="fr-FR" baseline="0" dirty="0" smtClean="0"/>
+                        <a:t> = 1</a:t>
+                      </a:r>
+                      <a:endParaRPr lang="fr-FR" dirty="0" smtClean="0"/>
+                    </a:p>
+                  </a:txBody>
+                  <a:tcPr/>
+                </a:tc>
+              </a:tr>
+            </a:tbl>
+          </a:graphicData>
+        </a:graphic>
+      </p:graphicFrame>
+      <p:graphicFrame>
+        <p:nvGraphicFramePr>
+          <p:cNvPr id="5" name="Tableau 4"/>
+          <p:cNvGraphicFramePr>
+            <a:graphicFrameLocks noGrp="1"/>
+          </p:cNvGraphicFramePr>
+          <p:nvPr>
+            <p:extLst>
+              <p:ext uri="{D42A27DB-BD31-4B8C-83A1-F6EECF244321}">
+                <p14:modId xmlns:p14="http://schemas.microsoft.com/office/powerpoint/2010/main" val="2000951843"/>
+              </p:ext>
+            </p:extLst>
+          </p:nvPr>
+        </p:nvGraphicFramePr>
+        <p:xfrm>
+          <a:off x="1090707" y="3714982"/>
+          <a:ext cx="8825660" cy="702865"/>
+        </p:xfrm>
+        <a:graphic>
+          <a:graphicData uri="http://schemas.openxmlformats.org/drawingml/2006/table">
+            <a:tbl>
+              <a:tblPr firstRow="1" bandRow="1">
+                <a:tableStyleId>{5C22544A-7EE6-4342-B048-85BDC9FD1C3A}</a:tableStyleId>
+              </a:tblPr>
+              <a:tblGrid>
+                <a:gridCol w="8825660"/>
+              </a:tblGrid>
+              <a:tr h="702865">
+                <a:tc>
+                  <a:txBody>
+                    <a:bodyPr/>
+                    <a:lstStyle/>
+                    <a:p>
+                      <a:pPr marL="0" marR="0" lvl="0" indent="0" algn="l" defTabSz="457200" rtl="0" eaLnBrk="1" fontAlgn="auto" latinLnBrk="0" hangingPunct="1">
+                        <a:lnSpc>
+                          <a:spcPct val="100000"/>
+                        </a:lnSpc>
+                        <a:spcBef>
+                          <a:spcPts val="0"/>
+                        </a:spcBef>
+                        <a:spcAft>
+                          <a:spcPts val="0"/>
+                        </a:spcAft>
+                        <a:buClrTx/>
+                        <a:buSzTx/>
+                        <a:buFontTx/>
+                        <a:buNone/>
+                        <a:tabLst/>
+                        <a:defRPr/>
+                      </a:pPr>
+                      <a:r>
+                        <a:rPr lang="fr-FR" dirty="0" smtClean="0">
+                          <a:hlinkClick r:id="rId2"/>
+                        </a:rPr>
+                        <a:t>https://xdebug.org/download.php</a:t>
+                      </a:r>
+                      <a:r>
+                        <a:rPr lang="fr-FR" dirty="0" smtClean="0"/>
+                        <a:t> ou</a:t>
+                      </a:r>
+                    </a:p>
+                    <a:p>
+                      <a:pPr marL="0" marR="0" lvl="0" indent="0" algn="l" defTabSz="457200" rtl="0" eaLnBrk="1" fontAlgn="auto" latinLnBrk="0" hangingPunct="1">
+                        <a:lnSpc>
+                          <a:spcPct val="100000"/>
+                        </a:lnSpc>
+                        <a:spcBef>
+                          <a:spcPts val="0"/>
+                        </a:spcBef>
+                        <a:spcAft>
+                          <a:spcPts val="0"/>
+                        </a:spcAft>
+                        <a:buClrTx/>
+                        <a:buSzTx/>
+                        <a:buFontTx/>
+                        <a:buNone/>
+                        <a:tabLst/>
+                        <a:defRPr/>
+                      </a:pPr>
+                      <a:r>
+                        <a:rPr lang="fr-FR" dirty="0" err="1" smtClean="0"/>
+                        <a:t>sudo</a:t>
+                      </a:r>
+                      <a:r>
+                        <a:rPr lang="fr-FR" dirty="0" smtClean="0"/>
+                        <a:t> </a:t>
+                      </a:r>
+                      <a:r>
+                        <a:rPr lang="fr-FR" dirty="0" err="1" smtClean="0"/>
+                        <a:t>apt-get</a:t>
+                      </a:r>
+                      <a:r>
+                        <a:rPr lang="fr-FR" dirty="0" smtClean="0"/>
+                        <a:t> </a:t>
+                      </a:r>
+                      <a:r>
+                        <a:rPr lang="fr-FR" dirty="0" err="1" smtClean="0"/>
+                        <a:t>install</a:t>
+                      </a:r>
+                      <a:r>
+                        <a:rPr lang="fr-FR" dirty="0" smtClean="0"/>
+                        <a:t> </a:t>
+                      </a:r>
+                      <a:r>
+                        <a:rPr lang="fr-FR" dirty="0" err="1" smtClean="0"/>
+                        <a:t>php-xdebug</a:t>
+                      </a:r>
+                      <a:endParaRPr lang="fr-FR" dirty="0" smtClean="0"/>
+                    </a:p>
+                  </a:txBody>
+                  <a:tcPr/>
+                </a:tc>
+              </a:tr>
+            </a:tbl>
+          </a:graphicData>
+        </a:graphic>
+      </p:graphicFrame>
+    </p:spTree>
+    <p:extLst>
+      <p:ext uri="{BB962C8B-B14F-4D97-AF65-F5344CB8AC3E}">
+        <p14:creationId xmlns:p14="http://schemas.microsoft.com/office/powerpoint/2010/main" val="507592576"/>
+      </p:ext>
+    </p:extLst>
+  </p:cSld>
+  <p:clrMapOvr>
+    <a:masterClrMapping/>
+  </p:clrMapOvr>
+</p:sld>
+</file>
+
+<file path=ppt/slides/slide39.xml><?xml version="1.0" encoding="utf-8"?>
 <p:sld xmlns:a="http://schemas.openxmlformats.org/drawingml/2006/main" xmlns:r="http://schemas.openxmlformats.org/officeDocument/2006/relationships" xmlns:p="http://schemas.openxmlformats.org/presentationml/2006/main">
   <p:cSld>
     <p:spTree>
@@ -23157,7 +23578,90 @@
 </p:sld>
 </file>
 
-<file path=ppt/slides/slide39.xml><?xml version="1.0" encoding="utf-8"?>
+<file path=ppt/slides/slide4.xml><?xml version="1.0" encoding="utf-8"?>
+<p:sld xmlns:a="http://schemas.openxmlformats.org/drawingml/2006/main" xmlns:r="http://schemas.openxmlformats.org/officeDocument/2006/relationships" xmlns:p="http://schemas.openxmlformats.org/presentationml/2006/main">
+  <p:cSld>
+    <p:spTree>
+      <p:nvGrpSpPr>
+        <p:cNvPr id="1" name=""/>
+        <p:cNvGrpSpPr/>
+        <p:nvPr/>
+      </p:nvGrpSpPr>
+      <p:grpSpPr>
+        <a:xfrm>
+          <a:off x="0" y="0"/>
+          <a:ext cx="0" cy="0"/>
+          <a:chOff x="0" y="0"/>
+          <a:chExt cx="0" cy="0"/>
+        </a:xfrm>
+      </p:grpSpPr>
+      <p:sp>
+        <p:nvSpPr>
+          <p:cNvPr id="9" name="Titre 8"/>
+          <p:cNvSpPr>
+            <a:spLocks noGrp="1"/>
+          </p:cNvSpPr>
+          <p:nvPr>
+            <p:ph type="title"/>
+          </p:nvPr>
+        </p:nvSpPr>
+        <p:spPr/>
+        <p:txBody>
+          <a:bodyPr/>
+          <a:lstStyle/>
+          <a:p>
+            <a:r>
+              <a:rPr lang="fr-FR" dirty="0" smtClean="0"/>
+              <a:t>Complexité cognitive</a:t>
+            </a:r>
+            <a:endParaRPr lang="fr-FR" dirty="0"/>
+          </a:p>
+        </p:txBody>
+      </p:sp>
+      <p:sp>
+        <p:nvSpPr>
+          <p:cNvPr id="10" name="Espace réservé du texte 9"/>
+          <p:cNvSpPr>
+            <a:spLocks noGrp="1"/>
+          </p:cNvSpPr>
+          <p:nvPr>
+            <p:ph type="body" idx="1"/>
+          </p:nvPr>
+        </p:nvSpPr>
+        <p:spPr/>
+        <p:txBody>
+          <a:bodyPr/>
+          <a:lstStyle/>
+          <a:p>
+            <a:r>
+              <a:rPr lang="fr-FR" dirty="0" smtClean="0"/>
+              <a:t>Mesure crée en décembre 2016 par sonar source</a:t>
+            </a:r>
+            <a:endParaRPr lang="fr-FR" dirty="0"/>
+          </a:p>
+        </p:txBody>
+      </p:sp>
+    </p:spTree>
+    <p:extLst>
+      <p:ext uri="{BB962C8B-B14F-4D97-AF65-F5344CB8AC3E}">
+        <p14:creationId xmlns:p14="http://schemas.microsoft.com/office/powerpoint/2010/main" val="826248683"/>
+      </p:ext>
+    </p:extLst>
+  </p:cSld>
+  <p:clrMapOvr>
+    <a:masterClrMapping/>
+  </p:clrMapOvr>
+  <p:timing>
+    <p:tnLst>
+      <p:par>
+        <p:cTn id="1" dur="indefinite" restart="never" nodeType="tmRoot"/>
+      </p:par>
+    </p:tnLst>
+  </p:timing>
+</p:sld>
+</file>
+
+<file path=ppt/slides/slide40.xml><?xml version="1.0" encoding="utf-8"?>
 <p:sld xmlns:a="http://schemas.openxmlformats.org/drawingml/2006/main" xmlns:r="http://schemas.openxmlformats.org/officeDocument/2006/relationships" xmlns:p="http://schemas.openxmlformats.org/presentationml/2006/main">
   <p:cSld>
     <p:spTree>
@@ -23352,90 +23856,7 @@
 </p:sld>
 </file>
 
-<file path=ppt/slides/slide4.xml><?xml version="1.0" encoding="utf-8"?>
-<p:sld xmlns:a="http://schemas.openxmlformats.org/drawingml/2006/main" xmlns:r="http://schemas.openxmlformats.org/officeDocument/2006/relationships" xmlns:p="http://schemas.openxmlformats.org/presentationml/2006/main">
-  <p:cSld>
-    <p:spTree>
-      <p:nvGrpSpPr>
-        <p:cNvPr id="1" name=""/>
-        <p:cNvGrpSpPr/>
-        <p:nvPr/>
-      </p:nvGrpSpPr>
-      <p:grpSpPr>
-        <a:xfrm>
-          <a:off x="0" y="0"/>
-          <a:ext cx="0" cy="0"/>
-          <a:chOff x="0" y="0"/>
-          <a:chExt cx="0" cy="0"/>
-        </a:xfrm>
-      </p:grpSpPr>
-      <p:sp>
-        <p:nvSpPr>
-          <p:cNvPr id="9" name="Titre 8"/>
-          <p:cNvSpPr>
-            <a:spLocks noGrp="1"/>
-          </p:cNvSpPr>
-          <p:nvPr>
-            <p:ph type="title"/>
-          </p:nvPr>
-        </p:nvSpPr>
-        <p:spPr/>
-        <p:txBody>
-          <a:bodyPr/>
-          <a:lstStyle/>
-          <a:p>
-            <a:r>
-              <a:rPr lang="fr-FR" dirty="0" smtClean="0"/>
-              <a:t>Complexité cognitive</a:t>
-            </a:r>
-            <a:endParaRPr lang="fr-FR" dirty="0"/>
-          </a:p>
-        </p:txBody>
-      </p:sp>
-      <p:sp>
-        <p:nvSpPr>
-          <p:cNvPr id="10" name="Espace réservé du texte 9"/>
-          <p:cNvSpPr>
-            <a:spLocks noGrp="1"/>
-          </p:cNvSpPr>
-          <p:nvPr>
-            <p:ph type="body" idx="1"/>
-          </p:nvPr>
-        </p:nvSpPr>
-        <p:spPr/>
-        <p:txBody>
-          <a:bodyPr/>
-          <a:lstStyle/>
-          <a:p>
-            <a:r>
-              <a:rPr lang="fr-FR" dirty="0" smtClean="0"/>
-              <a:t>Mesure crée en décembre 2016 par sonar source</a:t>
-            </a:r>
-            <a:endParaRPr lang="fr-FR" dirty="0"/>
-          </a:p>
-        </p:txBody>
-      </p:sp>
-    </p:spTree>
-    <p:extLst>
-      <p:ext uri="{BB962C8B-B14F-4D97-AF65-F5344CB8AC3E}">
-        <p14:creationId xmlns:p14="http://schemas.microsoft.com/office/powerpoint/2010/main" val="826248683"/>
-      </p:ext>
-    </p:extLst>
-  </p:cSld>
-  <p:clrMapOvr>
-    <a:masterClrMapping/>
-  </p:clrMapOvr>
-  <p:timing>
-    <p:tnLst>
-      <p:par>
-        <p:cTn id="1" dur="indefinite" restart="never" nodeType="tmRoot"/>
-      </p:par>
-    </p:tnLst>
-  </p:timing>
-</p:sld>
-</file>
-
-<file path=ppt/slides/slide40.xml><?xml version="1.0" encoding="utf-8"?>
+<file path=ppt/slides/slide41.xml><?xml version="1.0" encoding="utf-8"?>
 <p:sld xmlns:a="http://schemas.openxmlformats.org/drawingml/2006/main" xmlns:r="http://schemas.openxmlformats.org/officeDocument/2006/relationships" xmlns:p="http://schemas.openxmlformats.org/presentationml/2006/main">
   <p:cSld>
     <p:spTree>
@@ -23855,7 +24276,7 @@
 </p:sld>
 </file>
 
-<file path=ppt/slides/slide41.xml><?xml version="1.0" encoding="utf-8"?>
+<file path=ppt/slides/slide42.xml><?xml version="1.0" encoding="utf-8"?>
 <p:sld xmlns:a="http://schemas.openxmlformats.org/drawingml/2006/main" xmlns:r="http://schemas.openxmlformats.org/officeDocument/2006/relationships" xmlns:p="http://schemas.openxmlformats.org/presentationml/2006/main">
   <p:cSld>
     <p:spTree>
@@ -24577,178 +24998,6 @@
 </p:sld>
 </file>
 
-<file path=ppt/slides/slide42.xml><?xml version="1.0" encoding="utf-8"?>
-<p:sld xmlns:a="http://schemas.openxmlformats.org/drawingml/2006/main" xmlns:r="http://schemas.openxmlformats.org/officeDocument/2006/relationships" xmlns:p="http://schemas.openxmlformats.org/presentationml/2006/main">
-  <p:cSld>
-    <p:spTree>
-      <p:nvGrpSpPr>
-        <p:cNvPr id="1" name=""/>
-        <p:cNvGrpSpPr/>
-        <p:nvPr/>
-      </p:nvGrpSpPr>
-      <p:grpSpPr>
-        <a:xfrm>
-          <a:off x="0" y="0"/>
-          <a:ext cx="0" cy="0"/>
-          <a:chOff x="0" y="0"/>
-          <a:chExt cx="0" cy="0"/>
-        </a:xfrm>
-      </p:grpSpPr>
-      <p:sp>
-        <p:nvSpPr>
-          <p:cNvPr id="2" name="Titre 1"/>
-          <p:cNvSpPr>
-            <a:spLocks noGrp="1"/>
-          </p:cNvSpPr>
-          <p:nvPr>
-            <p:ph type="title"/>
-          </p:nvPr>
-        </p:nvSpPr>
-        <p:spPr/>
-        <p:txBody>
-          <a:bodyPr/>
-          <a:lstStyle/>
-          <a:p>
-            <a:r>
-              <a:rPr lang="fr-FR" dirty="0" smtClean="0"/>
-              <a:t>Configuration en mode </a:t>
-            </a:r>
-            <a:r>
-              <a:rPr lang="fr-FR" dirty="0" smtClean="0">
-                <a:solidFill>
-                  <a:srgbClr val="00B050"/>
-                </a:solidFill>
-              </a:rPr>
-              <a:t>CI/CD</a:t>
-            </a:r>
-            <a:endParaRPr lang="fr-FR" dirty="0">
-              <a:solidFill>
-                <a:srgbClr val="00B050"/>
-              </a:solidFill>
-            </a:endParaRPr>
-          </a:p>
-        </p:txBody>
-      </p:sp>
-      <p:sp>
-        <p:nvSpPr>
-          <p:cNvPr id="3" name="Espace réservé du contenu 2"/>
-          <p:cNvSpPr>
-            <a:spLocks noGrp="1"/>
-          </p:cNvSpPr>
-          <p:nvPr>
-            <p:ph idx="1"/>
-          </p:nvPr>
-        </p:nvSpPr>
-        <p:spPr/>
-        <p:txBody>
-          <a:bodyPr/>
-          <a:lstStyle/>
-          <a:p>
-            <a:r>
-              <a:rPr lang="fr-FR" dirty="0" smtClean="0"/>
-              <a:t>Travis : </a:t>
-            </a:r>
-          </a:p>
-          <a:p>
-            <a:pPr marL="0" indent="0">
-              <a:buNone/>
-            </a:pPr>
-            <a:r>
-              <a:rPr lang="fr-FR" dirty="0" smtClean="0">
-                <a:hlinkClick r:id="rId2"/>
-              </a:rPr>
-              <a:t>https</a:t>
-            </a:r>
-            <a:r>
-              <a:rPr lang="fr-FR" dirty="0">
-                <a:hlinkClick r:id="rId2"/>
-              </a:rPr>
-              <a:t>://</a:t>
-            </a:r>
-            <a:r>
-              <a:rPr lang="fr-FR" dirty="0" smtClean="0">
-                <a:hlinkClick r:id="rId2"/>
-              </a:rPr>
-              <a:t>openclassrooms.com/fr/courses/4087056-testez-et-suivez-letat-de-votre-application-php/4419481-tp-mettre-en-place-un-outil-dintegration-continue-travis</a:t>
-            </a:r>
-            <a:endParaRPr lang="fr-FR" dirty="0" smtClean="0"/>
-          </a:p>
-          <a:p>
-            <a:pPr marL="0" indent="0">
-              <a:buNone/>
-            </a:pPr>
-            <a:r>
-              <a:rPr lang="fr-FR" dirty="0">
-                <a:hlinkClick r:id="rId3"/>
-              </a:rPr>
-              <a:t>https://</a:t>
-            </a:r>
-            <a:r>
-              <a:rPr lang="fr-FR" dirty="0" smtClean="0">
-                <a:hlinkClick r:id="rId3"/>
-              </a:rPr>
-              <a:t>github.com/MarcusBarnes/mik/issues/272</a:t>
-            </a:r>
-            <a:endParaRPr lang="fr-FR" dirty="0" smtClean="0"/>
-          </a:p>
-          <a:p>
-            <a:pPr marL="0" indent="0">
-              <a:buNone/>
-            </a:pPr>
-            <a:endParaRPr lang="fr-FR" dirty="0" smtClean="0"/>
-          </a:p>
-          <a:p>
-            <a:r>
-              <a:rPr lang="fr-FR" dirty="0" smtClean="0"/>
-              <a:t>Jenkins : </a:t>
-            </a:r>
-          </a:p>
-          <a:p>
-            <a:pPr marL="0" indent="0">
-              <a:buNone/>
-            </a:pPr>
-            <a:r>
-              <a:rPr lang="fr-FR" dirty="0">
-                <a:hlinkClick r:id="rId4"/>
-              </a:rPr>
-              <a:t>https://blog.pascal-martin.fr/post/integration-continue-jenkins-projet-php</a:t>
-            </a:r>
-            <a:r>
-              <a:rPr lang="fr-FR" dirty="0" smtClean="0">
-                <a:hlinkClick r:id="rId4"/>
-              </a:rPr>
-              <a:t>/</a:t>
-            </a:r>
-            <a:endParaRPr lang="fr-FR" dirty="0" smtClean="0"/>
-          </a:p>
-          <a:p>
-            <a:pPr marL="0" indent="0">
-              <a:buNone/>
-            </a:pPr>
-            <a:endParaRPr lang="fr-FR" dirty="0"/>
-          </a:p>
-        </p:txBody>
-      </p:sp>
-    </p:spTree>
-    <p:extLst>
-      <p:ext uri="{BB962C8B-B14F-4D97-AF65-F5344CB8AC3E}">
-        <p14:creationId xmlns:p14="http://schemas.microsoft.com/office/powerpoint/2010/main" val="412892584"/>
-      </p:ext>
-    </p:extLst>
-  </p:cSld>
-  <p:clrMapOvr>
-    <a:masterClrMapping/>
-  </p:clrMapOvr>
-  <p:timing>
-    <p:tnLst>
-      <p:par>
-        <p:cTn id="1" dur="indefinite" restart="never" nodeType="tmRoot"/>
-      </p:par>
-    </p:tnLst>
-  </p:timing>
-</p:sld>
-</file>
-
 <file path=ppt/slides/slide43.xml><?xml version="1.0" encoding="utf-8"?>
 <p:sld xmlns:a="http://schemas.openxmlformats.org/drawingml/2006/main" xmlns:r="http://schemas.openxmlformats.org/officeDocument/2006/relationships" xmlns:p="http://schemas.openxmlformats.org/presentationml/2006/main">
   <p:cSld>
@@ -24817,6 +25066,178 @@
           <a:lstStyle/>
           <a:p>
             <a:r>
+              <a:rPr lang="fr-FR" dirty="0" smtClean="0"/>
+              <a:t>Travis : </a:t>
+            </a:r>
+          </a:p>
+          <a:p>
+            <a:pPr marL="0" indent="0">
+              <a:buNone/>
+            </a:pPr>
+            <a:r>
+              <a:rPr lang="fr-FR" dirty="0" smtClean="0">
+                <a:hlinkClick r:id="rId2"/>
+              </a:rPr>
+              <a:t>https</a:t>
+            </a:r>
+            <a:r>
+              <a:rPr lang="fr-FR" dirty="0">
+                <a:hlinkClick r:id="rId2"/>
+              </a:rPr>
+              <a:t>://</a:t>
+            </a:r>
+            <a:r>
+              <a:rPr lang="fr-FR" dirty="0" smtClean="0">
+                <a:hlinkClick r:id="rId2"/>
+              </a:rPr>
+              <a:t>openclassrooms.com/fr/courses/4087056-testez-et-suivez-letat-de-votre-application-php/4419481-tp-mettre-en-place-un-outil-dintegration-continue-travis</a:t>
+            </a:r>
+            <a:endParaRPr lang="fr-FR" dirty="0" smtClean="0"/>
+          </a:p>
+          <a:p>
+            <a:pPr marL="0" indent="0">
+              <a:buNone/>
+            </a:pPr>
+            <a:r>
+              <a:rPr lang="fr-FR" dirty="0">
+                <a:hlinkClick r:id="rId3"/>
+              </a:rPr>
+              <a:t>https://</a:t>
+            </a:r>
+            <a:r>
+              <a:rPr lang="fr-FR" dirty="0" smtClean="0">
+                <a:hlinkClick r:id="rId3"/>
+              </a:rPr>
+              <a:t>github.com/MarcusBarnes/mik/issues/272</a:t>
+            </a:r>
+            <a:endParaRPr lang="fr-FR" dirty="0" smtClean="0"/>
+          </a:p>
+          <a:p>
+            <a:pPr marL="0" indent="0">
+              <a:buNone/>
+            </a:pPr>
+            <a:endParaRPr lang="fr-FR" dirty="0" smtClean="0"/>
+          </a:p>
+          <a:p>
+            <a:r>
+              <a:rPr lang="fr-FR" dirty="0" smtClean="0"/>
+              <a:t>Jenkins : </a:t>
+            </a:r>
+          </a:p>
+          <a:p>
+            <a:pPr marL="0" indent="0">
+              <a:buNone/>
+            </a:pPr>
+            <a:r>
+              <a:rPr lang="fr-FR" dirty="0">
+                <a:hlinkClick r:id="rId4"/>
+              </a:rPr>
+              <a:t>https://blog.pascal-martin.fr/post/integration-continue-jenkins-projet-php</a:t>
+            </a:r>
+            <a:r>
+              <a:rPr lang="fr-FR" dirty="0" smtClean="0">
+                <a:hlinkClick r:id="rId4"/>
+              </a:rPr>
+              <a:t>/</a:t>
+            </a:r>
+            <a:endParaRPr lang="fr-FR" dirty="0" smtClean="0"/>
+          </a:p>
+          <a:p>
+            <a:pPr marL="0" indent="0">
+              <a:buNone/>
+            </a:pPr>
+            <a:endParaRPr lang="fr-FR" dirty="0"/>
+          </a:p>
+        </p:txBody>
+      </p:sp>
+    </p:spTree>
+    <p:extLst>
+      <p:ext uri="{BB962C8B-B14F-4D97-AF65-F5344CB8AC3E}">
+        <p14:creationId xmlns:p14="http://schemas.microsoft.com/office/powerpoint/2010/main" val="412892584"/>
+      </p:ext>
+    </p:extLst>
+  </p:cSld>
+  <p:clrMapOvr>
+    <a:masterClrMapping/>
+  </p:clrMapOvr>
+  <p:timing>
+    <p:tnLst>
+      <p:par>
+        <p:cTn id="1" dur="indefinite" restart="never" nodeType="tmRoot"/>
+      </p:par>
+    </p:tnLst>
+  </p:timing>
+</p:sld>
+</file>
+
+<file path=ppt/slides/slide44.xml><?xml version="1.0" encoding="utf-8"?>
+<p:sld xmlns:a="http://schemas.openxmlformats.org/drawingml/2006/main" xmlns:r="http://schemas.openxmlformats.org/officeDocument/2006/relationships" xmlns:p="http://schemas.openxmlformats.org/presentationml/2006/main">
+  <p:cSld>
+    <p:spTree>
+      <p:nvGrpSpPr>
+        <p:cNvPr id="1" name=""/>
+        <p:cNvGrpSpPr/>
+        <p:nvPr/>
+      </p:nvGrpSpPr>
+      <p:grpSpPr>
+        <a:xfrm>
+          <a:off x="0" y="0"/>
+          <a:ext cx="0" cy="0"/>
+          <a:chOff x="0" y="0"/>
+          <a:chExt cx="0" cy="0"/>
+        </a:xfrm>
+      </p:grpSpPr>
+      <p:sp>
+        <p:nvSpPr>
+          <p:cNvPr id="2" name="Titre 1"/>
+          <p:cNvSpPr>
+            <a:spLocks noGrp="1"/>
+          </p:cNvSpPr>
+          <p:nvPr>
+            <p:ph type="title"/>
+          </p:nvPr>
+        </p:nvSpPr>
+        <p:spPr/>
+        <p:txBody>
+          <a:bodyPr/>
+          <a:lstStyle/>
+          <a:p>
+            <a:r>
+              <a:rPr lang="fr-FR" dirty="0" smtClean="0"/>
+              <a:t>Configuration en mode </a:t>
+            </a:r>
+            <a:r>
+              <a:rPr lang="fr-FR" dirty="0" smtClean="0">
+                <a:solidFill>
+                  <a:srgbClr val="00B050"/>
+                </a:solidFill>
+              </a:rPr>
+              <a:t>CI/CD</a:t>
+            </a:r>
+            <a:endParaRPr lang="fr-FR" dirty="0">
+              <a:solidFill>
+                <a:srgbClr val="00B050"/>
+              </a:solidFill>
+            </a:endParaRPr>
+          </a:p>
+        </p:txBody>
+      </p:sp>
+      <p:sp>
+        <p:nvSpPr>
+          <p:cNvPr id="3" name="Espace réservé du contenu 2"/>
+          <p:cNvSpPr>
+            <a:spLocks noGrp="1"/>
+          </p:cNvSpPr>
+          <p:nvPr>
+            <p:ph idx="1"/>
+          </p:nvPr>
+        </p:nvSpPr>
+        <p:spPr/>
+        <p:txBody>
+          <a:bodyPr/>
+          <a:lstStyle/>
+          <a:p>
+            <a:r>
               <a:rPr lang="fr-FR" dirty="0" err="1" smtClean="0"/>
               <a:t>GitLab</a:t>
             </a:r>
@@ -24906,7 +25327,7 @@
 </p:sld>
 </file>
 
-<file path=ppt/slides/slide44.xml><?xml version="1.0" encoding="utf-8"?>
+<file path=ppt/slides/slide45.xml><?xml version="1.0" encoding="utf-8"?>
 <p:sld xmlns:a="http://schemas.openxmlformats.org/drawingml/2006/main" xmlns:r="http://schemas.openxmlformats.org/officeDocument/2006/relationships" xmlns:p="http://schemas.openxmlformats.org/presentationml/2006/main">
   <p:cSld>
     <p:spTree>
@@ -25298,7 +25719,7 @@
 </p:sld>
 </file>
 
-<file path=ppt/slides/slide45.xml><?xml version="1.0" encoding="utf-8"?>
+<file path=ppt/slides/slide46.xml><?xml version="1.0" encoding="utf-8"?>
 <p:sld xmlns:a="http://schemas.openxmlformats.org/drawingml/2006/main" xmlns:r="http://schemas.openxmlformats.org/officeDocument/2006/relationships" xmlns:p="http://schemas.openxmlformats.org/presentationml/2006/main">
   <p:cSld>
     <p:spTree>
@@ -25465,7 +25886,7 @@
 </p:sld>
 </file>
 
-<file path=ppt/slides/slide46.xml><?xml version="1.0" encoding="utf-8"?>
+<file path=ppt/slides/slide47.xml><?xml version="1.0" encoding="utf-8"?>
 <p:sld xmlns:a="http://schemas.openxmlformats.org/drawingml/2006/main" xmlns:r="http://schemas.openxmlformats.org/officeDocument/2006/relationships" xmlns:p="http://schemas.openxmlformats.org/presentationml/2006/main">
   <p:cSld>
     <p:spTree>
@@ -25531,7 +25952,7 @@
 </p:sld>
 </file>
 
-<file path=ppt/slides/slide47.xml><?xml version="1.0" encoding="utf-8"?>
+<file path=ppt/slides/slide48.xml><?xml version="1.0" encoding="utf-8"?>
 <p:sld xmlns:a="http://schemas.openxmlformats.org/drawingml/2006/main" xmlns:r="http://schemas.openxmlformats.org/officeDocument/2006/relationships" xmlns:p="http://schemas.openxmlformats.org/presentationml/2006/main">
   <p:cSld>
     <p:spTree>
@@ -25681,7 +26102,7 @@
           <p:nvPr>
             <p:extLst>
               <p:ext uri="{D42A27DB-BD31-4B8C-83A1-F6EECF244321}">
-                <p14:modId xmlns:p14="http://schemas.microsoft.com/office/powerpoint/2010/main" val="1351073384"/>
+                <p14:modId xmlns:p14="http://schemas.microsoft.com/office/powerpoint/2010/main" val="1317635715"/>
               </p:ext>
             </p:extLst>
           </p:nvPr>
@@ -25761,7 +26182,7 @@
                       </a:r>
                       <a:r>
                         <a:rPr lang="fr-FR" b="0" dirty="0" err="1" smtClean="0"/>
-                        <a:t>someUnitTest</a:t>
+                        <a:t>testSomeUnitTest</a:t>
                       </a:r>
                       <a:r>
                         <a:rPr lang="fr-FR" b="0" dirty="0" smtClean="0"/>
@@ -25943,7 +26364,7 @@
 </p:sld>
 </file>
 
-<file path=ppt/slides/slide48.xml><?xml version="1.0" encoding="utf-8"?>
+<file path=ppt/slides/slide49.xml><?xml version="1.0" encoding="utf-8"?>
 <p:sld xmlns:a="http://schemas.openxmlformats.org/drawingml/2006/main" xmlns:r="http://schemas.openxmlformats.org/officeDocument/2006/relationships" xmlns:p="http://schemas.openxmlformats.org/presentationml/2006/main">
   <p:cSld>
     <p:spTree>
@@ -26182,254 +26603,6 @@
     <p:extLst>
       <p:ext uri="{BB962C8B-B14F-4D97-AF65-F5344CB8AC3E}">
         <p14:creationId xmlns:p14="http://schemas.microsoft.com/office/powerpoint/2010/main" val="3227277427"/>
-      </p:ext>
-    </p:extLst>
-  </p:cSld>
-  <p:clrMapOvr>
-    <a:masterClrMapping/>
-  </p:clrMapOvr>
-  <p:timing>
-    <p:tnLst>
-      <p:par>
-        <p:cTn id="1" dur="indefinite" restart="never" nodeType="tmRoot"/>
-      </p:par>
-    </p:tnLst>
-  </p:timing>
-</p:sld>
-</file>
-
-<file path=ppt/slides/slide49.xml><?xml version="1.0" encoding="utf-8"?>
-<p:sld xmlns:a="http://schemas.openxmlformats.org/drawingml/2006/main" xmlns:r="http://schemas.openxmlformats.org/officeDocument/2006/relationships" xmlns:p="http://schemas.openxmlformats.org/presentationml/2006/main">
-  <p:cSld>
-    <p:spTree>
-      <p:nvGrpSpPr>
-        <p:cNvPr id="1" name=""/>
-        <p:cNvGrpSpPr/>
-        <p:nvPr/>
-      </p:nvGrpSpPr>
-      <p:grpSpPr>
-        <a:xfrm>
-          <a:off x="0" y="0"/>
-          <a:ext cx="0" cy="0"/>
-          <a:chOff x="0" y="0"/>
-          <a:chExt cx="0" cy="0"/>
-        </a:xfrm>
-      </p:grpSpPr>
-      <p:sp>
-        <p:nvSpPr>
-          <p:cNvPr id="5" name="Titre 4"/>
-          <p:cNvSpPr>
-            <a:spLocks noGrp="1"/>
-          </p:cNvSpPr>
-          <p:nvPr>
-            <p:ph type="title"/>
-          </p:nvPr>
-        </p:nvSpPr>
-        <p:spPr/>
-        <p:txBody>
-          <a:bodyPr/>
-          <a:lstStyle/>
-          <a:p>
-            <a:r>
-              <a:rPr lang="fr-FR" dirty="0" err="1" smtClean="0"/>
-              <a:t>Javascript</a:t>
-            </a:r>
-            <a:endParaRPr lang="fr-FR" dirty="0"/>
-          </a:p>
-        </p:txBody>
-      </p:sp>
-      <p:sp>
-        <p:nvSpPr>
-          <p:cNvPr id="6" name="Espace réservé du contenu 5"/>
-          <p:cNvSpPr>
-            <a:spLocks noGrp="1"/>
-          </p:cNvSpPr>
-          <p:nvPr>
-            <p:ph idx="1"/>
-          </p:nvPr>
-        </p:nvSpPr>
-        <p:spPr/>
-        <p:txBody>
-          <a:bodyPr/>
-          <a:lstStyle/>
-          <a:p>
-            <a:r>
-              <a:rPr lang="fr-FR" dirty="0" smtClean="0"/>
-              <a:t>Il est possible d’exécuter du </a:t>
-            </a:r>
-            <a:r>
-              <a:rPr lang="fr-FR" dirty="0" err="1" smtClean="0"/>
-              <a:t>javascript</a:t>
-            </a:r>
-            <a:r>
-              <a:rPr lang="fr-FR" dirty="0" smtClean="0"/>
-              <a:t> directement dans le navigateur.</a:t>
-            </a:r>
-            <a:endParaRPr lang="fr-FR" dirty="0" smtClean="0"/>
-          </a:p>
-          <a:p>
-            <a:endParaRPr lang="fr-FR" dirty="0"/>
-          </a:p>
-          <a:p>
-            <a:endParaRPr lang="fr-FR" dirty="0" smtClean="0"/>
-          </a:p>
-          <a:p>
-            <a:endParaRPr lang="fr-FR" dirty="0"/>
-          </a:p>
-          <a:p>
-            <a:endParaRPr lang="fr-FR" dirty="0" smtClean="0"/>
-          </a:p>
-          <a:p>
-            <a:r>
-              <a:rPr lang="fr-FR" dirty="0" smtClean="0"/>
-              <a:t>Liste d’exemples :</a:t>
-            </a:r>
-          </a:p>
-          <a:p>
-            <a:pPr marL="0" indent="0">
-              <a:buNone/>
-            </a:pPr>
-            <a:r>
-              <a:rPr lang="fr-FR" dirty="0">
-                <a:hlinkClick r:id="rId3"/>
-              </a:rPr>
-              <a:t>https://github.com/symfony/panther/blob/master/tests</a:t>
-            </a:r>
-            <a:r>
-              <a:rPr lang="fr-FR" dirty="0" smtClean="0">
-                <a:hlinkClick r:id="rId3"/>
-              </a:rPr>
-              <a:t>/</a:t>
-            </a:r>
-            <a:endParaRPr lang="fr-FR" dirty="0" smtClean="0"/>
-          </a:p>
-          <a:p>
-            <a:pPr marL="0" indent="0">
-              <a:buNone/>
-            </a:pPr>
-            <a:endParaRPr lang="fr-FR" dirty="0"/>
-          </a:p>
-        </p:txBody>
-      </p:sp>
-      <p:sp>
-        <p:nvSpPr>
-          <p:cNvPr id="7" name="ZoneTexte 6"/>
-          <p:cNvSpPr txBox="1"/>
-          <p:nvPr/>
-        </p:nvSpPr>
-        <p:spPr>
-          <a:xfrm>
-            <a:off x="10510378" y="589337"/>
-            <a:ext cx="530915" cy="461665"/>
-          </a:xfrm>
-          <a:prstGeom prst="rect">
-            <a:avLst/>
-          </a:prstGeom>
-          <a:noFill/>
-        </p:spPr>
-        <p:txBody>
-          <a:bodyPr wrap="none" rtlCol="0">
-            <a:spAutoFit/>
-          </a:bodyPr>
-          <a:lstStyle/>
-          <a:p>
-            <a:r>
-              <a:rPr lang="fr-FR" sz="2400" b="1" dirty="0" smtClean="0">
-                <a:solidFill>
-                  <a:schemeClr val="bg1"/>
-                </a:solidFill>
-              </a:rPr>
-              <a:t>02</a:t>
-            </a:r>
-            <a:endParaRPr lang="fr-FR" sz="2400" b="1" dirty="0">
-              <a:solidFill>
-                <a:schemeClr val="bg1"/>
-              </a:solidFill>
-            </a:endParaRPr>
-          </a:p>
-        </p:txBody>
-      </p:sp>
-      <p:graphicFrame>
-        <p:nvGraphicFramePr>
-          <p:cNvPr id="8" name="Tableau 7"/>
-          <p:cNvGraphicFramePr>
-            <a:graphicFrameLocks noGrp="1"/>
-          </p:cNvGraphicFramePr>
-          <p:nvPr>
-            <p:extLst>
-              <p:ext uri="{D42A27DB-BD31-4B8C-83A1-F6EECF244321}">
-                <p14:modId xmlns:p14="http://schemas.microsoft.com/office/powerpoint/2010/main" val="4150175691"/>
-              </p:ext>
-            </p:extLst>
-          </p:nvPr>
-        </p:nvGraphicFramePr>
-        <p:xfrm>
-          <a:off x="1471660" y="3940810"/>
-          <a:ext cx="8128000" cy="370840"/>
-        </p:xfrm>
-        <a:graphic>
-          <a:graphicData uri="http://schemas.openxmlformats.org/drawingml/2006/table">
-            <a:tbl>
-              <a:tblPr firstRow="1" bandRow="1">
-                <a:tableStyleId>{5C22544A-7EE6-4342-B048-85BDC9FD1C3A}</a:tableStyleId>
-              </a:tblPr>
-              <a:tblGrid>
-                <a:gridCol w="8128000"/>
-              </a:tblGrid>
-              <a:tr h="370840">
-                <a:tc>
-                  <a:txBody>
-                    <a:bodyPr/>
-                    <a:lstStyle/>
-                    <a:p>
-                      <a:pPr marL="400050" lvl="1" indent="0">
-                        <a:buNone/>
-                      </a:pPr>
-                      <a:r>
-                        <a:rPr lang="fr-FR" b="0" dirty="0" smtClean="0"/>
-                        <a:t>$client-&gt;</a:t>
-                      </a:r>
-                      <a:r>
-                        <a:rPr lang="fr-FR" b="0" dirty="0" err="1" smtClean="0"/>
-                        <a:t>executeScript</a:t>
-                      </a:r>
-                      <a:r>
-                        <a:rPr lang="fr-FR" b="0" dirty="0" smtClean="0"/>
-                        <a:t>(‘</a:t>
-                      </a:r>
-                      <a:r>
-                        <a:rPr lang="fr-FR" b="1" dirty="0" err="1" smtClean="0"/>
-                        <a:t>alert</a:t>
-                      </a:r>
-                      <a:r>
-                        <a:rPr lang="fr-FR" b="1" dirty="0" smtClean="0"/>
-                        <a:t>(\’</a:t>
-                      </a:r>
-                      <a:r>
-                        <a:rPr lang="fr-FR" b="1" dirty="0" err="1" smtClean="0"/>
-                        <a:t>Javascript</a:t>
-                      </a:r>
-                      <a:r>
-                        <a:rPr lang="fr-FR" b="1" dirty="0" smtClean="0"/>
-                        <a:t>\’)</a:t>
-                      </a:r>
-                      <a:r>
-                        <a:rPr lang="fr-FR" b="0" dirty="0" smtClean="0"/>
-                        <a:t>’);</a:t>
-                      </a:r>
-                    </a:p>
-                  </a:txBody>
-                  <a:tcPr/>
-                </a:tc>
-              </a:tr>
-            </a:tbl>
-          </a:graphicData>
-        </a:graphic>
-      </p:graphicFrame>
-    </p:spTree>
-    <p:extLst>
-      <p:ext uri="{BB962C8B-B14F-4D97-AF65-F5344CB8AC3E}">
-        <p14:creationId xmlns:p14="http://schemas.microsoft.com/office/powerpoint/2010/main" val="1633323789"/>
       </p:ext>
     </p:extLst>
   </p:cSld>
@@ -26604,6 +26777,254 @@
           <a:lstStyle/>
           <a:p>
             <a:r>
+              <a:rPr lang="fr-FR" dirty="0" err="1" smtClean="0"/>
+              <a:t>Javascript</a:t>
+            </a:r>
+            <a:endParaRPr lang="fr-FR" dirty="0"/>
+          </a:p>
+        </p:txBody>
+      </p:sp>
+      <p:sp>
+        <p:nvSpPr>
+          <p:cNvPr id="6" name="Espace réservé du contenu 5"/>
+          <p:cNvSpPr>
+            <a:spLocks noGrp="1"/>
+          </p:cNvSpPr>
+          <p:nvPr>
+            <p:ph idx="1"/>
+          </p:nvPr>
+        </p:nvSpPr>
+        <p:spPr/>
+        <p:txBody>
+          <a:bodyPr/>
+          <a:lstStyle/>
+          <a:p>
+            <a:r>
+              <a:rPr lang="fr-FR" dirty="0" smtClean="0"/>
+              <a:t>Il est possible d’exécuter du </a:t>
+            </a:r>
+            <a:r>
+              <a:rPr lang="fr-FR" dirty="0" err="1" smtClean="0"/>
+              <a:t>javascript</a:t>
+            </a:r>
+            <a:r>
+              <a:rPr lang="fr-FR" dirty="0" smtClean="0"/>
+              <a:t> directement dans le navigateur.</a:t>
+            </a:r>
+            <a:endParaRPr lang="fr-FR" dirty="0" smtClean="0"/>
+          </a:p>
+          <a:p>
+            <a:endParaRPr lang="fr-FR" dirty="0"/>
+          </a:p>
+          <a:p>
+            <a:endParaRPr lang="fr-FR" dirty="0" smtClean="0"/>
+          </a:p>
+          <a:p>
+            <a:endParaRPr lang="fr-FR" dirty="0"/>
+          </a:p>
+          <a:p>
+            <a:endParaRPr lang="fr-FR" dirty="0" smtClean="0"/>
+          </a:p>
+          <a:p>
+            <a:r>
+              <a:rPr lang="fr-FR" dirty="0" smtClean="0"/>
+              <a:t>Liste d’exemples :</a:t>
+            </a:r>
+          </a:p>
+          <a:p>
+            <a:pPr marL="0" indent="0">
+              <a:buNone/>
+            </a:pPr>
+            <a:r>
+              <a:rPr lang="fr-FR" dirty="0">
+                <a:hlinkClick r:id="rId3"/>
+              </a:rPr>
+              <a:t>https://github.com/symfony/panther/blob/master/tests</a:t>
+            </a:r>
+            <a:r>
+              <a:rPr lang="fr-FR" dirty="0" smtClean="0">
+                <a:hlinkClick r:id="rId3"/>
+              </a:rPr>
+              <a:t>/</a:t>
+            </a:r>
+            <a:endParaRPr lang="fr-FR" dirty="0" smtClean="0"/>
+          </a:p>
+          <a:p>
+            <a:pPr marL="0" indent="0">
+              <a:buNone/>
+            </a:pPr>
+            <a:endParaRPr lang="fr-FR" dirty="0"/>
+          </a:p>
+        </p:txBody>
+      </p:sp>
+      <p:sp>
+        <p:nvSpPr>
+          <p:cNvPr id="7" name="ZoneTexte 6"/>
+          <p:cNvSpPr txBox="1"/>
+          <p:nvPr/>
+        </p:nvSpPr>
+        <p:spPr>
+          <a:xfrm>
+            <a:off x="10510378" y="589337"/>
+            <a:ext cx="530915" cy="461665"/>
+          </a:xfrm>
+          <a:prstGeom prst="rect">
+            <a:avLst/>
+          </a:prstGeom>
+          <a:noFill/>
+        </p:spPr>
+        <p:txBody>
+          <a:bodyPr wrap="none" rtlCol="0">
+            <a:spAutoFit/>
+          </a:bodyPr>
+          <a:lstStyle/>
+          <a:p>
+            <a:r>
+              <a:rPr lang="fr-FR" sz="2400" b="1" dirty="0" smtClean="0">
+                <a:solidFill>
+                  <a:schemeClr val="bg1"/>
+                </a:solidFill>
+              </a:rPr>
+              <a:t>02</a:t>
+            </a:r>
+            <a:endParaRPr lang="fr-FR" sz="2400" b="1" dirty="0">
+              <a:solidFill>
+                <a:schemeClr val="bg1"/>
+              </a:solidFill>
+            </a:endParaRPr>
+          </a:p>
+        </p:txBody>
+      </p:sp>
+      <p:graphicFrame>
+        <p:nvGraphicFramePr>
+          <p:cNvPr id="8" name="Tableau 7"/>
+          <p:cNvGraphicFramePr>
+            <a:graphicFrameLocks noGrp="1"/>
+          </p:cNvGraphicFramePr>
+          <p:nvPr>
+            <p:extLst>
+              <p:ext uri="{D42A27DB-BD31-4B8C-83A1-F6EECF244321}">
+                <p14:modId xmlns:p14="http://schemas.microsoft.com/office/powerpoint/2010/main" val="4150175691"/>
+              </p:ext>
+            </p:extLst>
+          </p:nvPr>
+        </p:nvGraphicFramePr>
+        <p:xfrm>
+          <a:off x="1471660" y="3940810"/>
+          <a:ext cx="8128000" cy="370840"/>
+        </p:xfrm>
+        <a:graphic>
+          <a:graphicData uri="http://schemas.openxmlformats.org/drawingml/2006/table">
+            <a:tbl>
+              <a:tblPr firstRow="1" bandRow="1">
+                <a:tableStyleId>{5C22544A-7EE6-4342-B048-85BDC9FD1C3A}</a:tableStyleId>
+              </a:tblPr>
+              <a:tblGrid>
+                <a:gridCol w="8128000"/>
+              </a:tblGrid>
+              <a:tr h="370840">
+                <a:tc>
+                  <a:txBody>
+                    <a:bodyPr/>
+                    <a:lstStyle/>
+                    <a:p>
+                      <a:pPr marL="400050" lvl="1" indent="0">
+                        <a:buNone/>
+                      </a:pPr>
+                      <a:r>
+                        <a:rPr lang="fr-FR" b="0" dirty="0" smtClean="0"/>
+                        <a:t>$client-&gt;</a:t>
+                      </a:r>
+                      <a:r>
+                        <a:rPr lang="fr-FR" b="0" dirty="0" err="1" smtClean="0"/>
+                        <a:t>executeScript</a:t>
+                      </a:r>
+                      <a:r>
+                        <a:rPr lang="fr-FR" b="0" dirty="0" smtClean="0"/>
+                        <a:t>(‘</a:t>
+                      </a:r>
+                      <a:r>
+                        <a:rPr lang="fr-FR" b="1" dirty="0" err="1" smtClean="0"/>
+                        <a:t>alert</a:t>
+                      </a:r>
+                      <a:r>
+                        <a:rPr lang="fr-FR" b="1" dirty="0" smtClean="0"/>
+                        <a:t>(\’</a:t>
+                      </a:r>
+                      <a:r>
+                        <a:rPr lang="fr-FR" b="1" dirty="0" err="1" smtClean="0"/>
+                        <a:t>Javascript</a:t>
+                      </a:r>
+                      <a:r>
+                        <a:rPr lang="fr-FR" b="1" dirty="0" smtClean="0"/>
+                        <a:t>\’)</a:t>
+                      </a:r>
+                      <a:r>
+                        <a:rPr lang="fr-FR" b="0" dirty="0" smtClean="0"/>
+                        <a:t>’);</a:t>
+                      </a:r>
+                    </a:p>
+                  </a:txBody>
+                  <a:tcPr/>
+                </a:tc>
+              </a:tr>
+            </a:tbl>
+          </a:graphicData>
+        </a:graphic>
+      </p:graphicFrame>
+    </p:spTree>
+    <p:extLst>
+      <p:ext uri="{BB962C8B-B14F-4D97-AF65-F5344CB8AC3E}">
+        <p14:creationId xmlns:p14="http://schemas.microsoft.com/office/powerpoint/2010/main" val="1633323789"/>
+      </p:ext>
+    </p:extLst>
+  </p:cSld>
+  <p:clrMapOvr>
+    <a:masterClrMapping/>
+  </p:clrMapOvr>
+  <p:timing>
+    <p:tnLst>
+      <p:par>
+        <p:cTn id="1" dur="indefinite" restart="never" nodeType="tmRoot"/>
+      </p:par>
+    </p:tnLst>
+  </p:timing>
+</p:sld>
+</file>
+
+<file path=ppt/slides/slide51.xml><?xml version="1.0" encoding="utf-8"?>
+<p:sld xmlns:a="http://schemas.openxmlformats.org/drawingml/2006/main" xmlns:r="http://schemas.openxmlformats.org/officeDocument/2006/relationships" xmlns:p="http://schemas.openxmlformats.org/presentationml/2006/main">
+  <p:cSld>
+    <p:spTree>
+      <p:nvGrpSpPr>
+        <p:cNvPr id="1" name=""/>
+        <p:cNvGrpSpPr/>
+        <p:nvPr/>
+      </p:nvGrpSpPr>
+      <p:grpSpPr>
+        <a:xfrm>
+          <a:off x="0" y="0"/>
+          <a:ext cx="0" cy="0"/>
+          <a:chOff x="0" y="0"/>
+          <a:chExt cx="0" cy="0"/>
+        </a:xfrm>
+      </p:grpSpPr>
+      <p:sp>
+        <p:nvSpPr>
+          <p:cNvPr id="5" name="Titre 4"/>
+          <p:cNvSpPr>
+            <a:spLocks noGrp="1"/>
+          </p:cNvSpPr>
+          <p:nvPr>
+            <p:ph type="title"/>
+          </p:nvPr>
+        </p:nvSpPr>
+        <p:spPr/>
+        <p:txBody>
+          <a:bodyPr/>
+          <a:lstStyle/>
+          <a:p>
+            <a:r>
               <a:rPr lang="fr-FR" dirty="0" smtClean="0"/>
               <a:t>Autres</a:t>
             </a:r>
@@ -26998,7 +27419,7 @@
 </p:sld>
 </file>
 
-<file path=ppt/slides/slide51.xml><?xml version="1.0" encoding="utf-8"?>
+<file path=ppt/slides/slide52.xml><?xml version="1.0" encoding="utf-8"?>
 <p:sld xmlns:a="http://schemas.openxmlformats.org/drawingml/2006/main" xmlns:r="http://schemas.openxmlformats.org/officeDocument/2006/relationships" xmlns:p="http://schemas.openxmlformats.org/presentationml/2006/main">
   <p:cSld>
     <p:spTree>
@@ -27253,7 +27674,7 @@
 </p:sld>
 </file>
 
-<file path=ppt/slides/slide52.xml><?xml version="1.0" encoding="utf-8"?>
+<file path=ppt/slides/slide53.xml><?xml version="1.0" encoding="utf-8"?>
 <p:sld xmlns:a="http://schemas.openxmlformats.org/drawingml/2006/main" xmlns:r="http://schemas.openxmlformats.org/officeDocument/2006/relationships" xmlns:p="http://schemas.openxmlformats.org/presentationml/2006/main">
   <p:cSld>
     <p:spTree>
@@ -27492,7 +27913,7 @@
 </p:sld>
 </file>
 
-<file path=ppt/slides/slide53.xml><?xml version="1.0" encoding="utf-8"?>
+<file path=ppt/slides/slide54.xml><?xml version="1.0" encoding="utf-8"?>
 <p:sld xmlns:a="http://schemas.openxmlformats.org/drawingml/2006/main" xmlns:r="http://schemas.openxmlformats.org/officeDocument/2006/relationships" xmlns:p="http://schemas.openxmlformats.org/presentationml/2006/main">
   <p:cSld>
     <p:spTree>
@@ -27954,7 +28375,7 @@
 </p:sld>
 </file>
 
-<file path=ppt/slides/slide54.xml><?xml version="1.0" encoding="utf-8"?>
+<file path=ppt/slides/slide55.xml><?xml version="1.0" encoding="utf-8"?>
 <p:sld xmlns:a="http://schemas.openxmlformats.org/drawingml/2006/main" xmlns:r="http://schemas.openxmlformats.org/officeDocument/2006/relationships" xmlns:p="http://schemas.openxmlformats.org/presentationml/2006/main">
   <p:cSld>
     <p:spTree>
@@ -28139,7 +28560,7 @@
 </p:sld>
 </file>
 
-<file path=ppt/slides/slide55.xml><?xml version="1.0" encoding="utf-8"?>
+<file path=ppt/slides/slide56.xml><?xml version="1.0" encoding="utf-8"?>
 <p:sld xmlns:a="http://schemas.openxmlformats.org/drawingml/2006/main" xmlns:r="http://schemas.openxmlformats.org/officeDocument/2006/relationships" xmlns:p="http://schemas.openxmlformats.org/presentationml/2006/main">
   <p:cSld>
     <p:spTree>
@@ -28313,7 +28734,7 @@
 </p:sld>
 </file>
 
-<file path=ppt/slides/slide56.xml><?xml version="1.0" encoding="utf-8"?>
+<file path=ppt/slides/slide57.xml><?xml version="1.0" encoding="utf-8"?>
 <p:sld xmlns:a="http://schemas.openxmlformats.org/drawingml/2006/main" xmlns:r="http://schemas.openxmlformats.org/officeDocument/2006/relationships" xmlns:p="http://schemas.openxmlformats.org/presentationml/2006/main">
   <p:cSld>
     <p:spTree>

--- a/Tests unitaires et fonctionnels.pptx
+++ b/Tests unitaires et fonctionnels.pptx
@@ -5,7 +5,7 @@
     <p:sldMasterId id="2147483648" r:id="rId1"/>
   </p:sldMasterIdLst>
   <p:notesMasterIdLst>
-    <p:notesMasterId r:id="rId59"/>
+    <p:notesMasterId r:id="rId61"/>
   </p:notesMasterIdLst>
   <p:sldIdLst>
     <p:sldId id="256" r:id="rId2"/>
@@ -52,19 +52,21 @@
     <p:sldId id="294" r:id="rId43"/>
     <p:sldId id="275" r:id="rId44"/>
     <p:sldId id="297" r:id="rId45"/>
-    <p:sldId id="298" r:id="rId46"/>
-    <p:sldId id="296" r:id="rId47"/>
-    <p:sldId id="268" r:id="rId48"/>
-    <p:sldId id="290" r:id="rId49"/>
-    <p:sldId id="306" r:id="rId50"/>
-    <p:sldId id="310" r:id="rId51"/>
-    <p:sldId id="312" r:id="rId52"/>
-    <p:sldId id="284" r:id="rId53"/>
-    <p:sldId id="301" r:id="rId54"/>
-    <p:sldId id="302" r:id="rId55"/>
-    <p:sldId id="303" r:id="rId56"/>
-    <p:sldId id="304" r:id="rId57"/>
-    <p:sldId id="269" r:id="rId58"/>
+    <p:sldId id="314" r:id="rId46"/>
+    <p:sldId id="315" r:id="rId47"/>
+    <p:sldId id="298" r:id="rId48"/>
+    <p:sldId id="296" r:id="rId49"/>
+    <p:sldId id="268" r:id="rId50"/>
+    <p:sldId id="290" r:id="rId51"/>
+    <p:sldId id="306" r:id="rId52"/>
+    <p:sldId id="310" r:id="rId53"/>
+    <p:sldId id="312" r:id="rId54"/>
+    <p:sldId id="284" r:id="rId55"/>
+    <p:sldId id="301" r:id="rId56"/>
+    <p:sldId id="302" r:id="rId57"/>
+    <p:sldId id="303" r:id="rId58"/>
+    <p:sldId id="304" r:id="rId59"/>
+    <p:sldId id="269" r:id="rId60"/>
   </p:sldIdLst>
   <p:sldSz cx="12192000" cy="6858000"/>
   <p:notesSz cx="6858000" cy="9144000"/>
@@ -307,7 +309,7 @@
           <a:p>
             <a:fld id="{61F07C79-AA05-4ABC-B3AB-76007F07C3B9}" type="datetimeFigureOut">
               <a:rPr lang="fr-FR" smtClean="0"/>
-              <a:t>28/02/2019</a:t>
+              <a:t>07/03/2019</a:t>
             </a:fld>
             <a:endParaRPr lang="fr-FR"/>
           </a:p>
@@ -927,7 +929,7 @@
           <a:p>
             <a:fld id="{5C20D268-D42A-4458-B323-BBF9AF1E1380}" type="slidenum">
               <a:rPr lang="fr-FR" smtClean="0"/>
-              <a:t>50</a:t>
+              <a:t>52</a:t>
             </a:fld>
             <a:endParaRPr lang="fr-FR"/>
           </a:p>
@@ -1015,7 +1017,7 @@
           <a:p>
             <a:fld id="{5C20D268-D42A-4458-B323-BBF9AF1E1380}" type="slidenum">
               <a:rPr lang="fr-FR" smtClean="0"/>
-              <a:t>51</a:t>
+              <a:t>53</a:t>
             </a:fld>
             <a:endParaRPr lang="fr-FR"/>
           </a:p>
@@ -1370,7 +1372,7 @@
             <a:fld id="{5923F103-BC34-4FE4-A40E-EDDEECFDA5D0}" type="datetimeFigureOut">
               <a:rPr lang="en-US" dirty="0"/>
               <a:pPr/>
-              <a:t>2/28/2019</a:t>
+              <a:t>3/7/2019</a:t>
             </a:fld>
             <a:endParaRPr lang="en-US" dirty="0"/>
           </a:p>
@@ -2458,7 +2460,7 @@
           <a:p>
             <a:fld id="{923A1CC3-2375-41D4-9E03-427CAF2A4C1A}" type="datetimeFigureOut">
               <a:rPr lang="en-US" dirty="0"/>
-              <a:t>2/28/2019</a:t>
+              <a:t>3/7/2019</a:t>
             </a:fld>
             <a:endParaRPr lang="en-US" dirty="0"/>
           </a:p>
@@ -3438,7 +3440,7 @@
           <a:p>
             <a:fld id="{AFF16868-8199-4C2C-A5B1-63AEE139F88E}" type="datetimeFigureOut">
               <a:rPr lang="en-US" dirty="0"/>
-              <a:t>2/28/2019</a:t>
+              <a:t>3/7/2019</a:t>
             </a:fld>
             <a:endParaRPr lang="en-US" dirty="0"/>
           </a:p>
@@ -4572,7 +4574,7 @@
           <a:p>
             <a:fld id="{AAD9FF7F-6988-44CC-821B-644E70CD2F73}" type="datetimeFigureOut">
               <a:rPr lang="en-US" dirty="0"/>
-              <a:t>2/28/2019</a:t>
+              <a:t>3/7/2019</a:t>
             </a:fld>
             <a:endParaRPr lang="en-US" dirty="0"/>
           </a:p>
@@ -5605,7 +5607,7 @@
           <a:p>
             <a:fld id="{5C12C299-16B2-4475-990D-751901EACC14}" type="datetimeFigureOut">
               <a:rPr lang="en-US" dirty="0"/>
-              <a:t>2/28/2019</a:t>
+              <a:t>3/7/2019</a:t>
             </a:fld>
             <a:endParaRPr lang="en-US" dirty="0"/>
           </a:p>
@@ -6265,7 +6267,7 @@
           <a:p>
             <a:fld id="{9FE86839-B9D8-4651-8783-F325ECE74E65}" type="datetimeFigureOut">
               <a:rPr lang="en-US" dirty="0"/>
-              <a:t>2/28/2019</a:t>
+              <a:t>3/7/2019</a:t>
             </a:fld>
             <a:endParaRPr lang="en-US" dirty="0"/>
           </a:p>
@@ -7126,7 +7128,7 @@
           <a:p>
             <a:fld id="{FD484F64-32F6-45C5-931F-ADC1662401D0}" type="datetimeFigureOut">
               <a:rPr lang="en-US" dirty="0"/>
-              <a:t>2/28/2019</a:t>
+              <a:t>3/7/2019</a:t>
             </a:fld>
             <a:endParaRPr lang="en-US" dirty="0"/>
           </a:p>
@@ -7316,7 +7318,7 @@
           <a:p>
             <a:fld id="{53086D93-FCAC-47E0-A2EE-787E62CA814C}" type="datetimeFigureOut">
               <a:rPr lang="en-US" dirty="0"/>
-              <a:t>2/28/2019</a:t>
+              <a:t>3/7/2019</a:t>
             </a:fld>
             <a:endParaRPr lang="en-US" dirty="0"/>
           </a:p>
@@ -8288,7 +8290,7 @@
           <a:p>
             <a:fld id="{CDA879A6-0FD0-4734-A311-86BFCA472E6E}" type="datetimeFigureOut">
               <a:rPr lang="en-US" dirty="0"/>
-              <a:t>2/28/2019</a:t>
+              <a:t>3/7/2019</a:t>
             </a:fld>
             <a:endParaRPr lang="en-US" dirty="0"/>
           </a:p>
@@ -8499,7 +8501,7 @@
           <a:p>
             <a:fld id="{19C9CA7B-DFD4-44B5-8C60-D14B8CD1FB59}" type="datetimeFigureOut">
               <a:rPr lang="en-US" dirty="0"/>
-              <a:t>2/28/2019</a:t>
+              <a:t>3/7/2019</a:t>
             </a:fld>
             <a:endParaRPr lang="en-US" dirty="0"/>
           </a:p>
@@ -9533,7 +9535,7 @@
           <a:p>
             <a:fld id="{F34E6425-0181-43F2-84FC-787E803FD2F8}" type="datetimeFigureOut">
               <a:rPr lang="en-US" dirty="0"/>
-              <a:t>2/28/2019</a:t>
+              <a:t>3/7/2019</a:t>
             </a:fld>
             <a:endParaRPr lang="en-US" dirty="0"/>
           </a:p>
@@ -9805,7 +9807,7 @@
           <a:p>
             <a:fld id="{3BDB8791-F1B0-41E7-B7FD-A781E65C4266}" type="datetimeFigureOut">
               <a:rPr lang="en-US" dirty="0"/>
-              <a:t>2/28/2019</a:t>
+              <a:t>3/7/2019</a:t>
             </a:fld>
             <a:endParaRPr lang="en-US" dirty="0"/>
           </a:p>
@@ -10215,7 +10217,7 @@
           <a:p>
             <a:fld id="{5FDD63B2-E120-4ED8-B27B-C685F510A5FE}" type="datetimeFigureOut">
               <a:rPr lang="en-US" dirty="0"/>
-              <a:t>2/28/2019</a:t>
+              <a:t>3/7/2019</a:t>
             </a:fld>
             <a:endParaRPr lang="en-US" dirty="0"/>
           </a:p>
@@ -10342,7 +10344,7 @@
           <a:p>
             <a:fld id="{7AA18ACC-A947-437B-A130-35BD54FDF1E9}" type="datetimeFigureOut">
               <a:rPr lang="en-US" dirty="0"/>
-              <a:t>2/28/2019</a:t>
+              <a:t>3/7/2019</a:t>
             </a:fld>
             <a:endParaRPr lang="en-US" dirty="0"/>
           </a:p>
@@ -10437,7 +10439,7 @@
           <a:p>
             <a:fld id="{7C8D7E02-BCB8-4D50-A234-369438C08659}" type="datetimeFigureOut">
               <a:rPr lang="en-US" dirty="0"/>
-              <a:t>2/28/2019</a:t>
+              <a:t>3/7/2019</a:t>
             </a:fld>
             <a:endParaRPr lang="en-US" dirty="0"/>
           </a:p>
@@ -11518,7 +11520,7 @@
           <a:p>
             <a:fld id="{76E86A4C-8E40-4F87-A4F0-01A0687C5742}" type="datetimeFigureOut">
               <a:rPr lang="en-US" dirty="0"/>
-              <a:t>2/28/2019</a:t>
+              <a:t>3/7/2019</a:t>
             </a:fld>
             <a:endParaRPr lang="en-US" dirty="0"/>
           </a:p>
@@ -12626,7 +12628,7 @@
           <a:p>
             <a:fld id="{35E72C73-2D91-4E12-BA25-F0AA0C03599B}" type="datetimeFigureOut">
               <a:rPr lang="en-US" dirty="0"/>
-              <a:t>2/28/2019</a:t>
+              <a:t>3/7/2019</a:t>
             </a:fld>
             <a:endParaRPr lang="en-US" dirty="0"/>
           </a:p>
@@ -13623,7 +13625,7 @@
           <a:p>
             <a:fld id="{2BE451C3-0FF4-47C4-B829-773ADF60F88C}" type="datetimeFigureOut">
               <a:rPr lang="en-US" dirty="0"/>
-              <a:t>2/28/2019</a:t>
+              <a:t>3/7/2019</a:t>
             </a:fld>
             <a:endParaRPr lang="en-US" dirty="0"/>
           </a:p>
@@ -15661,7 +15663,7 @@
           <a:graphicData uri="http://schemas.openxmlformats.org/presentationml/2006/ole">
             <mc:AlternateContent xmlns:mc="http://schemas.openxmlformats.org/markup-compatibility/2006">
               <mc:Choice xmlns:v="urn:schemas-microsoft-com:vml" Requires="v">
-                <p:oleObj spid="_x0000_s8273" name="Objet d’environnement du Gestionnaire de liaisons" showAsIcon="1" r:id="rId4" imgW="979200" imgH="491040" progId="Package">
+                <p:oleObj spid="_x0000_s8276" name="Objet d’environnement du Gestionnaire de liaisons" showAsIcon="1" r:id="rId4" imgW="979200" imgH="491040" progId="Package">
                   <p:embed/>
                 </p:oleObj>
               </mc:Choice>
@@ -17457,7 +17459,6 @@
                         <a:rPr lang="fr-FR" b="0" dirty="0" smtClean="0"/>
                         <a:t>');</a:t>
                       </a:r>
-                      <a:endParaRPr lang="fr-FR" b="0" dirty="0" smtClean="0"/>
                     </a:p>
                     <a:p>
                       <a:pPr marL="400050" lvl="1" indent="0">
@@ -20359,11 +20360,11 @@
   <p:clrMapOvr>
     <a:masterClrMapping/>
   </p:clrMapOvr>
-  <mc:AlternateContent xmlns:mc="http://schemas.openxmlformats.org/markup-compatibility/2006">
-    <mc:Choice xmlns:p14="http://schemas.microsoft.com/office/powerpoint/2010/main" Requires="p14">
+  <mc:AlternateContent xmlns:mc="http://schemas.openxmlformats.org/markup-compatibility/2006" xmlns:p14="http://schemas.microsoft.com/office/powerpoint/2010/main">
+    <mc:Choice Requires="p14">
       <p:transition spd="slow" p14:dur="2000"/>
     </mc:Choice>
-    <mc:Fallback>
+    <mc:Fallback xmlns="">
       <p:transition spd="slow"/>
     </mc:Fallback>
   </mc:AlternateContent>
@@ -25261,49 +25262,815 @@
             </a:r>
             <a:endParaRPr lang="fr-FR" b="1" dirty="0" smtClean="0"/>
           </a:p>
-          <a:p>
-            <a:pPr marL="0" indent="0">
+        </p:txBody>
+      </p:sp>
+      <p:sp>
+        <p:nvSpPr>
+          <p:cNvPr id="4" name="Rectangle 1"/>
+          <p:cNvSpPr txBox="1">
+            <a:spLocks noChangeArrowheads="1"/>
+          </p:cNvSpPr>
+          <p:nvPr/>
+        </p:nvSpPr>
+        <p:spPr bwMode="auto">
+          <a:xfrm>
+            <a:off x="5618933" y="2788156"/>
+            <a:ext cx="4257897" cy="3046988"/>
+          </a:xfrm>
+          <a:prstGeom prst="rect">
+            <a:avLst/>
+          </a:prstGeom>
+          <a:solidFill>
+            <a:srgbClr val="2B2B2B"/>
+          </a:solidFill>
+          <a:ln>
+            <a:noFill/>
+          </a:ln>
+          <a:effectLst/>
+          <a:extLst>
+            <a:ext uri="{91240B29-F687-4F45-9708-019B960494DF}">
+              <a14:hiddenLine xmlns:a14="http://schemas.microsoft.com/office/drawing/2010/main" w="9525">
+                <a:solidFill>
+                  <a:schemeClr val="tx1"/>
+                </a:solidFill>
+                <a:miter lim="800000"/>
+                <a:headEnd/>
+                <a:tailEnd/>
+              </a14:hiddenLine>
+            </a:ext>
+            <a:ext uri="{AF507438-7753-43E0-B8FC-AC1667EBCBE1}">
+              <a14:hiddenEffects xmlns:a14="http://schemas.microsoft.com/office/drawing/2010/main">
+                <a:effectLst>
+                  <a:outerShdw dist="35921" dir="2700000" algn="ctr" rotWithShape="0">
+                    <a:schemeClr val="bg2"/>
+                  </a:outerShdw>
+                </a:effectLst>
+              </a14:hiddenEffects>
+            </a:ext>
+          </a:extLst>
+        </p:spPr>
+        <p:txBody>
+          <a:bodyPr vert="horz" wrap="none" lIns="91440" tIns="45720" rIns="91440" bIns="45720" numCol="1" rtlCol="0" anchor="ctr" anchorCtr="0" compatLnSpc="1">
+            <a:prstTxWarp prst="textNoShape">
+              <a:avLst/>
+            </a:prstTxWarp>
+            <a:spAutoFit/>
+          </a:bodyPr>
+          <a:lstStyle>
+            <a:lvl1pPr marL="342900" indent="-342900" algn="l" defTabSz="457200" rtl="0" eaLnBrk="1" latinLnBrk="0" hangingPunct="1">
+              <a:spcBef>
+                <a:spcPts val="1000"/>
+              </a:spcBef>
+              <a:spcAft>
+                <a:spcPts val="0"/>
+              </a:spcAft>
+              <a:buClr>
+                <a:schemeClr val="accent1"/>
+              </a:buClr>
+              <a:buSzPct val="80000"/>
+              <a:buFont typeface="Wingdings 3" charset="2"/>
+              <a:buChar char=""/>
+              <a:defRPr sz="1800" b="0" i="0" kern="1200">
+                <a:solidFill>
+                  <a:schemeClr val="tx1">
+                    <a:lumMod val="75000"/>
+                    <a:lumOff val="25000"/>
+                  </a:schemeClr>
+                </a:solidFill>
+                <a:latin typeface="+mn-lt"/>
+                <a:ea typeface="+mn-ea"/>
+                <a:cs typeface="+mn-cs"/>
+              </a:defRPr>
+            </a:lvl1pPr>
+            <a:lvl2pPr marL="742950" indent="-285750" algn="l" defTabSz="457200" rtl="0" eaLnBrk="1" latinLnBrk="0" hangingPunct="1">
+              <a:spcBef>
+                <a:spcPts val="1000"/>
+              </a:spcBef>
+              <a:spcAft>
+                <a:spcPts val="0"/>
+              </a:spcAft>
+              <a:buClr>
+                <a:schemeClr val="accent1"/>
+              </a:buClr>
+              <a:buSzPct val="80000"/>
+              <a:buFont typeface="Wingdings 3" charset="2"/>
+              <a:buChar char=""/>
+              <a:defRPr sz="1600" b="0" i="0" kern="1200">
+                <a:solidFill>
+                  <a:schemeClr val="tx1">
+                    <a:lumMod val="75000"/>
+                    <a:lumOff val="25000"/>
+                  </a:schemeClr>
+                </a:solidFill>
+                <a:latin typeface="+mn-lt"/>
+                <a:ea typeface="+mn-ea"/>
+                <a:cs typeface="+mn-cs"/>
+              </a:defRPr>
+            </a:lvl2pPr>
+            <a:lvl3pPr marL="1143000" indent="-228600" algn="l" defTabSz="457200" rtl="0" eaLnBrk="1" latinLnBrk="0" hangingPunct="1">
+              <a:spcBef>
+                <a:spcPts val="1000"/>
+              </a:spcBef>
+              <a:spcAft>
+                <a:spcPts val="0"/>
+              </a:spcAft>
+              <a:buClr>
+                <a:schemeClr val="accent1"/>
+              </a:buClr>
+              <a:buSzPct val="80000"/>
+              <a:buFont typeface="Wingdings 3" charset="2"/>
+              <a:buChar char=""/>
+              <a:defRPr sz="1400" b="0" i="0" kern="1200">
+                <a:solidFill>
+                  <a:schemeClr val="tx1">
+                    <a:lumMod val="75000"/>
+                    <a:lumOff val="25000"/>
+                  </a:schemeClr>
+                </a:solidFill>
+                <a:latin typeface="+mn-lt"/>
+                <a:ea typeface="+mn-ea"/>
+                <a:cs typeface="+mn-cs"/>
+              </a:defRPr>
+            </a:lvl3pPr>
+            <a:lvl4pPr marL="1600200" indent="-228600" algn="l" defTabSz="457200" rtl="0" eaLnBrk="1" latinLnBrk="0" hangingPunct="1">
+              <a:spcBef>
+                <a:spcPts val="1000"/>
+              </a:spcBef>
+              <a:spcAft>
+                <a:spcPts val="0"/>
+              </a:spcAft>
+              <a:buClr>
+                <a:schemeClr val="accent1"/>
+              </a:buClr>
+              <a:buSzPct val="80000"/>
+              <a:buFont typeface="Wingdings 3" charset="2"/>
+              <a:buChar char=""/>
+              <a:defRPr sz="1200" b="0" i="0" kern="1200">
+                <a:solidFill>
+                  <a:schemeClr val="tx1">
+                    <a:lumMod val="75000"/>
+                    <a:lumOff val="25000"/>
+                  </a:schemeClr>
+                </a:solidFill>
+                <a:latin typeface="+mn-lt"/>
+                <a:ea typeface="+mn-ea"/>
+                <a:cs typeface="+mn-cs"/>
+              </a:defRPr>
+            </a:lvl4pPr>
+            <a:lvl5pPr marL="2057400" indent="-228600" algn="l" defTabSz="457200" rtl="0" eaLnBrk="1" latinLnBrk="0" hangingPunct="1">
+              <a:spcBef>
+                <a:spcPts val="1000"/>
+              </a:spcBef>
+              <a:spcAft>
+                <a:spcPts val="0"/>
+              </a:spcAft>
+              <a:buClr>
+                <a:schemeClr val="accent1"/>
+              </a:buClr>
+              <a:buSzPct val="80000"/>
+              <a:buFont typeface="Wingdings 3" charset="2"/>
+              <a:buChar char=""/>
+              <a:defRPr sz="1200" b="0" i="0" kern="1200">
+                <a:solidFill>
+                  <a:schemeClr val="tx1">
+                    <a:lumMod val="75000"/>
+                    <a:lumOff val="25000"/>
+                  </a:schemeClr>
+                </a:solidFill>
+                <a:latin typeface="+mn-lt"/>
+                <a:ea typeface="+mn-ea"/>
+                <a:cs typeface="+mn-cs"/>
+              </a:defRPr>
+            </a:lvl5pPr>
+            <a:lvl6pPr marL="2514600" indent="-228600" algn="l" defTabSz="457200" rtl="0" eaLnBrk="1" latinLnBrk="0" hangingPunct="1">
+              <a:spcBef>
+                <a:spcPts val="1000"/>
+              </a:spcBef>
+              <a:spcAft>
+                <a:spcPts val="0"/>
+              </a:spcAft>
+              <a:buClr>
+                <a:schemeClr val="accent1"/>
+              </a:buClr>
+              <a:buSzPct val="80000"/>
+              <a:buFont typeface="Wingdings 3" charset="2"/>
+              <a:buChar char=""/>
+              <a:defRPr sz="1200" b="0" i="0" kern="1200">
+                <a:solidFill>
+                  <a:schemeClr val="tx1">
+                    <a:lumMod val="75000"/>
+                    <a:lumOff val="25000"/>
+                  </a:schemeClr>
+                </a:solidFill>
+                <a:latin typeface="+mn-lt"/>
+                <a:ea typeface="+mn-ea"/>
+                <a:cs typeface="+mn-cs"/>
+              </a:defRPr>
+            </a:lvl6pPr>
+            <a:lvl7pPr marL="2971800" indent="-228600" algn="l" defTabSz="457200" rtl="0" eaLnBrk="1" latinLnBrk="0" hangingPunct="1">
+              <a:spcBef>
+                <a:spcPts val="1000"/>
+              </a:spcBef>
+              <a:spcAft>
+                <a:spcPts val="0"/>
+              </a:spcAft>
+              <a:buClr>
+                <a:schemeClr val="accent1"/>
+              </a:buClr>
+              <a:buSzPct val="80000"/>
+              <a:buFont typeface="Wingdings 3" charset="2"/>
+              <a:buChar char=""/>
+              <a:defRPr sz="1200" b="0" i="0" kern="1200">
+                <a:solidFill>
+                  <a:schemeClr val="tx1">
+                    <a:lumMod val="75000"/>
+                    <a:lumOff val="25000"/>
+                  </a:schemeClr>
+                </a:solidFill>
+                <a:latin typeface="+mn-lt"/>
+                <a:ea typeface="+mn-ea"/>
+                <a:cs typeface="+mn-cs"/>
+              </a:defRPr>
+            </a:lvl7pPr>
+            <a:lvl8pPr marL="3429000" indent="-228600" algn="l" defTabSz="457200" rtl="0" eaLnBrk="1" latinLnBrk="0" hangingPunct="1">
+              <a:spcBef>
+                <a:spcPts val="1000"/>
+              </a:spcBef>
+              <a:spcAft>
+                <a:spcPts val="0"/>
+              </a:spcAft>
+              <a:buClr>
+                <a:schemeClr val="accent1"/>
+              </a:buClr>
+              <a:buSzPct val="80000"/>
+              <a:buFont typeface="Wingdings 3" charset="2"/>
+              <a:buChar char=""/>
+              <a:defRPr sz="1200" b="0" i="0" kern="1200">
+                <a:solidFill>
+                  <a:schemeClr val="tx1">
+                    <a:lumMod val="75000"/>
+                    <a:lumOff val="25000"/>
+                  </a:schemeClr>
+                </a:solidFill>
+                <a:latin typeface="+mn-lt"/>
+                <a:ea typeface="+mn-ea"/>
+                <a:cs typeface="+mn-cs"/>
+              </a:defRPr>
+            </a:lvl8pPr>
+            <a:lvl9pPr marL="3886200" indent="-228600" algn="l" defTabSz="457200" rtl="0" eaLnBrk="1" latinLnBrk="0" hangingPunct="1">
+              <a:spcBef>
+                <a:spcPts val="1000"/>
+              </a:spcBef>
+              <a:spcAft>
+                <a:spcPts val="0"/>
+              </a:spcAft>
+              <a:buClr>
+                <a:schemeClr val="accent1"/>
+              </a:buClr>
+              <a:buSzPct val="80000"/>
+              <a:buFont typeface="Wingdings 3" charset="2"/>
+              <a:buChar char=""/>
+              <a:defRPr sz="1200" b="0" i="0" kern="1200">
+                <a:solidFill>
+                  <a:schemeClr val="tx1">
+                    <a:lumMod val="75000"/>
+                    <a:lumOff val="25000"/>
+                  </a:schemeClr>
+                </a:solidFill>
+                <a:latin typeface="+mn-lt"/>
+                <a:ea typeface="+mn-ea"/>
+                <a:cs typeface="+mn-cs"/>
+              </a:defRPr>
+            </a:lvl9pPr>
+          </a:lstStyle>
+          <a:p>
+            <a:pPr marL="0" indent="0" defTabSz="914400" eaLnBrk="0" fontAlgn="base" hangingPunct="0">
+              <a:spcBef>
+                <a:spcPct val="0"/>
+              </a:spcBef>
+              <a:spcAft>
+                <a:spcPct val="0"/>
+              </a:spcAft>
+              <a:buClrTx/>
+              <a:buSzTx/>
+              <a:buFontTx/>
               <a:buNone/>
             </a:pPr>
             <a:r>
-              <a:rPr lang="en-US" dirty="0" err="1"/>
-              <a:t>test:app</a:t>
-            </a:r>
-            <a:r>
-              <a:rPr lang="en-US" dirty="0"/>
+              <a:rPr lang="fr-FR" altLang="fr-FR" sz="1600" b="1" dirty="0" err="1" smtClean="0">
+                <a:solidFill>
+                  <a:srgbClr val="CC7832"/>
+                </a:solidFill>
+                <a:latin typeface="Courier New" panose="02070309020205020404" pitchFamily="49" charset="0"/>
+                <a:cs typeface="Courier New" panose="02070309020205020404" pitchFamily="49" charset="0"/>
+              </a:rPr>
+              <a:t>PHPUnit</a:t>
+            </a:r>
+            <a:r>
+              <a:rPr lang="fr-FR" altLang="fr-FR" sz="1600" dirty="0" smtClean="0">
+                <a:solidFill>
+                  <a:srgbClr val="A9B7C6"/>
+                </a:solidFill>
+                <a:latin typeface="Courier New" panose="02070309020205020404" pitchFamily="49" charset="0"/>
+                <a:cs typeface="Courier New" panose="02070309020205020404" pitchFamily="49" charset="0"/>
+              </a:rPr>
               <a:t>:</a:t>
             </a:r>
-          </a:p>
-          <a:p>
-            <a:pPr marL="0" indent="0">
-              <a:buNone/>
-            </a:pPr>
-            <a:r>
-              <a:rPr lang="en-US" dirty="0"/>
-              <a:t>  script:</a:t>
-            </a:r>
-          </a:p>
-          <a:p>
-            <a:pPr marL="0" indent="0">
-              <a:buNone/>
-            </a:pPr>
-            <a:r>
-              <a:rPr lang="en-US" dirty="0"/>
-              <a:t>  - </a:t>
-            </a:r>
-            <a:r>
-              <a:rPr lang="en-US" dirty="0" err="1"/>
+            <a:br>
+              <a:rPr lang="fr-FR" altLang="fr-FR" sz="1600" dirty="0" smtClean="0">
+                <a:solidFill>
+                  <a:srgbClr val="A9B7C6"/>
+                </a:solidFill>
+                <a:latin typeface="Courier New" panose="02070309020205020404" pitchFamily="49" charset="0"/>
+                <a:cs typeface="Courier New" panose="02070309020205020404" pitchFamily="49" charset="0"/>
+              </a:rPr>
+            </a:br>
+            <a:r>
+              <a:rPr lang="fr-FR" altLang="fr-FR" sz="1600" dirty="0" smtClean="0">
+                <a:solidFill>
+                  <a:srgbClr val="A9B7C6"/>
+                </a:solidFill>
+                <a:latin typeface="Courier New" panose="02070309020205020404" pitchFamily="49" charset="0"/>
+                <a:cs typeface="Courier New" panose="02070309020205020404" pitchFamily="49" charset="0"/>
+              </a:rPr>
+              <a:t>    </a:t>
+            </a:r>
+            <a:r>
+              <a:rPr lang="fr-FR" altLang="fr-FR" sz="1600" b="1" dirty="0" smtClean="0">
+                <a:solidFill>
+                  <a:srgbClr val="CC7832"/>
+                </a:solidFill>
+                <a:latin typeface="Courier New" panose="02070309020205020404" pitchFamily="49" charset="0"/>
+                <a:cs typeface="Courier New" panose="02070309020205020404" pitchFamily="49" charset="0"/>
+              </a:rPr>
+              <a:t>stage</a:t>
+            </a:r>
+            <a:r>
+              <a:rPr lang="fr-FR" altLang="fr-FR" sz="1600" dirty="0" smtClean="0">
+                <a:solidFill>
+                  <a:srgbClr val="A9B7C6"/>
+                </a:solidFill>
+                <a:latin typeface="Courier New" panose="02070309020205020404" pitchFamily="49" charset="0"/>
+                <a:cs typeface="Courier New" panose="02070309020205020404" pitchFamily="49" charset="0"/>
+              </a:rPr>
+              <a:t>: test</a:t>
+            </a:r>
+            <a:br>
+              <a:rPr lang="fr-FR" altLang="fr-FR" sz="1600" dirty="0" smtClean="0">
+                <a:solidFill>
+                  <a:srgbClr val="A9B7C6"/>
+                </a:solidFill>
+                <a:latin typeface="Courier New" panose="02070309020205020404" pitchFamily="49" charset="0"/>
+                <a:cs typeface="Courier New" panose="02070309020205020404" pitchFamily="49" charset="0"/>
+              </a:rPr>
+            </a:br>
+            <a:r>
+              <a:rPr lang="fr-FR" altLang="fr-FR" sz="1600" dirty="0" smtClean="0">
+                <a:solidFill>
+                  <a:srgbClr val="A9B7C6"/>
+                </a:solidFill>
+                <a:latin typeface="Courier New" panose="02070309020205020404" pitchFamily="49" charset="0"/>
+                <a:cs typeface="Courier New" panose="02070309020205020404" pitchFamily="49" charset="0"/>
+              </a:rPr>
+              <a:t>    </a:t>
+            </a:r>
+            <a:r>
+              <a:rPr lang="fr-FR" altLang="fr-FR" sz="1600" b="1" dirty="0" smtClean="0">
+                <a:solidFill>
+                  <a:srgbClr val="CC7832"/>
+                </a:solidFill>
+                <a:latin typeface="Courier New" panose="02070309020205020404" pitchFamily="49" charset="0"/>
+                <a:cs typeface="Courier New" panose="02070309020205020404" pitchFamily="49" charset="0"/>
+              </a:rPr>
+              <a:t>image</a:t>
+            </a:r>
+            <a:r>
+              <a:rPr lang="fr-FR" altLang="fr-FR" sz="1600" dirty="0" smtClean="0">
+                <a:solidFill>
+                  <a:srgbClr val="A9B7C6"/>
+                </a:solidFill>
+                <a:latin typeface="Courier New" panose="02070309020205020404" pitchFamily="49" charset="0"/>
+                <a:cs typeface="Courier New" panose="02070309020205020404" pitchFamily="49" charset="0"/>
+              </a:rPr>
+              <a:t>: </a:t>
+            </a:r>
+            <a:r>
+              <a:rPr lang="fr-FR" altLang="fr-FR" sz="1600" dirty="0" err="1" smtClean="0">
+                <a:solidFill>
+                  <a:srgbClr val="A9B7C6"/>
+                </a:solidFill>
+                <a:latin typeface="Courier New" panose="02070309020205020404" pitchFamily="49" charset="0"/>
+                <a:cs typeface="Courier New" panose="02070309020205020404" pitchFamily="49" charset="0"/>
+              </a:rPr>
+              <a:t>jakzal</a:t>
+            </a:r>
+            <a:r>
+              <a:rPr lang="fr-FR" altLang="fr-FR" sz="1600" dirty="0" smtClean="0">
+                <a:solidFill>
+                  <a:srgbClr val="A9B7C6"/>
+                </a:solidFill>
+                <a:latin typeface="Courier New" panose="02070309020205020404" pitchFamily="49" charset="0"/>
+                <a:cs typeface="Courier New" panose="02070309020205020404" pitchFamily="49" charset="0"/>
+              </a:rPr>
+              <a:t>/</a:t>
+            </a:r>
+            <a:r>
+              <a:rPr lang="fr-FR" altLang="fr-FR" sz="1600" dirty="0" err="1" smtClean="0">
+                <a:solidFill>
+                  <a:srgbClr val="A9B7C6"/>
+                </a:solidFill>
+                <a:latin typeface="Courier New" panose="02070309020205020404" pitchFamily="49" charset="0"/>
+                <a:cs typeface="Courier New" panose="02070309020205020404" pitchFamily="49" charset="0"/>
+              </a:rPr>
+              <a:t>phpqa</a:t>
+            </a:r>
+            <a:r>
+              <a:rPr lang="fr-FR" altLang="fr-FR" sz="1600" dirty="0" smtClean="0">
+                <a:solidFill>
+                  <a:srgbClr val="A9B7C6"/>
+                </a:solidFill>
+                <a:latin typeface="Courier New" panose="02070309020205020404" pitchFamily="49" charset="0"/>
+                <a:cs typeface="Courier New" panose="02070309020205020404" pitchFamily="49" charset="0"/>
+              </a:rPr>
+              <a:t/>
+            </a:r>
+            <a:br>
+              <a:rPr lang="fr-FR" altLang="fr-FR" sz="1600" dirty="0" smtClean="0">
+                <a:solidFill>
+                  <a:srgbClr val="A9B7C6"/>
+                </a:solidFill>
+                <a:latin typeface="Courier New" panose="02070309020205020404" pitchFamily="49" charset="0"/>
+                <a:cs typeface="Courier New" panose="02070309020205020404" pitchFamily="49" charset="0"/>
+              </a:rPr>
+            </a:br>
+            <a:r>
+              <a:rPr lang="fr-FR" altLang="fr-FR" sz="1600" dirty="0" smtClean="0">
+                <a:solidFill>
+                  <a:srgbClr val="A9B7C6"/>
+                </a:solidFill>
+                <a:latin typeface="Courier New" panose="02070309020205020404" pitchFamily="49" charset="0"/>
+                <a:cs typeface="Courier New" panose="02070309020205020404" pitchFamily="49" charset="0"/>
+              </a:rPr>
+              <a:t>    </a:t>
+            </a:r>
+            <a:r>
+              <a:rPr lang="fr-FR" altLang="fr-FR" sz="1600" b="1" dirty="0" smtClean="0">
+                <a:solidFill>
+                  <a:srgbClr val="CC7832"/>
+                </a:solidFill>
+                <a:latin typeface="Courier New" panose="02070309020205020404" pitchFamily="49" charset="0"/>
+                <a:cs typeface="Courier New" panose="02070309020205020404" pitchFamily="49" charset="0"/>
+              </a:rPr>
+              <a:t>script</a:t>
+            </a:r>
+            <a:r>
+              <a:rPr lang="fr-FR" altLang="fr-FR" sz="1600" dirty="0" smtClean="0">
+                <a:solidFill>
+                  <a:srgbClr val="A9B7C6"/>
+                </a:solidFill>
+                <a:latin typeface="Courier New" panose="02070309020205020404" pitchFamily="49" charset="0"/>
+                <a:cs typeface="Courier New" panose="02070309020205020404" pitchFamily="49" charset="0"/>
+              </a:rPr>
+              <a:t>:</a:t>
+            </a:r>
+            <a:br>
+              <a:rPr lang="fr-FR" altLang="fr-FR" sz="1600" dirty="0" smtClean="0">
+                <a:solidFill>
+                  <a:srgbClr val="A9B7C6"/>
+                </a:solidFill>
+                <a:latin typeface="Courier New" panose="02070309020205020404" pitchFamily="49" charset="0"/>
+                <a:cs typeface="Courier New" panose="02070309020205020404" pitchFamily="49" charset="0"/>
+              </a:rPr>
+            </a:br>
+            <a:r>
+              <a:rPr lang="fr-FR" altLang="fr-FR" sz="1600" dirty="0" smtClean="0">
+                <a:solidFill>
+                  <a:srgbClr val="A9B7C6"/>
+                </a:solidFill>
+                <a:latin typeface="Courier New" panose="02070309020205020404" pitchFamily="49" charset="0"/>
+                <a:cs typeface="Courier New" panose="02070309020205020404" pitchFamily="49" charset="0"/>
+              </a:rPr>
+              <a:t>        - cd </a:t>
+            </a:r>
+            <a:r>
+              <a:rPr lang="fr-FR" altLang="fr-FR" sz="1600" dirty="0" err="1" smtClean="0">
+                <a:solidFill>
+                  <a:srgbClr val="A9B7C6"/>
+                </a:solidFill>
+                <a:latin typeface="Courier New" panose="02070309020205020404" pitchFamily="49" charset="0"/>
+                <a:cs typeface="Courier New" panose="02070309020205020404" pitchFamily="49" charset="0"/>
+              </a:rPr>
+              <a:t>workspace</a:t>
+            </a:r>
+            <a:r>
+              <a:rPr lang="fr-FR" altLang="fr-FR" sz="1600" dirty="0" smtClean="0">
+                <a:solidFill>
+                  <a:srgbClr val="A9B7C6"/>
+                </a:solidFill>
+                <a:latin typeface="Courier New" panose="02070309020205020404" pitchFamily="49" charset="0"/>
+                <a:cs typeface="Courier New" panose="02070309020205020404" pitchFamily="49" charset="0"/>
+              </a:rPr>
+              <a:t/>
+            </a:r>
+            <a:br>
+              <a:rPr lang="fr-FR" altLang="fr-FR" sz="1600" dirty="0" smtClean="0">
+                <a:solidFill>
+                  <a:srgbClr val="A9B7C6"/>
+                </a:solidFill>
+                <a:latin typeface="Courier New" panose="02070309020205020404" pitchFamily="49" charset="0"/>
+                <a:cs typeface="Courier New" panose="02070309020205020404" pitchFamily="49" charset="0"/>
+              </a:rPr>
+            </a:br>
+            <a:r>
+              <a:rPr lang="fr-FR" altLang="fr-FR" sz="1600" dirty="0" smtClean="0">
+                <a:solidFill>
+                  <a:srgbClr val="A9B7C6"/>
+                </a:solidFill>
+                <a:latin typeface="Courier New" panose="02070309020205020404" pitchFamily="49" charset="0"/>
+                <a:cs typeface="Courier New" panose="02070309020205020404" pitchFamily="49" charset="0"/>
+              </a:rPr>
+              <a:t>        - </a:t>
+            </a:r>
+            <a:r>
+              <a:rPr lang="fr-FR" altLang="fr-FR" sz="1600" dirty="0" err="1" smtClean="0">
+                <a:solidFill>
+                  <a:srgbClr val="A9B7C6"/>
+                </a:solidFill>
+                <a:latin typeface="Courier New" panose="02070309020205020404" pitchFamily="49" charset="0"/>
+                <a:cs typeface="Courier New" panose="02070309020205020404" pitchFamily="49" charset="0"/>
+              </a:rPr>
+              <a:t>phpdbg</a:t>
+            </a:r>
+            <a:r>
+              <a:rPr lang="fr-FR" altLang="fr-FR" sz="1600" dirty="0" smtClean="0">
+                <a:solidFill>
+                  <a:srgbClr val="A9B7C6"/>
+                </a:solidFill>
+                <a:latin typeface="Courier New" panose="02070309020205020404" pitchFamily="49" charset="0"/>
+                <a:cs typeface="Courier New" panose="02070309020205020404" pitchFamily="49" charset="0"/>
+              </a:rPr>
+              <a:t> -</a:t>
+            </a:r>
+            <a:r>
+              <a:rPr lang="fr-FR" altLang="fr-FR" sz="1600" dirty="0" err="1" smtClean="0">
+                <a:solidFill>
+                  <a:srgbClr val="A9B7C6"/>
+                </a:solidFill>
+                <a:latin typeface="Courier New" panose="02070309020205020404" pitchFamily="49" charset="0"/>
+                <a:cs typeface="Courier New" panose="02070309020205020404" pitchFamily="49" charset="0"/>
+              </a:rPr>
+              <a:t>qrr</a:t>
+            </a:r>
+            <a:r>
+              <a:rPr lang="fr-FR" altLang="fr-FR" sz="1600" dirty="0" smtClean="0">
+                <a:solidFill>
+                  <a:srgbClr val="A9B7C6"/>
+                </a:solidFill>
+                <a:latin typeface="Courier New" panose="02070309020205020404" pitchFamily="49" charset="0"/>
+                <a:cs typeface="Courier New" panose="02070309020205020404" pitchFamily="49" charset="0"/>
+              </a:rPr>
+              <a:t> bin/</a:t>
+            </a:r>
+            <a:r>
+              <a:rPr lang="fr-FR" altLang="fr-FR" sz="1600" dirty="0" err="1" smtClean="0">
+                <a:solidFill>
+                  <a:srgbClr val="A9B7C6"/>
+                </a:solidFill>
+                <a:latin typeface="Courier New" panose="02070309020205020404" pitchFamily="49" charset="0"/>
+                <a:cs typeface="Courier New" panose="02070309020205020404" pitchFamily="49" charset="0"/>
+              </a:rPr>
               <a:t>phpunit</a:t>
             </a:r>
             <a:r>
-              <a:rPr lang="en-US" dirty="0"/>
-              <a:t> --configuration </a:t>
-            </a:r>
-            <a:r>
-              <a:rPr lang="en-US" dirty="0" err="1" smtClean="0"/>
-              <a:t>phpunit.xml.dist</a:t>
-            </a:r>
-            <a:endParaRPr lang="fr-FR" dirty="0"/>
+              <a:rPr lang="fr-FR" altLang="fr-FR" sz="1600" dirty="0" smtClean="0">
+                <a:solidFill>
+                  <a:srgbClr val="A9B7C6"/>
+                </a:solidFill>
+                <a:latin typeface="Courier New" panose="02070309020205020404" pitchFamily="49" charset="0"/>
+                <a:cs typeface="Courier New" panose="02070309020205020404" pitchFamily="49" charset="0"/>
+              </a:rPr>
+              <a:t/>
+            </a:r>
+            <a:br>
+              <a:rPr lang="fr-FR" altLang="fr-FR" sz="1600" dirty="0" smtClean="0">
+                <a:solidFill>
+                  <a:srgbClr val="A9B7C6"/>
+                </a:solidFill>
+                <a:latin typeface="Courier New" panose="02070309020205020404" pitchFamily="49" charset="0"/>
+                <a:cs typeface="Courier New" panose="02070309020205020404" pitchFamily="49" charset="0"/>
+              </a:rPr>
+            </a:br>
+            <a:r>
+              <a:rPr lang="fr-FR" altLang="fr-FR" sz="1600" dirty="0" smtClean="0">
+                <a:solidFill>
+                  <a:srgbClr val="A9B7C6"/>
+                </a:solidFill>
+                <a:latin typeface="Courier New" panose="02070309020205020404" pitchFamily="49" charset="0"/>
+                <a:cs typeface="Courier New" panose="02070309020205020404" pitchFamily="49" charset="0"/>
+              </a:rPr>
+              <a:t>    </a:t>
+            </a:r>
+            <a:r>
+              <a:rPr lang="fr-FR" altLang="fr-FR" sz="1600" b="1" dirty="0" err="1" smtClean="0">
+                <a:solidFill>
+                  <a:srgbClr val="CC7832"/>
+                </a:solidFill>
+                <a:latin typeface="Courier New" panose="02070309020205020404" pitchFamily="49" charset="0"/>
+                <a:cs typeface="Courier New" panose="02070309020205020404" pitchFamily="49" charset="0"/>
+              </a:rPr>
+              <a:t>allow_failure</a:t>
+            </a:r>
+            <a:r>
+              <a:rPr lang="fr-FR" altLang="fr-FR" sz="1600" dirty="0" smtClean="0">
+                <a:solidFill>
+                  <a:srgbClr val="A9B7C6"/>
+                </a:solidFill>
+                <a:latin typeface="Courier New" panose="02070309020205020404" pitchFamily="49" charset="0"/>
+                <a:cs typeface="Courier New" panose="02070309020205020404" pitchFamily="49" charset="0"/>
+              </a:rPr>
+              <a:t>: false</a:t>
+            </a:r>
+            <a:br>
+              <a:rPr lang="fr-FR" altLang="fr-FR" sz="1600" dirty="0" smtClean="0">
+                <a:solidFill>
+                  <a:srgbClr val="A9B7C6"/>
+                </a:solidFill>
+                <a:latin typeface="Courier New" panose="02070309020205020404" pitchFamily="49" charset="0"/>
+                <a:cs typeface="Courier New" panose="02070309020205020404" pitchFamily="49" charset="0"/>
+              </a:rPr>
+            </a:br>
+            <a:r>
+              <a:rPr lang="fr-FR" altLang="fr-FR" sz="1600" dirty="0" smtClean="0">
+                <a:solidFill>
+                  <a:srgbClr val="A9B7C6"/>
+                </a:solidFill>
+                <a:latin typeface="Courier New" panose="02070309020205020404" pitchFamily="49" charset="0"/>
+                <a:cs typeface="Courier New" panose="02070309020205020404" pitchFamily="49" charset="0"/>
+              </a:rPr>
+              <a:t>    </a:t>
+            </a:r>
+            <a:r>
+              <a:rPr lang="fr-FR" altLang="fr-FR" sz="1600" b="1" dirty="0" err="1" smtClean="0">
+                <a:solidFill>
+                  <a:srgbClr val="CC7832"/>
+                </a:solidFill>
+                <a:latin typeface="Courier New" panose="02070309020205020404" pitchFamily="49" charset="0"/>
+                <a:cs typeface="Courier New" panose="02070309020205020404" pitchFamily="49" charset="0"/>
+              </a:rPr>
+              <a:t>only</a:t>
+            </a:r>
+            <a:r>
+              <a:rPr lang="fr-FR" altLang="fr-FR" sz="1600" dirty="0" smtClean="0">
+                <a:solidFill>
+                  <a:srgbClr val="A9B7C6"/>
+                </a:solidFill>
+                <a:latin typeface="Courier New" panose="02070309020205020404" pitchFamily="49" charset="0"/>
+                <a:cs typeface="Courier New" panose="02070309020205020404" pitchFamily="49" charset="0"/>
+              </a:rPr>
+              <a:t>:</a:t>
+            </a:r>
+            <a:br>
+              <a:rPr lang="fr-FR" altLang="fr-FR" sz="1600" dirty="0" smtClean="0">
+                <a:solidFill>
+                  <a:srgbClr val="A9B7C6"/>
+                </a:solidFill>
+                <a:latin typeface="Courier New" panose="02070309020205020404" pitchFamily="49" charset="0"/>
+                <a:cs typeface="Courier New" panose="02070309020205020404" pitchFamily="49" charset="0"/>
+              </a:rPr>
+            </a:br>
+            <a:r>
+              <a:rPr lang="fr-FR" altLang="fr-FR" sz="1600" dirty="0" smtClean="0">
+                <a:solidFill>
+                  <a:srgbClr val="A9B7C6"/>
+                </a:solidFill>
+                <a:latin typeface="Courier New" panose="02070309020205020404" pitchFamily="49" charset="0"/>
+                <a:cs typeface="Courier New" panose="02070309020205020404" pitchFamily="49" charset="0"/>
+              </a:rPr>
+              <a:t>        - </a:t>
+            </a:r>
+            <a:r>
+              <a:rPr lang="fr-FR" altLang="fr-FR" sz="1600" dirty="0" err="1" smtClean="0">
+                <a:solidFill>
+                  <a:srgbClr val="A9B7C6"/>
+                </a:solidFill>
+                <a:latin typeface="Courier New" panose="02070309020205020404" pitchFamily="49" charset="0"/>
+                <a:cs typeface="Courier New" panose="02070309020205020404" pitchFamily="49" charset="0"/>
+              </a:rPr>
+              <a:t>merge_requests</a:t>
+            </a:r>
+            <a:r>
+              <a:rPr lang="fr-FR" altLang="fr-FR" sz="1600" dirty="0" smtClean="0">
+                <a:solidFill>
+                  <a:srgbClr val="A9B7C6"/>
+                </a:solidFill>
+                <a:latin typeface="Courier New" panose="02070309020205020404" pitchFamily="49" charset="0"/>
+                <a:cs typeface="Courier New" panose="02070309020205020404" pitchFamily="49" charset="0"/>
+              </a:rPr>
+              <a:t/>
+            </a:r>
+            <a:br>
+              <a:rPr lang="fr-FR" altLang="fr-FR" sz="1600" dirty="0" smtClean="0">
+                <a:solidFill>
+                  <a:srgbClr val="A9B7C6"/>
+                </a:solidFill>
+                <a:latin typeface="Courier New" panose="02070309020205020404" pitchFamily="49" charset="0"/>
+                <a:cs typeface="Courier New" panose="02070309020205020404" pitchFamily="49" charset="0"/>
+              </a:rPr>
+            </a:br>
+            <a:r>
+              <a:rPr lang="fr-FR" altLang="fr-FR" sz="1600" dirty="0" smtClean="0">
+                <a:solidFill>
+                  <a:srgbClr val="A9B7C6"/>
+                </a:solidFill>
+                <a:latin typeface="Courier New" panose="02070309020205020404" pitchFamily="49" charset="0"/>
+                <a:cs typeface="Courier New" panose="02070309020205020404" pitchFamily="49" charset="0"/>
+              </a:rPr>
+              <a:t>    </a:t>
+            </a:r>
+            <a:r>
+              <a:rPr lang="fr-FR" altLang="fr-FR" sz="1600" b="1" dirty="0" err="1" smtClean="0">
+                <a:solidFill>
+                  <a:srgbClr val="CC7832"/>
+                </a:solidFill>
+                <a:latin typeface="Courier New" panose="02070309020205020404" pitchFamily="49" charset="0"/>
+                <a:cs typeface="Courier New" panose="02070309020205020404" pitchFamily="49" charset="0"/>
+              </a:rPr>
+              <a:t>except</a:t>
+            </a:r>
+            <a:r>
+              <a:rPr lang="fr-FR" altLang="fr-FR" sz="1600" dirty="0" smtClean="0">
+                <a:solidFill>
+                  <a:srgbClr val="A9B7C6"/>
+                </a:solidFill>
+                <a:latin typeface="Courier New" panose="02070309020205020404" pitchFamily="49" charset="0"/>
+                <a:cs typeface="Courier New" panose="02070309020205020404" pitchFamily="49" charset="0"/>
+              </a:rPr>
+              <a:t>:</a:t>
+            </a:r>
+            <a:br>
+              <a:rPr lang="fr-FR" altLang="fr-FR" sz="1600" dirty="0" smtClean="0">
+                <a:solidFill>
+                  <a:srgbClr val="A9B7C6"/>
+                </a:solidFill>
+                <a:latin typeface="Courier New" panose="02070309020205020404" pitchFamily="49" charset="0"/>
+                <a:cs typeface="Courier New" panose="02070309020205020404" pitchFamily="49" charset="0"/>
+              </a:rPr>
+            </a:br>
+            <a:r>
+              <a:rPr lang="fr-FR" altLang="fr-FR" sz="1600" dirty="0" smtClean="0">
+                <a:solidFill>
+                  <a:srgbClr val="A9B7C6"/>
+                </a:solidFill>
+                <a:latin typeface="Courier New" panose="02070309020205020404" pitchFamily="49" charset="0"/>
+                <a:cs typeface="Courier New" panose="02070309020205020404" pitchFamily="49" charset="0"/>
+              </a:rPr>
+              <a:t>        - </a:t>
+            </a:r>
+            <a:r>
+              <a:rPr lang="fr-FR" altLang="fr-FR" sz="1600" dirty="0" err="1" smtClean="0">
+                <a:solidFill>
+                  <a:srgbClr val="A9B7C6"/>
+                </a:solidFill>
+                <a:latin typeface="Courier New" panose="02070309020205020404" pitchFamily="49" charset="0"/>
+                <a:cs typeface="Courier New" panose="02070309020205020404" pitchFamily="49" charset="0"/>
+              </a:rPr>
+              <a:t>staging</a:t>
+            </a:r>
+            <a:r>
+              <a:rPr lang="fr-FR" altLang="fr-FR" sz="1600" dirty="0" smtClean="0">
+                <a:solidFill>
+                  <a:srgbClr val="A9B7C6"/>
+                </a:solidFill>
+                <a:latin typeface="Courier New" panose="02070309020205020404" pitchFamily="49" charset="0"/>
+                <a:cs typeface="Courier New" panose="02070309020205020404" pitchFamily="49" charset="0"/>
+              </a:rPr>
+              <a:t/>
+            </a:r>
+            <a:br>
+              <a:rPr lang="fr-FR" altLang="fr-FR" sz="1600" dirty="0" smtClean="0">
+                <a:solidFill>
+                  <a:srgbClr val="A9B7C6"/>
+                </a:solidFill>
+                <a:latin typeface="Courier New" panose="02070309020205020404" pitchFamily="49" charset="0"/>
+                <a:cs typeface="Courier New" panose="02070309020205020404" pitchFamily="49" charset="0"/>
+              </a:rPr>
+            </a:br>
+            <a:r>
+              <a:rPr lang="fr-FR" altLang="fr-FR" sz="1600" dirty="0" smtClean="0">
+                <a:solidFill>
+                  <a:srgbClr val="A9B7C6"/>
+                </a:solidFill>
+                <a:latin typeface="Courier New" panose="02070309020205020404" pitchFamily="49" charset="0"/>
+                <a:cs typeface="Courier New" panose="02070309020205020404" pitchFamily="49" charset="0"/>
+              </a:rPr>
+              <a:t>        - master</a:t>
+            </a:r>
+            <a:endParaRPr lang="fr-FR" altLang="fr-FR" sz="3600" dirty="0" smtClean="0">
+              <a:solidFill>
+                <a:schemeClr val="tx1"/>
+              </a:solidFill>
+              <a:latin typeface="Arial" panose="020B0604020202020204" pitchFamily="34" charset="0"/>
+            </a:endParaRPr>
           </a:p>
         </p:txBody>
       </p:sp>
@@ -25346,6 +26113,1435 @@
       </p:grpSpPr>
       <p:sp>
         <p:nvSpPr>
+          <p:cNvPr id="2" name="Titre 1"/>
+          <p:cNvSpPr>
+            <a:spLocks noGrp="1"/>
+          </p:cNvSpPr>
+          <p:nvPr>
+            <p:ph type="title"/>
+          </p:nvPr>
+        </p:nvSpPr>
+        <p:spPr/>
+        <p:txBody>
+          <a:bodyPr/>
+          <a:lstStyle/>
+          <a:p>
+            <a:r>
+              <a:rPr lang="fr-FR" dirty="0" smtClean="0"/>
+              <a:t>Visualiser les rapports de tests unitaires</a:t>
+            </a:r>
+            <a:endParaRPr lang="fr-FR" dirty="0"/>
+          </a:p>
+        </p:txBody>
+      </p:sp>
+      <p:sp>
+        <p:nvSpPr>
+          <p:cNvPr id="6" name="Rectangle 1"/>
+          <p:cNvSpPr>
+            <a:spLocks noGrp="1" noChangeArrowheads="1"/>
+          </p:cNvSpPr>
+          <p:nvPr>
+            <p:ph idx="1"/>
+          </p:nvPr>
+        </p:nvSpPr>
+        <p:spPr bwMode="auto">
+          <a:xfrm>
+            <a:off x="7542875" y="2450262"/>
+            <a:ext cx="4257897" cy="4031873"/>
+          </a:xfrm>
+          <a:prstGeom prst="rect">
+            <a:avLst/>
+          </a:prstGeom>
+          <a:solidFill>
+            <a:srgbClr val="2B2B2B"/>
+          </a:solidFill>
+          <a:ln>
+            <a:noFill/>
+          </a:ln>
+          <a:effectLst/>
+          <a:extLst>
+            <a:ext uri="{91240B29-F687-4F45-9708-019B960494DF}">
+              <a14:hiddenLine xmlns:a14="http://schemas.microsoft.com/office/drawing/2010/main" w="9525">
+                <a:solidFill>
+                  <a:schemeClr val="tx1"/>
+                </a:solidFill>
+                <a:miter lim="800000"/>
+                <a:headEnd/>
+                <a:tailEnd/>
+              </a14:hiddenLine>
+            </a:ext>
+            <a:ext uri="{AF507438-7753-43E0-B8FC-AC1667EBCBE1}">
+              <a14:hiddenEffects xmlns:a14="http://schemas.microsoft.com/office/drawing/2010/main">
+                <a:effectLst>
+                  <a:outerShdw dist="35921" dir="2700000" algn="ctr" rotWithShape="0">
+                    <a:schemeClr val="bg2"/>
+                  </a:outerShdw>
+                </a:effectLst>
+              </a14:hiddenEffects>
+            </a:ext>
+          </a:extLst>
+        </p:spPr>
+        <p:txBody>
+          <a:bodyPr vert="horz" wrap="none" lIns="91440" tIns="45720" rIns="91440" bIns="45720" numCol="1" anchor="ctr" anchorCtr="0" compatLnSpc="1">
+            <a:prstTxWarp prst="textNoShape">
+              <a:avLst/>
+            </a:prstTxWarp>
+            <a:spAutoFit/>
+          </a:bodyPr>
+          <a:lstStyle/>
+          <a:p>
+            <a:pPr marL="0" marR="0" lvl="0" indent="0" algn="l" defTabSz="914400" rtl="0" eaLnBrk="0" fontAlgn="base" latinLnBrk="0" hangingPunct="0">
+              <a:lnSpc>
+                <a:spcPct val="100000"/>
+              </a:lnSpc>
+              <a:spcBef>
+                <a:spcPct val="0"/>
+              </a:spcBef>
+              <a:spcAft>
+                <a:spcPct val="0"/>
+              </a:spcAft>
+              <a:buClrTx/>
+              <a:buSzTx/>
+              <a:buFontTx/>
+              <a:buNone/>
+              <a:tabLst/>
+            </a:pPr>
+            <a:r>
+              <a:rPr kumimoji="0" lang="fr-FR" altLang="fr-FR" sz="1600" b="1" i="0" u="none" strike="noStrike" cap="none" normalizeH="0" baseline="0" dirty="0" err="1" smtClean="0">
+                <a:ln>
+                  <a:noFill/>
+                </a:ln>
+                <a:solidFill>
+                  <a:srgbClr val="CC7832"/>
+                </a:solidFill>
+                <a:effectLst/>
+                <a:latin typeface="Courier New" panose="02070309020205020404" pitchFamily="49" charset="0"/>
+                <a:cs typeface="Courier New" panose="02070309020205020404" pitchFamily="49" charset="0"/>
+              </a:rPr>
+              <a:t>PHPUnit</a:t>
+            </a:r>
+            <a:r>
+              <a:rPr kumimoji="0" lang="fr-FR" altLang="fr-FR" sz="1600" b="0" i="0" u="none" strike="noStrike" cap="none" normalizeH="0" baseline="0" dirty="0" smtClean="0">
+                <a:ln>
+                  <a:noFill/>
+                </a:ln>
+                <a:solidFill>
+                  <a:srgbClr val="A9B7C6"/>
+                </a:solidFill>
+                <a:effectLst/>
+                <a:latin typeface="Courier New" panose="02070309020205020404" pitchFamily="49" charset="0"/>
+                <a:cs typeface="Courier New" panose="02070309020205020404" pitchFamily="49" charset="0"/>
+              </a:rPr>
+              <a:t>:</a:t>
+            </a:r>
+            <a:br>
+              <a:rPr kumimoji="0" lang="fr-FR" altLang="fr-FR" sz="1600" b="0" i="0" u="none" strike="noStrike" cap="none" normalizeH="0" baseline="0" dirty="0" smtClean="0">
+                <a:ln>
+                  <a:noFill/>
+                </a:ln>
+                <a:solidFill>
+                  <a:srgbClr val="A9B7C6"/>
+                </a:solidFill>
+                <a:effectLst/>
+                <a:latin typeface="Courier New" panose="02070309020205020404" pitchFamily="49" charset="0"/>
+                <a:cs typeface="Courier New" panose="02070309020205020404" pitchFamily="49" charset="0"/>
+              </a:rPr>
+            </a:br>
+            <a:r>
+              <a:rPr kumimoji="0" lang="fr-FR" altLang="fr-FR" sz="1600" b="0" i="0" u="none" strike="noStrike" cap="none" normalizeH="0" baseline="0" dirty="0" smtClean="0">
+                <a:ln>
+                  <a:noFill/>
+                </a:ln>
+                <a:solidFill>
+                  <a:srgbClr val="A9B7C6"/>
+                </a:solidFill>
+                <a:effectLst/>
+                <a:latin typeface="Courier New" panose="02070309020205020404" pitchFamily="49" charset="0"/>
+                <a:cs typeface="Courier New" panose="02070309020205020404" pitchFamily="49" charset="0"/>
+              </a:rPr>
+              <a:t>    </a:t>
+            </a:r>
+            <a:r>
+              <a:rPr kumimoji="0" lang="fr-FR" altLang="fr-FR" sz="1600" b="1" i="0" u="none" strike="noStrike" cap="none" normalizeH="0" baseline="0" dirty="0" smtClean="0">
+                <a:ln>
+                  <a:noFill/>
+                </a:ln>
+                <a:solidFill>
+                  <a:srgbClr val="CC7832"/>
+                </a:solidFill>
+                <a:effectLst/>
+                <a:latin typeface="Courier New" panose="02070309020205020404" pitchFamily="49" charset="0"/>
+                <a:cs typeface="Courier New" panose="02070309020205020404" pitchFamily="49" charset="0"/>
+              </a:rPr>
+              <a:t>stage</a:t>
+            </a:r>
+            <a:r>
+              <a:rPr kumimoji="0" lang="fr-FR" altLang="fr-FR" sz="1600" b="0" i="0" u="none" strike="noStrike" cap="none" normalizeH="0" baseline="0" dirty="0" smtClean="0">
+                <a:ln>
+                  <a:noFill/>
+                </a:ln>
+                <a:solidFill>
+                  <a:srgbClr val="A9B7C6"/>
+                </a:solidFill>
+                <a:effectLst/>
+                <a:latin typeface="Courier New" panose="02070309020205020404" pitchFamily="49" charset="0"/>
+                <a:cs typeface="Courier New" panose="02070309020205020404" pitchFamily="49" charset="0"/>
+              </a:rPr>
+              <a:t>: test</a:t>
+            </a:r>
+            <a:br>
+              <a:rPr kumimoji="0" lang="fr-FR" altLang="fr-FR" sz="1600" b="0" i="0" u="none" strike="noStrike" cap="none" normalizeH="0" baseline="0" dirty="0" smtClean="0">
+                <a:ln>
+                  <a:noFill/>
+                </a:ln>
+                <a:solidFill>
+                  <a:srgbClr val="A9B7C6"/>
+                </a:solidFill>
+                <a:effectLst/>
+                <a:latin typeface="Courier New" panose="02070309020205020404" pitchFamily="49" charset="0"/>
+                <a:cs typeface="Courier New" panose="02070309020205020404" pitchFamily="49" charset="0"/>
+              </a:rPr>
+            </a:br>
+            <a:r>
+              <a:rPr kumimoji="0" lang="fr-FR" altLang="fr-FR" sz="1600" b="0" i="0" u="none" strike="noStrike" cap="none" normalizeH="0" baseline="0" dirty="0" smtClean="0">
+                <a:ln>
+                  <a:noFill/>
+                </a:ln>
+                <a:solidFill>
+                  <a:srgbClr val="A9B7C6"/>
+                </a:solidFill>
+                <a:effectLst/>
+                <a:latin typeface="Courier New" panose="02070309020205020404" pitchFamily="49" charset="0"/>
+                <a:cs typeface="Courier New" panose="02070309020205020404" pitchFamily="49" charset="0"/>
+              </a:rPr>
+              <a:t>    </a:t>
+            </a:r>
+            <a:r>
+              <a:rPr kumimoji="0" lang="fr-FR" altLang="fr-FR" sz="1600" b="1" i="0" u="none" strike="noStrike" cap="none" normalizeH="0" baseline="0" dirty="0" smtClean="0">
+                <a:ln>
+                  <a:noFill/>
+                </a:ln>
+                <a:solidFill>
+                  <a:srgbClr val="CC7832"/>
+                </a:solidFill>
+                <a:effectLst/>
+                <a:latin typeface="Courier New" panose="02070309020205020404" pitchFamily="49" charset="0"/>
+                <a:cs typeface="Courier New" panose="02070309020205020404" pitchFamily="49" charset="0"/>
+              </a:rPr>
+              <a:t>image</a:t>
+            </a:r>
+            <a:r>
+              <a:rPr kumimoji="0" lang="fr-FR" altLang="fr-FR" sz="1600" b="0" i="0" u="none" strike="noStrike" cap="none" normalizeH="0" baseline="0" dirty="0" smtClean="0">
+                <a:ln>
+                  <a:noFill/>
+                </a:ln>
+                <a:solidFill>
+                  <a:srgbClr val="A9B7C6"/>
+                </a:solidFill>
+                <a:effectLst/>
+                <a:latin typeface="Courier New" panose="02070309020205020404" pitchFamily="49" charset="0"/>
+                <a:cs typeface="Courier New" panose="02070309020205020404" pitchFamily="49" charset="0"/>
+              </a:rPr>
+              <a:t>: </a:t>
+            </a:r>
+            <a:r>
+              <a:rPr kumimoji="0" lang="fr-FR" altLang="fr-FR" sz="1600" b="0" i="0" u="none" strike="noStrike" cap="none" normalizeH="0" baseline="0" dirty="0" err="1" smtClean="0">
+                <a:ln>
+                  <a:noFill/>
+                </a:ln>
+                <a:solidFill>
+                  <a:srgbClr val="A9B7C6"/>
+                </a:solidFill>
+                <a:effectLst/>
+                <a:latin typeface="Courier New" panose="02070309020205020404" pitchFamily="49" charset="0"/>
+                <a:cs typeface="Courier New" panose="02070309020205020404" pitchFamily="49" charset="0"/>
+              </a:rPr>
+              <a:t>jakzal</a:t>
+            </a:r>
+            <a:r>
+              <a:rPr kumimoji="0" lang="fr-FR" altLang="fr-FR" sz="1600" b="0" i="0" u="none" strike="noStrike" cap="none" normalizeH="0" baseline="0" dirty="0" smtClean="0">
+                <a:ln>
+                  <a:noFill/>
+                </a:ln>
+                <a:solidFill>
+                  <a:srgbClr val="A9B7C6"/>
+                </a:solidFill>
+                <a:effectLst/>
+                <a:latin typeface="Courier New" panose="02070309020205020404" pitchFamily="49" charset="0"/>
+                <a:cs typeface="Courier New" panose="02070309020205020404" pitchFamily="49" charset="0"/>
+              </a:rPr>
+              <a:t>/</a:t>
+            </a:r>
+            <a:r>
+              <a:rPr kumimoji="0" lang="fr-FR" altLang="fr-FR" sz="1600" b="0" i="0" u="none" strike="noStrike" cap="none" normalizeH="0" baseline="0" dirty="0" err="1" smtClean="0">
+                <a:ln>
+                  <a:noFill/>
+                </a:ln>
+                <a:solidFill>
+                  <a:srgbClr val="A9B7C6"/>
+                </a:solidFill>
+                <a:effectLst/>
+                <a:latin typeface="Courier New" panose="02070309020205020404" pitchFamily="49" charset="0"/>
+                <a:cs typeface="Courier New" panose="02070309020205020404" pitchFamily="49" charset="0"/>
+              </a:rPr>
+              <a:t>phpqa</a:t>
+            </a:r>
+            <a:r>
+              <a:rPr kumimoji="0" lang="fr-FR" altLang="fr-FR" sz="1600" b="0" i="0" u="none" strike="noStrike" cap="none" normalizeH="0" baseline="0" dirty="0" smtClean="0">
+                <a:ln>
+                  <a:noFill/>
+                </a:ln>
+                <a:solidFill>
+                  <a:srgbClr val="A9B7C6"/>
+                </a:solidFill>
+                <a:effectLst/>
+                <a:latin typeface="Courier New" panose="02070309020205020404" pitchFamily="49" charset="0"/>
+                <a:cs typeface="Courier New" panose="02070309020205020404" pitchFamily="49" charset="0"/>
+              </a:rPr>
+              <a:t/>
+            </a:r>
+            <a:br>
+              <a:rPr kumimoji="0" lang="fr-FR" altLang="fr-FR" sz="1600" b="0" i="0" u="none" strike="noStrike" cap="none" normalizeH="0" baseline="0" dirty="0" smtClean="0">
+                <a:ln>
+                  <a:noFill/>
+                </a:ln>
+                <a:solidFill>
+                  <a:srgbClr val="A9B7C6"/>
+                </a:solidFill>
+                <a:effectLst/>
+                <a:latin typeface="Courier New" panose="02070309020205020404" pitchFamily="49" charset="0"/>
+                <a:cs typeface="Courier New" panose="02070309020205020404" pitchFamily="49" charset="0"/>
+              </a:rPr>
+            </a:br>
+            <a:r>
+              <a:rPr kumimoji="0" lang="fr-FR" altLang="fr-FR" sz="1600" b="0" i="0" u="none" strike="noStrike" cap="none" normalizeH="0" baseline="0" dirty="0" smtClean="0">
+                <a:ln>
+                  <a:noFill/>
+                </a:ln>
+                <a:solidFill>
+                  <a:srgbClr val="A9B7C6"/>
+                </a:solidFill>
+                <a:effectLst/>
+                <a:latin typeface="Courier New" panose="02070309020205020404" pitchFamily="49" charset="0"/>
+                <a:cs typeface="Courier New" panose="02070309020205020404" pitchFamily="49" charset="0"/>
+              </a:rPr>
+              <a:t>    </a:t>
+            </a:r>
+            <a:r>
+              <a:rPr kumimoji="0" lang="fr-FR" altLang="fr-FR" sz="1600" b="1" i="0" u="none" strike="noStrike" cap="none" normalizeH="0" baseline="0" dirty="0" smtClean="0">
+                <a:ln>
+                  <a:noFill/>
+                </a:ln>
+                <a:solidFill>
+                  <a:srgbClr val="CC7832"/>
+                </a:solidFill>
+                <a:effectLst/>
+                <a:latin typeface="Courier New" panose="02070309020205020404" pitchFamily="49" charset="0"/>
+                <a:cs typeface="Courier New" panose="02070309020205020404" pitchFamily="49" charset="0"/>
+              </a:rPr>
+              <a:t>script</a:t>
+            </a:r>
+            <a:r>
+              <a:rPr kumimoji="0" lang="fr-FR" altLang="fr-FR" sz="1600" b="0" i="0" u="none" strike="noStrike" cap="none" normalizeH="0" baseline="0" dirty="0" smtClean="0">
+                <a:ln>
+                  <a:noFill/>
+                </a:ln>
+                <a:solidFill>
+                  <a:srgbClr val="A9B7C6"/>
+                </a:solidFill>
+                <a:effectLst/>
+                <a:latin typeface="Courier New" panose="02070309020205020404" pitchFamily="49" charset="0"/>
+                <a:cs typeface="Courier New" panose="02070309020205020404" pitchFamily="49" charset="0"/>
+              </a:rPr>
+              <a:t>:</a:t>
+            </a:r>
+            <a:br>
+              <a:rPr kumimoji="0" lang="fr-FR" altLang="fr-FR" sz="1600" b="0" i="0" u="none" strike="noStrike" cap="none" normalizeH="0" baseline="0" dirty="0" smtClean="0">
+                <a:ln>
+                  <a:noFill/>
+                </a:ln>
+                <a:solidFill>
+                  <a:srgbClr val="A9B7C6"/>
+                </a:solidFill>
+                <a:effectLst/>
+                <a:latin typeface="Courier New" panose="02070309020205020404" pitchFamily="49" charset="0"/>
+                <a:cs typeface="Courier New" panose="02070309020205020404" pitchFamily="49" charset="0"/>
+              </a:rPr>
+            </a:br>
+            <a:r>
+              <a:rPr kumimoji="0" lang="fr-FR" altLang="fr-FR" sz="1600" b="0" i="0" u="none" strike="noStrike" cap="none" normalizeH="0" baseline="0" dirty="0" smtClean="0">
+                <a:ln>
+                  <a:noFill/>
+                </a:ln>
+                <a:solidFill>
+                  <a:srgbClr val="A9B7C6"/>
+                </a:solidFill>
+                <a:effectLst/>
+                <a:latin typeface="Courier New" panose="02070309020205020404" pitchFamily="49" charset="0"/>
+                <a:cs typeface="Courier New" panose="02070309020205020404" pitchFamily="49" charset="0"/>
+              </a:rPr>
+              <a:t>        - cd </a:t>
+            </a:r>
+            <a:r>
+              <a:rPr kumimoji="0" lang="fr-FR" altLang="fr-FR" sz="1600" b="0" i="0" u="none" strike="noStrike" cap="none" normalizeH="0" baseline="0" dirty="0" err="1" smtClean="0">
+                <a:ln>
+                  <a:noFill/>
+                </a:ln>
+                <a:solidFill>
+                  <a:srgbClr val="A9B7C6"/>
+                </a:solidFill>
+                <a:effectLst/>
+                <a:latin typeface="Courier New" panose="02070309020205020404" pitchFamily="49" charset="0"/>
+                <a:cs typeface="Courier New" panose="02070309020205020404" pitchFamily="49" charset="0"/>
+              </a:rPr>
+              <a:t>workspace</a:t>
+            </a:r>
+            <a:r>
+              <a:rPr kumimoji="0" lang="fr-FR" altLang="fr-FR" sz="1600" b="0" i="0" u="none" strike="noStrike" cap="none" normalizeH="0" baseline="0" dirty="0" smtClean="0">
+                <a:ln>
+                  <a:noFill/>
+                </a:ln>
+                <a:solidFill>
+                  <a:srgbClr val="A9B7C6"/>
+                </a:solidFill>
+                <a:effectLst/>
+                <a:latin typeface="Courier New" panose="02070309020205020404" pitchFamily="49" charset="0"/>
+                <a:cs typeface="Courier New" panose="02070309020205020404" pitchFamily="49" charset="0"/>
+              </a:rPr>
+              <a:t/>
+            </a:r>
+            <a:br>
+              <a:rPr kumimoji="0" lang="fr-FR" altLang="fr-FR" sz="1600" b="0" i="0" u="none" strike="noStrike" cap="none" normalizeH="0" baseline="0" dirty="0" smtClean="0">
+                <a:ln>
+                  <a:noFill/>
+                </a:ln>
+                <a:solidFill>
+                  <a:srgbClr val="A9B7C6"/>
+                </a:solidFill>
+                <a:effectLst/>
+                <a:latin typeface="Courier New" panose="02070309020205020404" pitchFamily="49" charset="0"/>
+                <a:cs typeface="Courier New" panose="02070309020205020404" pitchFamily="49" charset="0"/>
+              </a:rPr>
+            </a:br>
+            <a:r>
+              <a:rPr kumimoji="0" lang="fr-FR" altLang="fr-FR" sz="1600" b="0" i="0" u="none" strike="noStrike" cap="none" normalizeH="0" baseline="0" dirty="0" smtClean="0">
+                <a:ln>
+                  <a:noFill/>
+                </a:ln>
+                <a:solidFill>
+                  <a:srgbClr val="A9B7C6"/>
+                </a:solidFill>
+                <a:effectLst/>
+                <a:latin typeface="Courier New" panose="02070309020205020404" pitchFamily="49" charset="0"/>
+                <a:cs typeface="Courier New" panose="02070309020205020404" pitchFamily="49" charset="0"/>
+              </a:rPr>
+              <a:t>        - </a:t>
+            </a:r>
+            <a:r>
+              <a:rPr kumimoji="0" lang="fr-FR" altLang="fr-FR" sz="1600" b="0" i="0" u="none" strike="noStrike" cap="none" normalizeH="0" baseline="0" dirty="0" err="1" smtClean="0">
+                <a:ln>
+                  <a:noFill/>
+                </a:ln>
+                <a:solidFill>
+                  <a:srgbClr val="A9B7C6"/>
+                </a:solidFill>
+                <a:effectLst/>
+                <a:latin typeface="Courier New" panose="02070309020205020404" pitchFamily="49" charset="0"/>
+                <a:cs typeface="Courier New" panose="02070309020205020404" pitchFamily="49" charset="0"/>
+              </a:rPr>
+              <a:t>phpdbg</a:t>
+            </a:r>
+            <a:r>
+              <a:rPr kumimoji="0" lang="fr-FR" altLang="fr-FR" sz="1600" b="0" i="0" u="none" strike="noStrike" cap="none" normalizeH="0" baseline="0" dirty="0" smtClean="0">
+                <a:ln>
+                  <a:noFill/>
+                </a:ln>
+                <a:solidFill>
+                  <a:srgbClr val="A9B7C6"/>
+                </a:solidFill>
+                <a:effectLst/>
+                <a:latin typeface="Courier New" panose="02070309020205020404" pitchFamily="49" charset="0"/>
+                <a:cs typeface="Courier New" panose="02070309020205020404" pitchFamily="49" charset="0"/>
+              </a:rPr>
+              <a:t> -</a:t>
+            </a:r>
+            <a:r>
+              <a:rPr kumimoji="0" lang="fr-FR" altLang="fr-FR" sz="1600" b="0" i="0" u="none" strike="noStrike" cap="none" normalizeH="0" baseline="0" dirty="0" err="1" smtClean="0">
+                <a:ln>
+                  <a:noFill/>
+                </a:ln>
+                <a:solidFill>
+                  <a:srgbClr val="A9B7C6"/>
+                </a:solidFill>
+                <a:effectLst/>
+                <a:latin typeface="Courier New" panose="02070309020205020404" pitchFamily="49" charset="0"/>
+                <a:cs typeface="Courier New" panose="02070309020205020404" pitchFamily="49" charset="0"/>
+              </a:rPr>
+              <a:t>qrr</a:t>
+            </a:r>
+            <a:r>
+              <a:rPr kumimoji="0" lang="fr-FR" altLang="fr-FR" sz="1600" b="0" i="0" u="none" strike="noStrike" cap="none" normalizeH="0" baseline="0" dirty="0" smtClean="0">
+                <a:ln>
+                  <a:noFill/>
+                </a:ln>
+                <a:solidFill>
+                  <a:srgbClr val="A9B7C6"/>
+                </a:solidFill>
+                <a:effectLst/>
+                <a:latin typeface="Courier New" panose="02070309020205020404" pitchFamily="49" charset="0"/>
+                <a:cs typeface="Courier New" panose="02070309020205020404" pitchFamily="49" charset="0"/>
+              </a:rPr>
+              <a:t> bin/</a:t>
+            </a:r>
+            <a:r>
+              <a:rPr kumimoji="0" lang="fr-FR" altLang="fr-FR" sz="1600" b="0" i="0" u="none" strike="noStrike" cap="none" normalizeH="0" baseline="0" dirty="0" err="1" smtClean="0">
+                <a:ln>
+                  <a:noFill/>
+                </a:ln>
+                <a:solidFill>
+                  <a:srgbClr val="A9B7C6"/>
+                </a:solidFill>
+                <a:effectLst/>
+                <a:latin typeface="Courier New" panose="02070309020205020404" pitchFamily="49" charset="0"/>
+                <a:cs typeface="Courier New" panose="02070309020205020404" pitchFamily="49" charset="0"/>
+              </a:rPr>
+              <a:t>phpunit</a:t>
+            </a:r>
+            <a:r>
+              <a:rPr kumimoji="0" lang="fr-FR" altLang="fr-FR" sz="1600" b="0" i="0" u="none" strike="noStrike" cap="none" normalizeH="0" baseline="0" dirty="0" smtClean="0">
+                <a:ln>
+                  <a:noFill/>
+                </a:ln>
+                <a:solidFill>
+                  <a:srgbClr val="A9B7C6"/>
+                </a:solidFill>
+                <a:effectLst/>
+                <a:latin typeface="Courier New" panose="02070309020205020404" pitchFamily="49" charset="0"/>
+                <a:cs typeface="Courier New" panose="02070309020205020404" pitchFamily="49" charset="0"/>
+              </a:rPr>
+              <a:t/>
+            </a:r>
+            <a:br>
+              <a:rPr kumimoji="0" lang="fr-FR" altLang="fr-FR" sz="1600" b="0" i="0" u="none" strike="noStrike" cap="none" normalizeH="0" baseline="0" dirty="0" smtClean="0">
+                <a:ln>
+                  <a:noFill/>
+                </a:ln>
+                <a:solidFill>
+                  <a:srgbClr val="A9B7C6"/>
+                </a:solidFill>
+                <a:effectLst/>
+                <a:latin typeface="Courier New" panose="02070309020205020404" pitchFamily="49" charset="0"/>
+                <a:cs typeface="Courier New" panose="02070309020205020404" pitchFamily="49" charset="0"/>
+              </a:rPr>
+            </a:br>
+            <a:r>
+              <a:rPr kumimoji="0" lang="fr-FR" altLang="fr-FR" sz="1600" b="0" i="0" u="none" strike="noStrike" cap="none" normalizeH="0" baseline="0" dirty="0" smtClean="0">
+                <a:ln>
+                  <a:noFill/>
+                </a:ln>
+                <a:solidFill>
+                  <a:srgbClr val="A9B7C6"/>
+                </a:solidFill>
+                <a:effectLst/>
+                <a:latin typeface="Courier New" panose="02070309020205020404" pitchFamily="49" charset="0"/>
+                <a:cs typeface="Courier New" panose="02070309020205020404" pitchFamily="49" charset="0"/>
+              </a:rPr>
+              <a:t>    </a:t>
+            </a:r>
+            <a:r>
+              <a:rPr kumimoji="0" lang="fr-FR" altLang="fr-FR" sz="1600" b="1" i="0" u="none" strike="noStrike" cap="none" normalizeH="0" baseline="0" dirty="0" err="1" smtClean="0">
+                <a:ln>
+                  <a:noFill/>
+                </a:ln>
+                <a:solidFill>
+                  <a:srgbClr val="CC7832"/>
+                </a:solidFill>
+                <a:effectLst/>
+                <a:latin typeface="Courier New" panose="02070309020205020404" pitchFamily="49" charset="0"/>
+                <a:cs typeface="Courier New" panose="02070309020205020404" pitchFamily="49" charset="0"/>
+              </a:rPr>
+              <a:t>artifacts</a:t>
+            </a:r>
+            <a:r>
+              <a:rPr kumimoji="0" lang="fr-FR" altLang="fr-FR" sz="1600" b="0" i="0" u="none" strike="noStrike" cap="none" normalizeH="0" baseline="0" dirty="0" smtClean="0">
+                <a:ln>
+                  <a:noFill/>
+                </a:ln>
+                <a:solidFill>
+                  <a:srgbClr val="A9B7C6"/>
+                </a:solidFill>
+                <a:effectLst/>
+                <a:latin typeface="Courier New" panose="02070309020205020404" pitchFamily="49" charset="0"/>
+                <a:cs typeface="Courier New" panose="02070309020205020404" pitchFamily="49" charset="0"/>
+              </a:rPr>
+              <a:t>:</a:t>
+            </a:r>
+            <a:br>
+              <a:rPr kumimoji="0" lang="fr-FR" altLang="fr-FR" sz="1600" b="0" i="0" u="none" strike="noStrike" cap="none" normalizeH="0" baseline="0" dirty="0" smtClean="0">
+                <a:ln>
+                  <a:noFill/>
+                </a:ln>
+                <a:solidFill>
+                  <a:srgbClr val="A9B7C6"/>
+                </a:solidFill>
+                <a:effectLst/>
+                <a:latin typeface="Courier New" panose="02070309020205020404" pitchFamily="49" charset="0"/>
+                <a:cs typeface="Courier New" panose="02070309020205020404" pitchFamily="49" charset="0"/>
+              </a:rPr>
+            </a:br>
+            <a:r>
+              <a:rPr kumimoji="0" lang="fr-FR" altLang="fr-FR" sz="1600" b="0" i="0" u="none" strike="noStrike" cap="none" normalizeH="0" baseline="0" dirty="0" smtClean="0">
+                <a:ln>
+                  <a:noFill/>
+                </a:ln>
+                <a:solidFill>
+                  <a:srgbClr val="A9B7C6"/>
+                </a:solidFill>
+                <a:effectLst/>
+                <a:latin typeface="Courier New" panose="02070309020205020404" pitchFamily="49" charset="0"/>
+                <a:cs typeface="Courier New" panose="02070309020205020404" pitchFamily="49" charset="0"/>
+              </a:rPr>
+              <a:t>        </a:t>
+            </a:r>
+            <a:r>
+              <a:rPr kumimoji="0" lang="fr-FR" altLang="fr-FR" sz="1600" b="1" i="0" u="none" strike="noStrike" cap="none" normalizeH="0" baseline="0" dirty="0" err="1" smtClean="0">
+                <a:ln>
+                  <a:noFill/>
+                </a:ln>
+                <a:solidFill>
+                  <a:srgbClr val="CC7832"/>
+                </a:solidFill>
+                <a:effectLst/>
+                <a:latin typeface="Courier New" panose="02070309020205020404" pitchFamily="49" charset="0"/>
+                <a:cs typeface="Courier New" panose="02070309020205020404" pitchFamily="49" charset="0"/>
+              </a:rPr>
+              <a:t>when</a:t>
+            </a:r>
+            <a:r>
+              <a:rPr kumimoji="0" lang="fr-FR" altLang="fr-FR" sz="1600" b="0" i="0" u="none" strike="noStrike" cap="none" normalizeH="0" baseline="0" dirty="0" smtClean="0">
+                <a:ln>
+                  <a:noFill/>
+                </a:ln>
+                <a:solidFill>
+                  <a:srgbClr val="A9B7C6"/>
+                </a:solidFill>
+                <a:effectLst/>
+                <a:latin typeface="Courier New" panose="02070309020205020404" pitchFamily="49" charset="0"/>
+                <a:cs typeface="Courier New" panose="02070309020205020404" pitchFamily="49" charset="0"/>
+              </a:rPr>
+              <a:t>: </a:t>
+            </a:r>
+            <a:r>
+              <a:rPr kumimoji="0" lang="fr-FR" altLang="fr-FR" sz="1600" b="0" i="0" u="none" strike="noStrike" cap="none" normalizeH="0" baseline="0" dirty="0" err="1" smtClean="0">
+                <a:ln>
+                  <a:noFill/>
+                </a:ln>
+                <a:solidFill>
+                  <a:srgbClr val="A9B7C6"/>
+                </a:solidFill>
+                <a:effectLst/>
+                <a:latin typeface="Courier New" panose="02070309020205020404" pitchFamily="49" charset="0"/>
+                <a:cs typeface="Courier New" panose="02070309020205020404" pitchFamily="49" charset="0"/>
+              </a:rPr>
+              <a:t>always</a:t>
+            </a:r>
+            <a:r>
+              <a:rPr kumimoji="0" lang="fr-FR" altLang="fr-FR" sz="1600" b="0" i="0" u="none" strike="noStrike" cap="none" normalizeH="0" baseline="0" dirty="0" smtClean="0">
+                <a:ln>
+                  <a:noFill/>
+                </a:ln>
+                <a:solidFill>
+                  <a:srgbClr val="A9B7C6"/>
+                </a:solidFill>
+                <a:effectLst/>
+                <a:latin typeface="Courier New" panose="02070309020205020404" pitchFamily="49" charset="0"/>
+                <a:cs typeface="Courier New" panose="02070309020205020404" pitchFamily="49" charset="0"/>
+              </a:rPr>
+              <a:t/>
+            </a:r>
+            <a:br>
+              <a:rPr kumimoji="0" lang="fr-FR" altLang="fr-FR" sz="1600" b="0" i="0" u="none" strike="noStrike" cap="none" normalizeH="0" baseline="0" dirty="0" smtClean="0">
+                <a:ln>
+                  <a:noFill/>
+                </a:ln>
+                <a:solidFill>
+                  <a:srgbClr val="A9B7C6"/>
+                </a:solidFill>
+                <a:effectLst/>
+                <a:latin typeface="Courier New" panose="02070309020205020404" pitchFamily="49" charset="0"/>
+                <a:cs typeface="Courier New" panose="02070309020205020404" pitchFamily="49" charset="0"/>
+              </a:rPr>
+            </a:br>
+            <a:r>
+              <a:rPr kumimoji="0" lang="fr-FR" altLang="fr-FR" sz="1600" b="0" i="0" u="none" strike="noStrike" cap="none" normalizeH="0" baseline="0" dirty="0" smtClean="0">
+                <a:ln>
+                  <a:noFill/>
+                </a:ln>
+                <a:solidFill>
+                  <a:srgbClr val="A9B7C6"/>
+                </a:solidFill>
+                <a:effectLst/>
+                <a:latin typeface="Courier New" panose="02070309020205020404" pitchFamily="49" charset="0"/>
+                <a:cs typeface="Courier New" panose="02070309020205020404" pitchFamily="49" charset="0"/>
+              </a:rPr>
+              <a:t>        </a:t>
+            </a:r>
+            <a:r>
+              <a:rPr kumimoji="0" lang="fr-FR" altLang="fr-FR" sz="1600" b="1" i="0" u="none" strike="noStrike" cap="none" normalizeH="0" baseline="0" dirty="0" err="1" smtClean="0">
+                <a:ln>
+                  <a:noFill/>
+                </a:ln>
+                <a:solidFill>
+                  <a:srgbClr val="CC7832"/>
+                </a:solidFill>
+                <a:effectLst/>
+                <a:latin typeface="Courier New" panose="02070309020205020404" pitchFamily="49" charset="0"/>
+                <a:cs typeface="Courier New" panose="02070309020205020404" pitchFamily="49" charset="0"/>
+              </a:rPr>
+              <a:t>paths</a:t>
+            </a:r>
+            <a:r>
+              <a:rPr kumimoji="0" lang="fr-FR" altLang="fr-FR" sz="1600" b="0" i="0" u="none" strike="noStrike" cap="none" normalizeH="0" baseline="0" dirty="0" smtClean="0">
+                <a:ln>
+                  <a:noFill/>
+                </a:ln>
+                <a:solidFill>
+                  <a:srgbClr val="A9B7C6"/>
+                </a:solidFill>
+                <a:effectLst/>
+                <a:latin typeface="Courier New" panose="02070309020205020404" pitchFamily="49" charset="0"/>
+                <a:cs typeface="Courier New" panose="02070309020205020404" pitchFamily="49" charset="0"/>
+              </a:rPr>
+              <a:t>:</a:t>
+            </a:r>
+            <a:br>
+              <a:rPr kumimoji="0" lang="fr-FR" altLang="fr-FR" sz="1600" b="0" i="0" u="none" strike="noStrike" cap="none" normalizeH="0" baseline="0" dirty="0" smtClean="0">
+                <a:ln>
+                  <a:noFill/>
+                </a:ln>
+                <a:solidFill>
+                  <a:srgbClr val="A9B7C6"/>
+                </a:solidFill>
+                <a:effectLst/>
+                <a:latin typeface="Courier New" panose="02070309020205020404" pitchFamily="49" charset="0"/>
+                <a:cs typeface="Courier New" panose="02070309020205020404" pitchFamily="49" charset="0"/>
+              </a:rPr>
+            </a:br>
+            <a:r>
+              <a:rPr kumimoji="0" lang="fr-FR" altLang="fr-FR" sz="1600" b="0" i="0" u="none" strike="noStrike" cap="none" normalizeH="0" baseline="0" dirty="0" smtClean="0">
+                <a:ln>
+                  <a:noFill/>
+                </a:ln>
+                <a:solidFill>
+                  <a:srgbClr val="A9B7C6"/>
+                </a:solidFill>
+                <a:effectLst/>
+                <a:latin typeface="Courier New" panose="02070309020205020404" pitchFamily="49" charset="0"/>
+                <a:cs typeface="Courier New" panose="02070309020205020404" pitchFamily="49" charset="0"/>
+              </a:rPr>
+              <a:t>            - ./</a:t>
+            </a:r>
+            <a:r>
+              <a:rPr kumimoji="0" lang="fr-FR" altLang="fr-FR" sz="1600" b="0" i="0" u="none" strike="noStrike" cap="none" normalizeH="0" baseline="0" dirty="0" err="1" smtClean="0">
+                <a:ln>
+                  <a:noFill/>
+                </a:ln>
+                <a:solidFill>
+                  <a:srgbClr val="A9B7C6"/>
+                </a:solidFill>
+                <a:effectLst/>
+                <a:latin typeface="Courier New" panose="02070309020205020404" pitchFamily="49" charset="0"/>
+                <a:cs typeface="Courier New" panose="02070309020205020404" pitchFamily="49" charset="0"/>
+              </a:rPr>
+              <a:t>build</a:t>
+            </a:r>
+            <a:r>
+              <a:rPr kumimoji="0" lang="fr-FR" altLang="fr-FR" sz="1600" b="0" i="0" u="none" strike="noStrike" cap="none" normalizeH="0" baseline="0" dirty="0" smtClean="0">
+                <a:ln>
+                  <a:noFill/>
+                </a:ln>
+                <a:solidFill>
+                  <a:srgbClr val="A9B7C6"/>
+                </a:solidFill>
+                <a:effectLst/>
+                <a:latin typeface="Courier New" panose="02070309020205020404" pitchFamily="49" charset="0"/>
+                <a:cs typeface="Courier New" panose="02070309020205020404" pitchFamily="49" charset="0"/>
+              </a:rPr>
+              <a:t/>
+            </a:r>
+            <a:br>
+              <a:rPr kumimoji="0" lang="fr-FR" altLang="fr-FR" sz="1600" b="0" i="0" u="none" strike="noStrike" cap="none" normalizeH="0" baseline="0" dirty="0" smtClean="0">
+                <a:ln>
+                  <a:noFill/>
+                </a:ln>
+                <a:solidFill>
+                  <a:srgbClr val="A9B7C6"/>
+                </a:solidFill>
+                <a:effectLst/>
+                <a:latin typeface="Courier New" panose="02070309020205020404" pitchFamily="49" charset="0"/>
+                <a:cs typeface="Courier New" panose="02070309020205020404" pitchFamily="49" charset="0"/>
+              </a:rPr>
+            </a:br>
+            <a:r>
+              <a:rPr kumimoji="0" lang="fr-FR" altLang="fr-FR" sz="1600" b="0" i="0" u="none" strike="noStrike" cap="none" normalizeH="0" baseline="0" dirty="0" smtClean="0">
+                <a:ln>
+                  <a:noFill/>
+                </a:ln>
+                <a:solidFill>
+                  <a:srgbClr val="A9B7C6"/>
+                </a:solidFill>
+                <a:effectLst/>
+                <a:latin typeface="Courier New" panose="02070309020205020404" pitchFamily="49" charset="0"/>
+                <a:cs typeface="Courier New" panose="02070309020205020404" pitchFamily="49" charset="0"/>
+              </a:rPr>
+              <a:t>    </a:t>
+            </a:r>
+            <a:r>
+              <a:rPr kumimoji="0" lang="fr-FR" altLang="fr-FR" sz="1600" b="1" i="0" u="none" strike="noStrike" cap="none" normalizeH="0" baseline="0" dirty="0" err="1" smtClean="0">
+                <a:ln>
+                  <a:noFill/>
+                </a:ln>
+                <a:solidFill>
+                  <a:srgbClr val="CC7832"/>
+                </a:solidFill>
+                <a:effectLst/>
+                <a:latin typeface="Courier New" panose="02070309020205020404" pitchFamily="49" charset="0"/>
+                <a:cs typeface="Courier New" panose="02070309020205020404" pitchFamily="49" charset="0"/>
+              </a:rPr>
+              <a:t>allow_failure</a:t>
+            </a:r>
+            <a:r>
+              <a:rPr kumimoji="0" lang="fr-FR" altLang="fr-FR" sz="1600" b="0" i="0" u="none" strike="noStrike" cap="none" normalizeH="0" baseline="0" dirty="0" smtClean="0">
+                <a:ln>
+                  <a:noFill/>
+                </a:ln>
+                <a:solidFill>
+                  <a:srgbClr val="A9B7C6"/>
+                </a:solidFill>
+                <a:effectLst/>
+                <a:latin typeface="Courier New" panose="02070309020205020404" pitchFamily="49" charset="0"/>
+                <a:cs typeface="Courier New" panose="02070309020205020404" pitchFamily="49" charset="0"/>
+              </a:rPr>
+              <a:t>: false</a:t>
+            </a:r>
+            <a:br>
+              <a:rPr kumimoji="0" lang="fr-FR" altLang="fr-FR" sz="1600" b="0" i="0" u="none" strike="noStrike" cap="none" normalizeH="0" baseline="0" dirty="0" smtClean="0">
+                <a:ln>
+                  <a:noFill/>
+                </a:ln>
+                <a:solidFill>
+                  <a:srgbClr val="A9B7C6"/>
+                </a:solidFill>
+                <a:effectLst/>
+                <a:latin typeface="Courier New" panose="02070309020205020404" pitchFamily="49" charset="0"/>
+                <a:cs typeface="Courier New" panose="02070309020205020404" pitchFamily="49" charset="0"/>
+              </a:rPr>
+            </a:br>
+            <a:r>
+              <a:rPr kumimoji="0" lang="fr-FR" altLang="fr-FR" sz="1600" b="0" i="0" u="none" strike="noStrike" cap="none" normalizeH="0" baseline="0" dirty="0" smtClean="0">
+                <a:ln>
+                  <a:noFill/>
+                </a:ln>
+                <a:solidFill>
+                  <a:srgbClr val="A9B7C6"/>
+                </a:solidFill>
+                <a:effectLst/>
+                <a:latin typeface="Courier New" panose="02070309020205020404" pitchFamily="49" charset="0"/>
+                <a:cs typeface="Courier New" panose="02070309020205020404" pitchFamily="49" charset="0"/>
+              </a:rPr>
+              <a:t>    </a:t>
+            </a:r>
+            <a:r>
+              <a:rPr kumimoji="0" lang="fr-FR" altLang="fr-FR" sz="1600" b="1" i="0" u="none" strike="noStrike" cap="none" normalizeH="0" baseline="0" dirty="0" err="1" smtClean="0">
+                <a:ln>
+                  <a:noFill/>
+                </a:ln>
+                <a:solidFill>
+                  <a:srgbClr val="CC7832"/>
+                </a:solidFill>
+                <a:effectLst/>
+                <a:latin typeface="Courier New" panose="02070309020205020404" pitchFamily="49" charset="0"/>
+                <a:cs typeface="Courier New" panose="02070309020205020404" pitchFamily="49" charset="0"/>
+              </a:rPr>
+              <a:t>only</a:t>
+            </a:r>
+            <a:r>
+              <a:rPr kumimoji="0" lang="fr-FR" altLang="fr-FR" sz="1600" b="0" i="0" u="none" strike="noStrike" cap="none" normalizeH="0" baseline="0" dirty="0" smtClean="0">
+                <a:ln>
+                  <a:noFill/>
+                </a:ln>
+                <a:solidFill>
+                  <a:srgbClr val="A9B7C6"/>
+                </a:solidFill>
+                <a:effectLst/>
+                <a:latin typeface="Courier New" panose="02070309020205020404" pitchFamily="49" charset="0"/>
+                <a:cs typeface="Courier New" panose="02070309020205020404" pitchFamily="49" charset="0"/>
+              </a:rPr>
+              <a:t>:</a:t>
+            </a:r>
+            <a:br>
+              <a:rPr kumimoji="0" lang="fr-FR" altLang="fr-FR" sz="1600" b="0" i="0" u="none" strike="noStrike" cap="none" normalizeH="0" baseline="0" dirty="0" smtClean="0">
+                <a:ln>
+                  <a:noFill/>
+                </a:ln>
+                <a:solidFill>
+                  <a:srgbClr val="A9B7C6"/>
+                </a:solidFill>
+                <a:effectLst/>
+                <a:latin typeface="Courier New" panose="02070309020205020404" pitchFamily="49" charset="0"/>
+                <a:cs typeface="Courier New" panose="02070309020205020404" pitchFamily="49" charset="0"/>
+              </a:rPr>
+            </a:br>
+            <a:r>
+              <a:rPr kumimoji="0" lang="fr-FR" altLang="fr-FR" sz="1600" b="0" i="0" u="none" strike="noStrike" cap="none" normalizeH="0" baseline="0" dirty="0" smtClean="0">
+                <a:ln>
+                  <a:noFill/>
+                </a:ln>
+                <a:solidFill>
+                  <a:srgbClr val="A9B7C6"/>
+                </a:solidFill>
+                <a:effectLst/>
+                <a:latin typeface="Courier New" panose="02070309020205020404" pitchFamily="49" charset="0"/>
+                <a:cs typeface="Courier New" panose="02070309020205020404" pitchFamily="49" charset="0"/>
+              </a:rPr>
+              <a:t>        - </a:t>
+            </a:r>
+            <a:r>
+              <a:rPr kumimoji="0" lang="fr-FR" altLang="fr-FR" sz="1600" b="0" i="0" u="none" strike="noStrike" cap="none" normalizeH="0" baseline="0" dirty="0" err="1" smtClean="0">
+                <a:ln>
+                  <a:noFill/>
+                </a:ln>
+                <a:solidFill>
+                  <a:srgbClr val="A9B7C6"/>
+                </a:solidFill>
+                <a:effectLst/>
+                <a:latin typeface="Courier New" panose="02070309020205020404" pitchFamily="49" charset="0"/>
+                <a:cs typeface="Courier New" panose="02070309020205020404" pitchFamily="49" charset="0"/>
+              </a:rPr>
+              <a:t>merge_requests</a:t>
+            </a:r>
+            <a:r>
+              <a:rPr kumimoji="0" lang="fr-FR" altLang="fr-FR" sz="1600" b="0" i="0" u="none" strike="noStrike" cap="none" normalizeH="0" baseline="0" dirty="0" smtClean="0">
+                <a:ln>
+                  <a:noFill/>
+                </a:ln>
+                <a:solidFill>
+                  <a:srgbClr val="A9B7C6"/>
+                </a:solidFill>
+                <a:effectLst/>
+                <a:latin typeface="Courier New" panose="02070309020205020404" pitchFamily="49" charset="0"/>
+                <a:cs typeface="Courier New" panose="02070309020205020404" pitchFamily="49" charset="0"/>
+              </a:rPr>
+              <a:t/>
+            </a:r>
+            <a:br>
+              <a:rPr kumimoji="0" lang="fr-FR" altLang="fr-FR" sz="1600" b="0" i="0" u="none" strike="noStrike" cap="none" normalizeH="0" baseline="0" dirty="0" smtClean="0">
+                <a:ln>
+                  <a:noFill/>
+                </a:ln>
+                <a:solidFill>
+                  <a:srgbClr val="A9B7C6"/>
+                </a:solidFill>
+                <a:effectLst/>
+                <a:latin typeface="Courier New" panose="02070309020205020404" pitchFamily="49" charset="0"/>
+                <a:cs typeface="Courier New" panose="02070309020205020404" pitchFamily="49" charset="0"/>
+              </a:rPr>
+            </a:br>
+            <a:r>
+              <a:rPr kumimoji="0" lang="fr-FR" altLang="fr-FR" sz="1600" b="0" i="0" u="none" strike="noStrike" cap="none" normalizeH="0" baseline="0" dirty="0" smtClean="0">
+                <a:ln>
+                  <a:noFill/>
+                </a:ln>
+                <a:solidFill>
+                  <a:srgbClr val="A9B7C6"/>
+                </a:solidFill>
+                <a:effectLst/>
+                <a:latin typeface="Courier New" panose="02070309020205020404" pitchFamily="49" charset="0"/>
+                <a:cs typeface="Courier New" panose="02070309020205020404" pitchFamily="49" charset="0"/>
+              </a:rPr>
+              <a:t>    </a:t>
+            </a:r>
+            <a:r>
+              <a:rPr kumimoji="0" lang="fr-FR" altLang="fr-FR" sz="1600" b="1" i="0" u="none" strike="noStrike" cap="none" normalizeH="0" baseline="0" dirty="0" err="1" smtClean="0">
+                <a:ln>
+                  <a:noFill/>
+                </a:ln>
+                <a:solidFill>
+                  <a:srgbClr val="CC7832"/>
+                </a:solidFill>
+                <a:effectLst/>
+                <a:latin typeface="Courier New" panose="02070309020205020404" pitchFamily="49" charset="0"/>
+                <a:cs typeface="Courier New" panose="02070309020205020404" pitchFamily="49" charset="0"/>
+              </a:rPr>
+              <a:t>except</a:t>
+            </a:r>
+            <a:r>
+              <a:rPr kumimoji="0" lang="fr-FR" altLang="fr-FR" sz="1600" b="0" i="0" u="none" strike="noStrike" cap="none" normalizeH="0" baseline="0" dirty="0" smtClean="0">
+                <a:ln>
+                  <a:noFill/>
+                </a:ln>
+                <a:solidFill>
+                  <a:srgbClr val="A9B7C6"/>
+                </a:solidFill>
+                <a:effectLst/>
+                <a:latin typeface="Courier New" panose="02070309020205020404" pitchFamily="49" charset="0"/>
+                <a:cs typeface="Courier New" panose="02070309020205020404" pitchFamily="49" charset="0"/>
+              </a:rPr>
+              <a:t>:</a:t>
+            </a:r>
+            <a:br>
+              <a:rPr kumimoji="0" lang="fr-FR" altLang="fr-FR" sz="1600" b="0" i="0" u="none" strike="noStrike" cap="none" normalizeH="0" baseline="0" dirty="0" smtClean="0">
+                <a:ln>
+                  <a:noFill/>
+                </a:ln>
+                <a:solidFill>
+                  <a:srgbClr val="A9B7C6"/>
+                </a:solidFill>
+                <a:effectLst/>
+                <a:latin typeface="Courier New" panose="02070309020205020404" pitchFamily="49" charset="0"/>
+                <a:cs typeface="Courier New" panose="02070309020205020404" pitchFamily="49" charset="0"/>
+              </a:rPr>
+            </a:br>
+            <a:r>
+              <a:rPr kumimoji="0" lang="fr-FR" altLang="fr-FR" sz="1600" b="0" i="0" u="none" strike="noStrike" cap="none" normalizeH="0" baseline="0" dirty="0" smtClean="0">
+                <a:ln>
+                  <a:noFill/>
+                </a:ln>
+                <a:solidFill>
+                  <a:srgbClr val="A9B7C6"/>
+                </a:solidFill>
+                <a:effectLst/>
+                <a:latin typeface="Courier New" panose="02070309020205020404" pitchFamily="49" charset="0"/>
+                <a:cs typeface="Courier New" panose="02070309020205020404" pitchFamily="49" charset="0"/>
+              </a:rPr>
+              <a:t>        - </a:t>
+            </a:r>
+            <a:r>
+              <a:rPr kumimoji="0" lang="fr-FR" altLang="fr-FR" sz="1600" b="0" i="0" u="none" strike="noStrike" cap="none" normalizeH="0" baseline="0" dirty="0" err="1" smtClean="0">
+                <a:ln>
+                  <a:noFill/>
+                </a:ln>
+                <a:solidFill>
+                  <a:srgbClr val="A9B7C6"/>
+                </a:solidFill>
+                <a:effectLst/>
+                <a:latin typeface="Courier New" panose="02070309020205020404" pitchFamily="49" charset="0"/>
+                <a:cs typeface="Courier New" panose="02070309020205020404" pitchFamily="49" charset="0"/>
+              </a:rPr>
+              <a:t>staging</a:t>
+            </a:r>
+            <a:r>
+              <a:rPr kumimoji="0" lang="fr-FR" altLang="fr-FR" sz="1600" b="0" i="0" u="none" strike="noStrike" cap="none" normalizeH="0" baseline="0" dirty="0" smtClean="0">
+                <a:ln>
+                  <a:noFill/>
+                </a:ln>
+                <a:solidFill>
+                  <a:srgbClr val="A9B7C6"/>
+                </a:solidFill>
+                <a:effectLst/>
+                <a:latin typeface="Courier New" panose="02070309020205020404" pitchFamily="49" charset="0"/>
+                <a:cs typeface="Courier New" panose="02070309020205020404" pitchFamily="49" charset="0"/>
+              </a:rPr>
+              <a:t/>
+            </a:r>
+            <a:br>
+              <a:rPr kumimoji="0" lang="fr-FR" altLang="fr-FR" sz="1600" b="0" i="0" u="none" strike="noStrike" cap="none" normalizeH="0" baseline="0" dirty="0" smtClean="0">
+                <a:ln>
+                  <a:noFill/>
+                </a:ln>
+                <a:solidFill>
+                  <a:srgbClr val="A9B7C6"/>
+                </a:solidFill>
+                <a:effectLst/>
+                <a:latin typeface="Courier New" panose="02070309020205020404" pitchFamily="49" charset="0"/>
+                <a:cs typeface="Courier New" panose="02070309020205020404" pitchFamily="49" charset="0"/>
+              </a:rPr>
+            </a:br>
+            <a:r>
+              <a:rPr kumimoji="0" lang="fr-FR" altLang="fr-FR" sz="1600" b="0" i="0" u="none" strike="noStrike" cap="none" normalizeH="0" baseline="0" dirty="0" smtClean="0">
+                <a:ln>
+                  <a:noFill/>
+                </a:ln>
+                <a:solidFill>
+                  <a:srgbClr val="A9B7C6"/>
+                </a:solidFill>
+                <a:effectLst/>
+                <a:latin typeface="Courier New" panose="02070309020205020404" pitchFamily="49" charset="0"/>
+                <a:cs typeface="Courier New" panose="02070309020205020404" pitchFamily="49" charset="0"/>
+              </a:rPr>
+              <a:t>        - master</a:t>
+            </a:r>
+            <a:endParaRPr kumimoji="0" lang="fr-FR" altLang="fr-FR" sz="3600" b="0" i="0" u="none" strike="noStrike" cap="none" normalizeH="0" baseline="0" dirty="0" smtClean="0">
+              <a:ln>
+                <a:noFill/>
+              </a:ln>
+              <a:solidFill>
+                <a:schemeClr val="tx1"/>
+              </a:solidFill>
+              <a:effectLst/>
+              <a:latin typeface="Arial" panose="020B0604020202020204" pitchFamily="34" charset="0"/>
+            </a:endParaRPr>
+          </a:p>
+        </p:txBody>
+      </p:sp>
+      <p:sp>
+        <p:nvSpPr>
+          <p:cNvPr id="7" name="Flèche droite 6"/>
+          <p:cNvSpPr/>
+          <p:nvPr/>
+        </p:nvSpPr>
+        <p:spPr>
+          <a:xfrm>
+            <a:off x="7027720" y="3861954"/>
+            <a:ext cx="1030310" cy="528034"/>
+          </a:xfrm>
+          <a:prstGeom prst="rightArrow">
+            <a:avLst/>
+          </a:prstGeom>
+        </p:spPr>
+        <p:style>
+          <a:lnRef idx="2">
+            <a:schemeClr val="accent1">
+              <a:shade val="50000"/>
+            </a:schemeClr>
+          </a:lnRef>
+          <a:fillRef idx="1">
+            <a:schemeClr val="accent1"/>
+          </a:fillRef>
+          <a:effectRef idx="0">
+            <a:schemeClr val="accent1"/>
+          </a:effectRef>
+          <a:fontRef idx="minor">
+            <a:schemeClr val="lt1"/>
+          </a:fontRef>
+        </p:style>
+        <p:txBody>
+          <a:bodyPr rtlCol="0" anchor="ctr"/>
+          <a:lstStyle/>
+          <a:p>
+            <a:pPr algn="ctr"/>
+            <a:endParaRPr lang="fr-FR"/>
+          </a:p>
+        </p:txBody>
+      </p:sp>
+      <p:sp>
+        <p:nvSpPr>
+          <p:cNvPr id="3" name="ZoneTexte 2"/>
+          <p:cNvSpPr txBox="1"/>
+          <p:nvPr/>
+        </p:nvSpPr>
+        <p:spPr>
+          <a:xfrm>
+            <a:off x="463639" y="2758038"/>
+            <a:ext cx="9064053" cy="3416320"/>
+          </a:xfrm>
+          <a:prstGeom prst="rect">
+            <a:avLst/>
+          </a:prstGeom>
+          <a:noFill/>
+        </p:spPr>
+        <p:txBody>
+          <a:bodyPr wrap="square" rtlCol="0">
+            <a:spAutoFit/>
+          </a:bodyPr>
+          <a:lstStyle/>
+          <a:p>
+            <a:r>
+              <a:rPr lang="fr-FR" dirty="0" smtClean="0"/>
+              <a:t>Lors du job vous pouvez configurer la récupération</a:t>
+            </a:r>
+          </a:p>
+          <a:p>
+            <a:r>
+              <a:rPr lang="fr-FR" dirty="0"/>
+              <a:t>d</a:t>
+            </a:r>
+            <a:r>
+              <a:rPr lang="fr-FR" dirty="0" smtClean="0"/>
+              <a:t>es rapports.</a:t>
+            </a:r>
+          </a:p>
+          <a:p>
+            <a:endParaRPr lang="fr-FR" dirty="0"/>
+          </a:p>
+          <a:p>
+            <a:r>
+              <a:rPr lang="fr-FR" b="1" dirty="0" err="1" smtClean="0"/>
+              <a:t>When</a:t>
+            </a:r>
+            <a:r>
+              <a:rPr lang="fr-FR" dirty="0" smtClean="0"/>
+              <a:t> permet de définir quand vous voulez</a:t>
+            </a:r>
+          </a:p>
+          <a:p>
+            <a:r>
+              <a:rPr lang="fr-FR" dirty="0" smtClean="0"/>
+              <a:t>Récupérer les informations.</a:t>
+            </a:r>
+          </a:p>
+          <a:p>
+            <a:endParaRPr lang="fr-FR" dirty="0"/>
+          </a:p>
+          <a:p>
+            <a:r>
+              <a:rPr lang="fr-FR" dirty="0" smtClean="0"/>
+              <a:t>Trois solutions possible :</a:t>
+            </a:r>
+          </a:p>
+          <a:p>
+            <a:r>
+              <a:rPr lang="en-US" dirty="0" smtClean="0"/>
+              <a:t>- </a:t>
+            </a:r>
+            <a:r>
+              <a:rPr lang="en-US" b="1" dirty="0" err="1" smtClean="0"/>
+              <a:t>on_success</a:t>
+            </a:r>
+            <a:r>
+              <a:rPr lang="en-US" dirty="0" smtClean="0"/>
+              <a:t> </a:t>
+            </a:r>
+            <a:r>
+              <a:rPr lang="en-US" dirty="0"/>
+              <a:t>- upload </a:t>
+            </a:r>
+            <a:r>
+              <a:rPr lang="en-US" dirty="0" smtClean="0"/>
+              <a:t>les artifacts </a:t>
+            </a:r>
+            <a:r>
+              <a:rPr lang="en-US" dirty="0" err="1" smtClean="0"/>
+              <a:t>seulement</a:t>
+            </a:r>
+            <a:r>
+              <a:rPr lang="en-US" dirty="0" smtClean="0"/>
+              <a:t> </a:t>
+            </a:r>
+            <a:r>
+              <a:rPr lang="en-US" dirty="0" err="1" smtClean="0"/>
+              <a:t>si</a:t>
+            </a:r>
+            <a:r>
+              <a:rPr lang="en-US" dirty="0" smtClean="0"/>
+              <a:t> le job </a:t>
+            </a:r>
+            <a:r>
+              <a:rPr lang="en-US" dirty="0" err="1" smtClean="0"/>
+              <a:t>réussi</a:t>
+            </a:r>
+            <a:r>
+              <a:rPr lang="en-US" dirty="0" smtClean="0"/>
+              <a:t>.</a:t>
+            </a:r>
+          </a:p>
+          <a:p>
+            <a:r>
+              <a:rPr lang="en-US" dirty="0" smtClean="0"/>
+              <a:t>This </a:t>
+            </a:r>
+            <a:r>
+              <a:rPr lang="en-US" dirty="0"/>
+              <a:t>is the default.</a:t>
+            </a:r>
+          </a:p>
+          <a:p>
+            <a:r>
+              <a:rPr lang="en-US" dirty="0" smtClean="0"/>
+              <a:t>- </a:t>
+            </a:r>
+            <a:r>
+              <a:rPr lang="en-US" b="1" dirty="0" err="1" smtClean="0"/>
+              <a:t>on_failure</a:t>
+            </a:r>
+            <a:r>
+              <a:rPr lang="en-US" dirty="0" smtClean="0"/>
+              <a:t> – Upload les </a:t>
+            </a:r>
+            <a:r>
+              <a:rPr lang="en-US" dirty="0"/>
+              <a:t>artifacts </a:t>
+            </a:r>
+            <a:r>
+              <a:rPr lang="en-US" dirty="0" err="1" smtClean="0"/>
+              <a:t>seulement</a:t>
+            </a:r>
+            <a:r>
+              <a:rPr lang="en-US" dirty="0" smtClean="0"/>
+              <a:t> </a:t>
+            </a:r>
+            <a:r>
+              <a:rPr lang="en-US" dirty="0" err="1" smtClean="0"/>
+              <a:t>si</a:t>
+            </a:r>
+            <a:r>
+              <a:rPr lang="en-US" dirty="0" smtClean="0"/>
+              <a:t> le job </a:t>
+            </a:r>
+            <a:r>
+              <a:rPr lang="en-US" dirty="0" err="1" smtClean="0"/>
+              <a:t>échoue</a:t>
+            </a:r>
+            <a:r>
+              <a:rPr lang="en-US" dirty="0" smtClean="0"/>
+              <a:t>.</a:t>
+            </a:r>
+            <a:endParaRPr lang="en-US" dirty="0"/>
+          </a:p>
+          <a:p>
+            <a:r>
+              <a:rPr lang="en-US" dirty="0" smtClean="0"/>
+              <a:t>- </a:t>
+            </a:r>
+            <a:r>
+              <a:rPr lang="en-US" b="1" dirty="0" smtClean="0"/>
+              <a:t>always</a:t>
+            </a:r>
+            <a:r>
+              <a:rPr lang="en-US" dirty="0" smtClean="0"/>
+              <a:t> – Upload les artifacts quell que </a:t>
+            </a:r>
+            <a:r>
+              <a:rPr lang="en-US" dirty="0" err="1" smtClean="0"/>
+              <a:t>soit</a:t>
+            </a:r>
+            <a:r>
+              <a:rPr lang="en-US" dirty="0" smtClean="0"/>
+              <a:t> le </a:t>
+            </a:r>
+            <a:r>
+              <a:rPr lang="en-US" dirty="0" err="1" smtClean="0"/>
+              <a:t>statut</a:t>
+            </a:r>
+            <a:r>
+              <a:rPr lang="en-US" dirty="0" smtClean="0"/>
+              <a:t> du job.</a:t>
+            </a:r>
+            <a:endParaRPr lang="fr-FR" dirty="0" smtClean="0"/>
+          </a:p>
+          <a:p>
+            <a:r>
+              <a:rPr lang="fr-FR" dirty="0" smtClean="0"/>
+              <a:t> </a:t>
+            </a:r>
+            <a:endParaRPr lang="fr-FR" dirty="0"/>
+          </a:p>
+        </p:txBody>
+      </p:sp>
+    </p:spTree>
+    <p:extLst>
+      <p:ext uri="{BB962C8B-B14F-4D97-AF65-F5344CB8AC3E}">
+        <p14:creationId xmlns:p14="http://schemas.microsoft.com/office/powerpoint/2010/main" val="3695244428"/>
+      </p:ext>
+    </p:extLst>
+  </p:cSld>
+  <p:clrMapOvr>
+    <a:masterClrMapping/>
+  </p:clrMapOvr>
+</p:sld>
+</file>
+
+<file path=ppt/slides/slide46.xml><?xml version="1.0" encoding="utf-8"?>
+<p:sld xmlns:a="http://schemas.openxmlformats.org/drawingml/2006/main" xmlns:r="http://schemas.openxmlformats.org/officeDocument/2006/relationships" xmlns:p="http://schemas.openxmlformats.org/presentationml/2006/main">
+  <p:cSld>
+    <p:spTree>
+      <p:nvGrpSpPr>
+        <p:cNvPr id="1" name=""/>
+        <p:cNvGrpSpPr/>
+        <p:nvPr/>
+      </p:nvGrpSpPr>
+      <p:grpSpPr>
+        <a:xfrm>
+          <a:off x="0" y="0"/>
+          <a:ext cx="0" cy="0"/>
+          <a:chOff x="0" y="0"/>
+          <a:chExt cx="0" cy="0"/>
+        </a:xfrm>
+      </p:grpSpPr>
+      <p:sp>
+        <p:nvSpPr>
+          <p:cNvPr id="2" name="Titre 1"/>
+          <p:cNvSpPr>
+            <a:spLocks noGrp="1"/>
+          </p:cNvSpPr>
+          <p:nvPr>
+            <p:ph type="title"/>
+          </p:nvPr>
+        </p:nvSpPr>
+        <p:spPr/>
+        <p:txBody>
+          <a:bodyPr/>
+          <a:lstStyle/>
+          <a:p>
+            <a:r>
+              <a:rPr lang="fr-FR" dirty="0" smtClean="0"/>
+              <a:t>Visualiser les rapports de tests unitaires</a:t>
+            </a:r>
+            <a:endParaRPr lang="fr-FR" dirty="0"/>
+          </a:p>
+        </p:txBody>
+      </p:sp>
+      <p:pic>
+        <p:nvPicPr>
+          <p:cNvPr id="4" name="Espace réservé du contenu 3"/>
+          <p:cNvPicPr>
+            <a:picLocks noGrp="1" noChangeAspect="1"/>
+          </p:cNvPicPr>
+          <p:nvPr>
+            <p:ph idx="1"/>
+          </p:nvPr>
+        </p:nvPicPr>
+        <p:blipFill>
+          <a:blip r:embed="rId2">
+            <a:extLst>
+              <a:ext uri="{28A0092B-C50C-407E-A947-70E740481C1C}">
+                <a14:useLocalDpi xmlns:a14="http://schemas.microsoft.com/office/drawing/2010/main" val="0"/>
+              </a:ext>
+            </a:extLst>
+          </a:blip>
+          <a:stretch>
+            <a:fillRect/>
+          </a:stretch>
+        </p:blipFill>
+        <p:spPr>
+          <a:xfrm>
+            <a:off x="1342938" y="2446986"/>
+            <a:ext cx="9654196" cy="4043968"/>
+          </a:xfrm>
+        </p:spPr>
+      </p:pic>
+    </p:spTree>
+    <p:extLst>
+      <p:ext uri="{BB962C8B-B14F-4D97-AF65-F5344CB8AC3E}">
+        <p14:creationId xmlns:p14="http://schemas.microsoft.com/office/powerpoint/2010/main" val="1896425058"/>
+      </p:ext>
+    </p:extLst>
+  </p:cSld>
+  <p:clrMapOvr>
+    <a:masterClrMapping/>
+  </p:clrMapOvr>
+</p:sld>
+</file>
+
+<file path=ppt/slides/slide47.xml><?xml version="1.0" encoding="utf-8"?>
+<p:sld xmlns:a="http://schemas.openxmlformats.org/drawingml/2006/main" xmlns:r="http://schemas.openxmlformats.org/officeDocument/2006/relationships" xmlns:p="http://schemas.openxmlformats.org/presentationml/2006/main">
+  <p:cSld>
+    <p:spTree>
+      <p:nvGrpSpPr>
+        <p:cNvPr id="1" name=""/>
+        <p:cNvGrpSpPr/>
+        <p:nvPr/>
+      </p:nvGrpSpPr>
+      <p:grpSpPr>
+        <a:xfrm>
+          <a:off x="0" y="0"/>
+          <a:ext cx="0" cy="0"/>
+          <a:chOff x="0" y="0"/>
+          <a:chExt cx="0" cy="0"/>
+        </a:xfrm>
+      </p:grpSpPr>
+      <p:sp>
+        <p:nvSpPr>
           <p:cNvPr id="5" name="Rectangle 4"/>
           <p:cNvSpPr/>
           <p:nvPr/>
@@ -25353,7 +27549,7 @@
         <p:spPr>
           <a:xfrm>
             <a:off x="347731" y="612845"/>
-            <a:ext cx="11578106" cy="4801314"/>
+            <a:ext cx="11578106" cy="5355312"/>
           </a:xfrm>
           <a:prstGeom prst="rect">
             <a:avLst/>
@@ -25366,7 +27562,16 @@
           <a:lstStyle/>
           <a:p>
             <a:r>
-              <a:rPr lang="fr-FR" dirty="0" err="1"/>
+              <a:rPr lang="fr-FR" dirty="0" smtClean="0"/>
+              <a:t>Autre exemple avec liaison DB :</a:t>
+            </a:r>
+          </a:p>
+          <a:p>
+            <a:endParaRPr lang="fr-FR" dirty="0" smtClean="0"/>
+          </a:p>
+          <a:p>
+            <a:r>
+              <a:rPr lang="fr-FR" dirty="0" err="1" smtClean="0"/>
               <a:t>phpunit</a:t>
             </a:r>
             <a:r>
@@ -25719,7 +27924,7 @@
 </p:sld>
 </file>
 
-<file path=ppt/slides/slide46.xml><?xml version="1.0" encoding="utf-8"?>
+<file path=ppt/slides/slide48.xml><?xml version="1.0" encoding="utf-8"?>
 <p:sld xmlns:a="http://schemas.openxmlformats.org/drawingml/2006/main" xmlns:r="http://schemas.openxmlformats.org/officeDocument/2006/relationships" xmlns:p="http://schemas.openxmlformats.org/presentationml/2006/main">
   <p:cSld>
     <p:spTree>
@@ -25886,7 +28091,7 @@
 </p:sld>
 </file>
 
-<file path=ppt/slides/slide47.xml><?xml version="1.0" encoding="utf-8"?>
+<file path=ppt/slides/slide49.xml><?xml version="1.0" encoding="utf-8"?>
 <p:sld xmlns:a="http://schemas.openxmlformats.org/drawingml/2006/main" xmlns:r="http://schemas.openxmlformats.org/officeDocument/2006/relationships" xmlns:p="http://schemas.openxmlformats.org/presentationml/2006/main">
   <p:cSld>
     <p:spTree>
@@ -25936,673 +28141,6 @@
     <p:extLst>
       <p:ext uri="{BB962C8B-B14F-4D97-AF65-F5344CB8AC3E}">
         <p14:creationId xmlns:p14="http://schemas.microsoft.com/office/powerpoint/2010/main" val="1085540734"/>
-      </p:ext>
-    </p:extLst>
-  </p:cSld>
-  <p:clrMapOvr>
-    <a:masterClrMapping/>
-  </p:clrMapOvr>
-  <p:timing>
-    <p:tnLst>
-      <p:par>
-        <p:cTn id="1" dur="indefinite" restart="never" nodeType="tmRoot"/>
-      </p:par>
-    </p:tnLst>
-  </p:timing>
-</p:sld>
-</file>
-
-<file path=ppt/slides/slide48.xml><?xml version="1.0" encoding="utf-8"?>
-<p:sld xmlns:a="http://schemas.openxmlformats.org/drawingml/2006/main" xmlns:r="http://schemas.openxmlformats.org/officeDocument/2006/relationships" xmlns:p="http://schemas.openxmlformats.org/presentationml/2006/main">
-  <p:cSld>
-    <p:spTree>
-      <p:nvGrpSpPr>
-        <p:cNvPr id="1" name=""/>
-        <p:cNvGrpSpPr/>
-        <p:nvPr/>
-      </p:nvGrpSpPr>
-      <p:grpSpPr>
-        <a:xfrm>
-          <a:off x="0" y="0"/>
-          <a:ext cx="0" cy="0"/>
-          <a:chOff x="0" y="0"/>
-          <a:chExt cx="0" cy="0"/>
-        </a:xfrm>
-      </p:grpSpPr>
-      <p:sp>
-        <p:nvSpPr>
-          <p:cNvPr id="5" name="Titre 4"/>
-          <p:cNvSpPr>
-            <a:spLocks noGrp="1"/>
-          </p:cNvSpPr>
-          <p:nvPr>
-            <p:ph type="title"/>
-          </p:nvPr>
-        </p:nvSpPr>
-        <p:spPr/>
-        <p:txBody>
-          <a:bodyPr/>
-          <a:lstStyle/>
-          <a:p>
-            <a:r>
-              <a:rPr lang="fr-FR" dirty="0" smtClean="0"/>
-              <a:t>Premier test fonctionnel</a:t>
-            </a:r>
-            <a:endParaRPr lang="fr-FR" dirty="0"/>
-          </a:p>
-        </p:txBody>
-      </p:sp>
-      <p:sp>
-        <p:nvSpPr>
-          <p:cNvPr id="6" name="Espace réservé du contenu 5"/>
-          <p:cNvSpPr>
-            <a:spLocks noGrp="1"/>
-          </p:cNvSpPr>
-          <p:nvPr>
-            <p:ph idx="1"/>
-          </p:nvPr>
-        </p:nvSpPr>
-        <p:spPr>
-          <a:xfrm>
-            <a:off x="5781146" y="1578735"/>
-            <a:ext cx="5190066" cy="5030273"/>
-          </a:xfrm>
-        </p:spPr>
-        <p:txBody>
-          <a:bodyPr>
-            <a:normAutofit fontScale="92500" lnSpcReduction="20000"/>
-          </a:bodyPr>
-          <a:lstStyle/>
-          <a:p>
-            <a:endParaRPr lang="fr-FR" dirty="0" smtClean="0"/>
-          </a:p>
-          <a:p>
-            <a:endParaRPr lang="fr-FR" dirty="0"/>
-          </a:p>
-          <a:p>
-            <a:endParaRPr lang="fr-FR" dirty="0" smtClean="0"/>
-          </a:p>
-          <a:p>
-            <a:endParaRPr lang="fr-FR" dirty="0"/>
-          </a:p>
-          <a:p>
-            <a:endParaRPr lang="fr-FR" dirty="0" smtClean="0"/>
-          </a:p>
-          <a:p>
-            <a:r>
-              <a:rPr lang="fr-FR" dirty="0" smtClean="0"/>
-              <a:t>Vous remarquerez qu’il n’y a pas de grande différence avec le premier test unitaire que nous avons fait. La vraie différence se trouve dans la réalisation du test.</a:t>
-            </a:r>
-          </a:p>
-          <a:p>
-            <a:endParaRPr lang="fr-FR" dirty="0" smtClean="0"/>
-          </a:p>
-          <a:p>
-            <a:r>
-              <a:rPr lang="fr-FR" dirty="0" smtClean="0"/>
-              <a:t>1) Réalisation d’une requête</a:t>
-            </a:r>
-          </a:p>
-          <a:p>
-            <a:r>
-              <a:rPr lang="fr-FR" dirty="0" smtClean="0"/>
-              <a:t>2) Analyse ou Action sur le Dom ou la réponse. </a:t>
-            </a:r>
-            <a:endParaRPr lang="fr-FR" dirty="0"/>
-          </a:p>
-          <a:p>
-            <a:endParaRPr lang="fr-FR" dirty="0" smtClean="0"/>
-          </a:p>
-          <a:p>
-            <a:r>
-              <a:rPr lang="fr-FR" dirty="0" err="1" smtClean="0"/>
-              <a:t>AssertEquals</a:t>
-            </a:r>
-            <a:r>
-              <a:rPr lang="fr-FR" dirty="0" smtClean="0"/>
-              <a:t>(</a:t>
-            </a:r>
-            <a:r>
-              <a:rPr lang="fr-FR" dirty="0" err="1" smtClean="0"/>
-              <a:t>a,b</a:t>
-            </a:r>
-            <a:r>
-              <a:rPr lang="fr-FR" dirty="0" smtClean="0"/>
-              <a:t>) est l’assertion que vous utiliserez le plus. Elle va tout simplement vérifier que a est égal à b.</a:t>
-            </a:r>
-            <a:endParaRPr lang="fr-FR" dirty="0"/>
-          </a:p>
-        </p:txBody>
-      </p:sp>
-      <p:sp>
-        <p:nvSpPr>
-          <p:cNvPr id="7" name="Espace réservé du texte 6"/>
-          <p:cNvSpPr>
-            <a:spLocks noGrp="1"/>
-          </p:cNvSpPr>
-          <p:nvPr>
-            <p:ph type="body" sz="half" idx="2"/>
-          </p:nvPr>
-        </p:nvSpPr>
-        <p:spPr/>
-        <p:txBody>
-          <a:bodyPr/>
-          <a:lstStyle/>
-          <a:p>
-            <a:endParaRPr lang="fr-FR"/>
-          </a:p>
-        </p:txBody>
-      </p:sp>
-      <p:graphicFrame>
-        <p:nvGraphicFramePr>
-          <p:cNvPr id="8" name="Tableau 7"/>
-          <p:cNvGraphicFramePr>
-            <a:graphicFrameLocks noGrp="1"/>
-          </p:cNvGraphicFramePr>
-          <p:nvPr>
-            <p:extLst>
-              <p:ext uri="{D42A27DB-BD31-4B8C-83A1-F6EECF244321}">
-                <p14:modId xmlns:p14="http://schemas.microsoft.com/office/powerpoint/2010/main" val="1317635715"/>
-              </p:ext>
-            </p:extLst>
-          </p:nvPr>
-        </p:nvGraphicFramePr>
-        <p:xfrm>
-          <a:off x="5401159" y="1238819"/>
-          <a:ext cx="5950040" cy="2011680"/>
-        </p:xfrm>
-        <a:graphic>
-          <a:graphicData uri="http://schemas.openxmlformats.org/drawingml/2006/table">
-            <a:tbl>
-              <a:tblPr firstRow="1" bandRow="1">
-                <a:tableStyleId>{5C22544A-7EE6-4342-B048-85BDC9FD1C3A}</a:tableStyleId>
-              </a:tblPr>
-              <a:tblGrid>
-                <a:gridCol w="5950040"/>
-              </a:tblGrid>
-              <a:tr h="370840">
-                <a:tc>
-                  <a:txBody>
-                    <a:bodyPr/>
-                    <a:lstStyle/>
-                    <a:p>
-                      <a:pPr marL="400050" lvl="1" indent="0">
-                        <a:buNone/>
-                      </a:pPr>
-                      <a:r>
-                        <a:rPr lang="fr-FR" b="0" dirty="0" smtClean="0"/>
-                        <a:t>Class </a:t>
-                      </a:r>
-                      <a:r>
-                        <a:rPr lang="fr-FR" b="0" dirty="0" err="1" smtClean="0"/>
-                        <a:t>NewsControllerTest</a:t>
-                      </a:r>
-                      <a:r>
-                        <a:rPr lang="fr-FR" b="0" dirty="0" smtClean="0"/>
-                        <a:t> </a:t>
-                      </a:r>
-                      <a:r>
-                        <a:rPr lang="fr-FR" b="0" dirty="0" err="1" smtClean="0"/>
-                        <a:t>extends</a:t>
-                      </a:r>
-                      <a:r>
-                        <a:rPr lang="fr-FR" b="0" dirty="0" smtClean="0"/>
-                        <a:t> </a:t>
-                      </a:r>
-                      <a:r>
-                        <a:rPr lang="fr-FR" b="1" dirty="0" err="1" smtClean="0"/>
-                        <a:t>WebTestCase</a:t>
-                      </a:r>
-                      <a:endParaRPr lang="fr-FR" b="1" dirty="0" smtClean="0"/>
-                    </a:p>
-                    <a:p>
-                      <a:pPr marL="400050" lvl="1" indent="0">
-                        <a:buNone/>
-                      </a:pPr>
-                      <a:r>
-                        <a:rPr lang="fr-FR" b="0" dirty="0" smtClean="0"/>
-                        <a:t>{</a:t>
-                      </a:r>
-                    </a:p>
-                    <a:p>
-                      <a:pPr marL="400050" lvl="1" indent="0">
-                        <a:buNone/>
-                      </a:pPr>
-                      <a:r>
-                        <a:rPr lang="fr-FR" b="0" dirty="0" smtClean="0"/>
-                        <a:t>    public </a:t>
-                      </a:r>
-                      <a:r>
-                        <a:rPr lang="fr-FR" b="0" dirty="0" err="1" smtClean="0"/>
-                        <a:t>function</a:t>
-                      </a:r>
-                      <a:r>
-                        <a:rPr lang="fr-FR" b="0" dirty="0" smtClean="0"/>
-                        <a:t> </a:t>
-                      </a:r>
-                      <a:r>
-                        <a:rPr lang="fr-FR" b="0" dirty="0" err="1" smtClean="0"/>
-                        <a:t>testSomeUnitTest</a:t>
-                      </a:r>
-                      <a:r>
-                        <a:rPr lang="fr-FR" b="0" dirty="0" smtClean="0"/>
-                        <a:t>() {</a:t>
-                      </a:r>
-                    </a:p>
-                    <a:p>
-                      <a:pPr marL="400050" lvl="1" indent="0">
-                        <a:buNone/>
-                      </a:pPr>
-                      <a:r>
-                        <a:rPr lang="fr-FR" b="0" dirty="0" smtClean="0"/>
-                        <a:t>        $client</a:t>
-                      </a:r>
-                      <a:r>
-                        <a:rPr lang="fr-FR" b="0" baseline="0" dirty="0" smtClean="0"/>
-                        <a:t> = </a:t>
-                      </a:r>
-                      <a:r>
-                        <a:rPr lang="fr-FR" b="0" baseline="0" dirty="0" err="1" smtClean="0"/>
-                        <a:t>static</a:t>
-                      </a:r>
-                      <a:r>
-                        <a:rPr lang="fr-FR" b="0" baseline="0" dirty="0" smtClean="0"/>
-                        <a:t>::</a:t>
-                      </a:r>
-                      <a:r>
-                        <a:rPr lang="fr-FR" b="0" baseline="0" dirty="0" err="1" smtClean="0"/>
-                        <a:t>createClient</a:t>
-                      </a:r>
-                      <a:r>
-                        <a:rPr lang="fr-FR" b="0" baseline="0" dirty="0" smtClean="0"/>
-                        <a:t>();</a:t>
-                      </a:r>
-                    </a:p>
-                    <a:p>
-                      <a:pPr marL="400050" lvl="1" indent="0">
-                        <a:buNone/>
-                      </a:pPr>
-                      <a:r>
-                        <a:rPr lang="fr-FR" b="0" baseline="0" dirty="0" smtClean="0"/>
-                        <a:t>        $crawler = $client-&gt;</a:t>
-                      </a:r>
-                      <a:r>
-                        <a:rPr lang="fr-FR" b="0" baseline="0" dirty="0" err="1" smtClean="0"/>
-                        <a:t>request</a:t>
-                      </a:r>
-                      <a:r>
-                        <a:rPr lang="fr-FR" b="0" baseline="0" dirty="0" smtClean="0"/>
-                        <a:t>(‘GET’, ‘/’);</a:t>
-                      </a:r>
-                      <a:endParaRPr lang="fr-FR" b="0" dirty="0" smtClean="0"/>
-                    </a:p>
-                    <a:p>
-                      <a:pPr marL="400050" lvl="1" indent="0">
-                        <a:buNone/>
-                      </a:pPr>
-                      <a:r>
-                        <a:rPr lang="fr-FR" b="0" dirty="0" smtClean="0"/>
-                        <a:t>    }</a:t>
-                      </a:r>
-                    </a:p>
-                    <a:p>
-                      <a:pPr marL="400050" lvl="1" indent="0">
-                        <a:buNone/>
-                      </a:pPr>
-                      <a:r>
-                        <a:rPr lang="fr-FR" b="0" dirty="0" smtClean="0"/>
-                        <a:t>}</a:t>
-                      </a:r>
-                    </a:p>
-                  </a:txBody>
-                  <a:tcPr>
-                    <a:solidFill>
-                      <a:schemeClr val="accent1"/>
-                    </a:solidFill>
-                  </a:tcPr>
-                </a:tc>
-              </a:tr>
-            </a:tbl>
-          </a:graphicData>
-        </a:graphic>
-      </p:graphicFrame>
-      <p:sp>
-        <p:nvSpPr>
-          <p:cNvPr id="2" name="Flèche gauche 1"/>
-          <p:cNvSpPr/>
-          <p:nvPr/>
-        </p:nvSpPr>
-        <p:spPr>
-          <a:xfrm rot="5400000">
-            <a:off x="9928145" y="1717720"/>
-            <a:ext cx="695459" cy="417490"/>
-          </a:xfrm>
-          <a:prstGeom prst="leftArrow">
-            <a:avLst/>
-          </a:prstGeom>
-        </p:spPr>
-        <p:style>
-          <a:lnRef idx="2">
-            <a:schemeClr val="accent4">
-              <a:shade val="50000"/>
-            </a:schemeClr>
-          </a:lnRef>
-          <a:fillRef idx="1">
-            <a:schemeClr val="accent4"/>
-          </a:fillRef>
-          <a:effectRef idx="0">
-            <a:schemeClr val="accent4"/>
-          </a:effectRef>
-          <a:fontRef idx="minor">
-            <a:schemeClr val="lt1"/>
-          </a:fontRef>
-        </p:style>
-        <p:txBody>
-          <a:bodyPr rtlCol="0" anchor="ctr"/>
-          <a:lstStyle/>
-          <a:p>
-            <a:pPr algn="ctr"/>
-            <a:endParaRPr lang="fr-FR"/>
-          </a:p>
-        </p:txBody>
-      </p:sp>
-      <p:sp>
-        <p:nvSpPr>
-          <p:cNvPr id="9" name="ZoneTexte 8"/>
-          <p:cNvSpPr txBox="1"/>
-          <p:nvPr/>
-        </p:nvSpPr>
-        <p:spPr>
-          <a:xfrm>
-            <a:off x="10510378" y="589337"/>
-            <a:ext cx="604653" cy="461665"/>
-          </a:xfrm>
-          <a:prstGeom prst="rect">
-            <a:avLst/>
-          </a:prstGeom>
-          <a:noFill/>
-        </p:spPr>
-        <p:txBody>
-          <a:bodyPr wrap="none" rtlCol="0">
-            <a:spAutoFit/>
-          </a:bodyPr>
-          <a:lstStyle/>
-          <a:p>
-            <a:r>
-              <a:rPr lang="fr-FR" sz="2400" b="1" dirty="0" smtClean="0">
-                <a:solidFill>
-                  <a:schemeClr val="bg1"/>
-                </a:solidFill>
-              </a:rPr>
-              <a:t>XX</a:t>
-            </a:r>
-            <a:endParaRPr lang="fr-FR" sz="2400" b="1" dirty="0">
-              <a:solidFill>
-                <a:schemeClr val="bg1"/>
-              </a:solidFill>
-            </a:endParaRPr>
-          </a:p>
-        </p:txBody>
-      </p:sp>
-    </p:spTree>
-    <p:extLst>
-      <p:ext uri="{BB962C8B-B14F-4D97-AF65-F5344CB8AC3E}">
-        <p14:creationId xmlns:p14="http://schemas.microsoft.com/office/powerpoint/2010/main" val="393613610"/>
-      </p:ext>
-    </p:extLst>
-  </p:cSld>
-  <p:clrMapOvr>
-    <a:masterClrMapping/>
-  </p:clrMapOvr>
-  <p:timing>
-    <p:tnLst>
-      <p:par>
-        <p:cTn id="1" dur="indefinite" restart="never" nodeType="tmRoot"/>
-      </p:par>
-    </p:tnLst>
-  </p:timing>
-</p:sld>
-</file>
-
-<file path=ppt/slides/slide49.xml><?xml version="1.0" encoding="utf-8"?>
-<p:sld xmlns:a="http://schemas.openxmlformats.org/drawingml/2006/main" xmlns:r="http://schemas.openxmlformats.org/officeDocument/2006/relationships" xmlns:p="http://schemas.openxmlformats.org/presentationml/2006/main">
-  <p:cSld>
-    <p:spTree>
-      <p:nvGrpSpPr>
-        <p:cNvPr id="1" name=""/>
-        <p:cNvGrpSpPr/>
-        <p:nvPr/>
-      </p:nvGrpSpPr>
-      <p:grpSpPr>
-        <a:xfrm>
-          <a:off x="0" y="0"/>
-          <a:ext cx="0" cy="0"/>
-          <a:chOff x="0" y="0"/>
-          <a:chExt cx="0" cy="0"/>
-        </a:xfrm>
-      </p:grpSpPr>
-      <p:sp>
-        <p:nvSpPr>
-          <p:cNvPr id="5" name="Titre 4"/>
-          <p:cNvSpPr>
-            <a:spLocks noGrp="1"/>
-          </p:cNvSpPr>
-          <p:nvPr>
-            <p:ph type="title"/>
-          </p:nvPr>
-        </p:nvSpPr>
-        <p:spPr/>
-        <p:txBody>
-          <a:bodyPr/>
-          <a:lstStyle/>
-          <a:p>
-            <a:r>
-              <a:rPr lang="fr-FR" dirty="0" smtClean="0"/>
-              <a:t>CSS</a:t>
-            </a:r>
-            <a:endParaRPr lang="fr-FR" dirty="0"/>
-          </a:p>
-        </p:txBody>
-      </p:sp>
-      <p:sp>
-        <p:nvSpPr>
-          <p:cNvPr id="6" name="Espace réservé du contenu 5"/>
-          <p:cNvSpPr>
-            <a:spLocks noGrp="1"/>
-          </p:cNvSpPr>
-          <p:nvPr>
-            <p:ph idx="1"/>
-          </p:nvPr>
-        </p:nvSpPr>
-        <p:spPr/>
-        <p:txBody>
-          <a:bodyPr/>
-          <a:lstStyle/>
-          <a:p>
-            <a:r>
-              <a:rPr lang="fr-FR" dirty="0" smtClean="0"/>
-              <a:t>Au début des tests, nous avions installé un ensemble de paquets via l’installation de </a:t>
-            </a:r>
-            <a:r>
-              <a:rPr lang="fr-FR" b="1" dirty="0" err="1" smtClean="0"/>
-              <a:t>symfony</a:t>
-            </a:r>
-            <a:r>
-              <a:rPr lang="fr-FR" b="1" dirty="0" smtClean="0"/>
-              <a:t>/test-pack</a:t>
-            </a:r>
-            <a:r>
-              <a:rPr lang="fr-FR" dirty="0" smtClean="0"/>
-              <a:t>.</a:t>
-            </a:r>
-          </a:p>
-          <a:p>
-            <a:r>
-              <a:rPr lang="fr-FR" dirty="0" smtClean="0"/>
-              <a:t>Dans ces paquets nous allons utiliser de manière transparente </a:t>
-            </a:r>
-            <a:r>
-              <a:rPr lang="fr-FR" b="1" dirty="0" err="1" smtClean="0"/>
-              <a:t>css-selector</a:t>
-            </a:r>
-            <a:r>
-              <a:rPr lang="fr-FR" dirty="0" smtClean="0"/>
-              <a:t>. Il va nous permettre de parcourir le dom pour sélectionner les éléments désirés.</a:t>
-            </a:r>
-          </a:p>
-          <a:p>
-            <a:r>
-              <a:rPr lang="fr-FR" dirty="0" smtClean="0"/>
-              <a:t>Exemples :</a:t>
-            </a:r>
-          </a:p>
-        </p:txBody>
-      </p:sp>
-      <p:sp>
-        <p:nvSpPr>
-          <p:cNvPr id="7" name="ZoneTexte 6"/>
-          <p:cNvSpPr txBox="1"/>
-          <p:nvPr/>
-        </p:nvSpPr>
-        <p:spPr>
-          <a:xfrm>
-            <a:off x="10510378" y="589337"/>
-            <a:ext cx="530915" cy="461665"/>
-          </a:xfrm>
-          <a:prstGeom prst="rect">
-            <a:avLst/>
-          </a:prstGeom>
-          <a:noFill/>
-        </p:spPr>
-        <p:txBody>
-          <a:bodyPr wrap="none" rtlCol="0">
-            <a:spAutoFit/>
-          </a:bodyPr>
-          <a:lstStyle/>
-          <a:p>
-            <a:r>
-              <a:rPr lang="fr-FR" sz="2400" b="1" dirty="0" smtClean="0">
-                <a:solidFill>
-                  <a:schemeClr val="bg1"/>
-                </a:solidFill>
-              </a:rPr>
-              <a:t>01</a:t>
-            </a:r>
-            <a:endParaRPr lang="fr-FR" sz="2400" b="1" dirty="0">
-              <a:solidFill>
-                <a:schemeClr val="bg1"/>
-              </a:solidFill>
-            </a:endParaRPr>
-          </a:p>
-        </p:txBody>
-      </p:sp>
-      <p:graphicFrame>
-        <p:nvGraphicFramePr>
-          <p:cNvPr id="8" name="Tableau 7"/>
-          <p:cNvGraphicFramePr>
-            <a:graphicFrameLocks noGrp="1"/>
-          </p:cNvGraphicFramePr>
-          <p:nvPr>
-            <p:extLst>
-              <p:ext uri="{D42A27DB-BD31-4B8C-83A1-F6EECF244321}">
-                <p14:modId xmlns:p14="http://schemas.microsoft.com/office/powerpoint/2010/main" val="957648741"/>
-              </p:ext>
-            </p:extLst>
-          </p:nvPr>
-        </p:nvGraphicFramePr>
-        <p:xfrm>
-          <a:off x="1503783" y="4746079"/>
-          <a:ext cx="8128000" cy="914400"/>
-        </p:xfrm>
-        <a:graphic>
-          <a:graphicData uri="http://schemas.openxmlformats.org/drawingml/2006/table">
-            <a:tbl>
-              <a:tblPr firstRow="1" bandRow="1">
-                <a:tableStyleId>{5C22544A-7EE6-4342-B048-85BDC9FD1C3A}</a:tableStyleId>
-              </a:tblPr>
-              <a:tblGrid>
-                <a:gridCol w="8128000"/>
-              </a:tblGrid>
-              <a:tr h="370840">
-                <a:tc>
-                  <a:txBody>
-                    <a:bodyPr/>
-                    <a:lstStyle/>
-                    <a:p>
-                      <a:pPr marL="400050" lvl="1" indent="0">
-                        <a:buNone/>
-                      </a:pPr>
-                      <a:r>
-                        <a:rPr lang="en-US" b="0" dirty="0" smtClean="0"/>
-                        <a:t>$crawler-&gt;filter('</a:t>
-                      </a:r>
-                      <a:r>
-                        <a:rPr lang="en-US" b="1" dirty="0" smtClean="0"/>
-                        <a:t>#one-form</a:t>
-                      </a:r>
-                      <a:r>
-                        <a:rPr lang="en-US" b="0" dirty="0" smtClean="0"/>
-                        <a:t>')-&gt;form($values);</a:t>
-                      </a:r>
-                    </a:p>
-                    <a:p>
-                      <a:pPr marL="400050" lvl="1" indent="0">
-                        <a:buNone/>
-                      </a:pPr>
-                      <a:r>
-                        <a:rPr lang="en-US" b="0" dirty="0" smtClean="0"/>
-                        <a:t>$crawler-&gt;filter('</a:t>
-                      </a:r>
-                      <a:r>
-                        <a:rPr lang="en-US" b="1" dirty="0" err="1" smtClean="0"/>
-                        <a:t>html:contains</a:t>
-                      </a:r>
-                      <a:r>
-                        <a:rPr lang="en-US" b="1" dirty="0" smtClean="0"/>
-                        <a:t>("Hello World")</a:t>
-                      </a:r>
-                      <a:r>
-                        <a:rPr lang="en-US" b="0" dirty="0" smtClean="0"/>
-                        <a:t>')-&gt;count();</a:t>
-                      </a:r>
-                    </a:p>
-                    <a:p>
-                      <a:pPr marL="400050" lvl="1" indent="0">
-                        <a:buNone/>
-                      </a:pPr>
-                      <a:r>
-                        <a:rPr lang="fr-FR" b="0" dirty="0" smtClean="0"/>
-                        <a:t>$crawler-&gt;</a:t>
-                      </a:r>
-                      <a:r>
-                        <a:rPr lang="fr-FR" b="0" dirty="0" err="1" smtClean="0"/>
-                        <a:t>filter</a:t>
-                      </a:r>
-                      <a:r>
-                        <a:rPr lang="fr-FR" b="0" dirty="0" smtClean="0"/>
-                        <a:t>('</a:t>
-                      </a:r>
-                      <a:r>
-                        <a:rPr lang="fr-FR" b="1" dirty="0" smtClean="0"/>
-                        <a:t>h1</a:t>
-                      </a:r>
-                      <a:r>
-                        <a:rPr lang="fr-FR" b="0" dirty="0" smtClean="0"/>
-                        <a:t>')-&gt;count();</a:t>
-                      </a:r>
-                    </a:p>
-                  </a:txBody>
-                  <a:tcPr/>
-                </a:tc>
-              </a:tr>
-            </a:tbl>
-          </a:graphicData>
-        </a:graphic>
-      </p:graphicFrame>
-    </p:spTree>
-    <p:extLst>
-      <p:ext uri="{BB962C8B-B14F-4D97-AF65-F5344CB8AC3E}">
-        <p14:creationId xmlns:p14="http://schemas.microsoft.com/office/powerpoint/2010/main" val="3227277427"/>
       </p:ext>
     </p:extLst>
   </p:cSld>
@@ -26777,8 +28315,8 @@
           <a:lstStyle/>
           <a:p>
             <a:r>
-              <a:rPr lang="fr-FR" dirty="0" err="1" smtClean="0"/>
-              <a:t>Javascript</a:t>
+              <a:rPr lang="fr-FR" dirty="0" smtClean="0"/>
+              <a:t>Premier test fonctionnel</a:t>
             </a:r>
             <a:endParaRPr lang="fr-FR" dirty="0"/>
           </a:p>
@@ -26794,79 +28332,320 @@
             <p:ph idx="1"/>
           </p:nvPr>
         </p:nvSpPr>
+        <p:spPr>
+          <a:xfrm>
+            <a:off x="5781146" y="1578735"/>
+            <a:ext cx="5190066" cy="5030273"/>
+          </a:xfrm>
+        </p:spPr>
+        <p:txBody>
+          <a:bodyPr>
+            <a:normAutofit fontScale="92500" lnSpcReduction="20000"/>
+          </a:bodyPr>
+          <a:lstStyle/>
+          <a:p>
+            <a:endParaRPr lang="fr-FR" dirty="0" smtClean="0"/>
+          </a:p>
+          <a:p>
+            <a:endParaRPr lang="fr-FR" dirty="0"/>
+          </a:p>
+          <a:p>
+            <a:endParaRPr lang="fr-FR" dirty="0" smtClean="0"/>
+          </a:p>
+          <a:p>
+            <a:endParaRPr lang="fr-FR" dirty="0"/>
+          </a:p>
+          <a:p>
+            <a:endParaRPr lang="fr-FR" dirty="0" smtClean="0"/>
+          </a:p>
+          <a:p>
+            <a:r>
+              <a:rPr lang="fr-FR" dirty="0" smtClean="0"/>
+              <a:t>Vous remarquerez qu’il n’y a pas de grande différence avec le premier test unitaire que nous avons fait. La vraie différence se trouve dans la réalisation du test.</a:t>
+            </a:r>
+          </a:p>
+          <a:p>
+            <a:endParaRPr lang="fr-FR" dirty="0" smtClean="0"/>
+          </a:p>
+          <a:p>
+            <a:r>
+              <a:rPr lang="fr-FR" dirty="0" smtClean="0"/>
+              <a:t>1) Réalisation d’une requête</a:t>
+            </a:r>
+          </a:p>
+          <a:p>
+            <a:r>
+              <a:rPr lang="fr-FR" dirty="0" smtClean="0"/>
+              <a:t>2) Analyse ou Action sur le Dom ou la réponse. </a:t>
+            </a:r>
+            <a:endParaRPr lang="fr-FR" dirty="0"/>
+          </a:p>
+          <a:p>
+            <a:endParaRPr lang="fr-FR" dirty="0" smtClean="0"/>
+          </a:p>
+          <a:p>
+            <a:r>
+              <a:rPr lang="fr-FR" dirty="0" err="1" smtClean="0"/>
+              <a:t>AssertEquals</a:t>
+            </a:r>
+            <a:r>
+              <a:rPr lang="fr-FR" dirty="0" smtClean="0"/>
+              <a:t>(</a:t>
+            </a:r>
+            <a:r>
+              <a:rPr lang="fr-FR" dirty="0" err="1" smtClean="0"/>
+              <a:t>a,b</a:t>
+            </a:r>
+            <a:r>
+              <a:rPr lang="fr-FR" dirty="0" smtClean="0"/>
+              <a:t>) est l’assertion que vous utiliserez le plus. Elle va tout simplement vérifier que a est égal à b.</a:t>
+            </a:r>
+            <a:endParaRPr lang="fr-FR" dirty="0"/>
+          </a:p>
+        </p:txBody>
+      </p:sp>
+      <p:sp>
+        <p:nvSpPr>
+          <p:cNvPr id="7" name="Espace réservé du texte 6"/>
+          <p:cNvSpPr>
+            <a:spLocks noGrp="1"/>
+          </p:cNvSpPr>
+          <p:nvPr>
+            <p:ph type="body" sz="half" idx="2"/>
+          </p:nvPr>
+        </p:nvSpPr>
         <p:spPr/>
         <p:txBody>
           <a:bodyPr/>
           <a:lstStyle/>
           <a:p>
-            <a:r>
-              <a:rPr lang="fr-FR" dirty="0" smtClean="0"/>
-              <a:t>Il est possible d’exécuter du </a:t>
-            </a:r>
-            <a:r>
-              <a:rPr lang="fr-FR" dirty="0" err="1" smtClean="0"/>
-              <a:t>javascript</a:t>
-            </a:r>
-            <a:r>
-              <a:rPr lang="fr-FR" dirty="0" smtClean="0"/>
-              <a:t> directement dans le navigateur.</a:t>
-            </a:r>
-            <a:endParaRPr lang="fr-FR" dirty="0" smtClean="0"/>
-          </a:p>
-          <a:p>
-            <a:endParaRPr lang="fr-FR" dirty="0"/>
-          </a:p>
-          <a:p>
-            <a:endParaRPr lang="fr-FR" dirty="0" smtClean="0"/>
-          </a:p>
-          <a:p>
-            <a:endParaRPr lang="fr-FR" dirty="0"/>
-          </a:p>
-          <a:p>
-            <a:endParaRPr lang="fr-FR" dirty="0" smtClean="0"/>
-          </a:p>
-          <a:p>
-            <a:r>
-              <a:rPr lang="fr-FR" dirty="0" smtClean="0"/>
-              <a:t>Liste d’exemples :</a:t>
-            </a:r>
-          </a:p>
-          <a:p>
-            <a:pPr marL="0" indent="0">
-              <a:buNone/>
-            </a:pPr>
-            <a:r>
-              <a:rPr lang="fr-FR" dirty="0">
-                <a:hlinkClick r:id="rId3"/>
-              </a:rPr>
-              <a:t>https://github.com/symfony/panther/blob/master/tests</a:t>
-            </a:r>
-            <a:r>
-              <a:rPr lang="fr-FR" dirty="0" smtClean="0">
-                <a:hlinkClick r:id="rId3"/>
-              </a:rPr>
-              <a:t>/</a:t>
-            </a:r>
-            <a:endParaRPr lang="fr-FR" dirty="0" smtClean="0"/>
-          </a:p>
-          <a:p>
-            <a:pPr marL="0" indent="0">
-              <a:buNone/>
-            </a:pPr>
-            <a:endParaRPr lang="fr-FR" dirty="0"/>
+            <a:endParaRPr lang="fr-FR"/>
+          </a:p>
+        </p:txBody>
+      </p:sp>
+      <p:graphicFrame>
+        <p:nvGraphicFramePr>
+          <p:cNvPr id="8" name="Tableau 7"/>
+          <p:cNvGraphicFramePr>
+            <a:graphicFrameLocks noGrp="1"/>
+          </p:cNvGraphicFramePr>
+          <p:nvPr>
+            <p:extLst>
+              <p:ext uri="{D42A27DB-BD31-4B8C-83A1-F6EECF244321}">
+                <p14:modId xmlns:p14="http://schemas.microsoft.com/office/powerpoint/2010/main" val="1317635715"/>
+              </p:ext>
+            </p:extLst>
+          </p:nvPr>
+        </p:nvGraphicFramePr>
+        <p:xfrm>
+          <a:off x="5401159" y="1238819"/>
+          <a:ext cx="5950040" cy="2011680"/>
+        </p:xfrm>
+        <a:graphic>
+          <a:graphicData uri="http://schemas.openxmlformats.org/drawingml/2006/table">
+            <a:tbl>
+              <a:tblPr firstRow="1" bandRow="1">
+                <a:tableStyleId>{5C22544A-7EE6-4342-B048-85BDC9FD1C3A}</a:tableStyleId>
+              </a:tblPr>
+              <a:tblGrid>
+                <a:gridCol w="5950040"/>
+              </a:tblGrid>
+              <a:tr h="370840">
+                <a:tc>
+                  <a:txBody>
+                    <a:bodyPr/>
+                    <a:lstStyle/>
+                    <a:p>
+                      <a:pPr marL="400050" lvl="1" indent="0">
+                        <a:buNone/>
+                      </a:pPr>
+                      <a:r>
+                        <a:rPr lang="fr-FR" b="0" dirty="0" smtClean="0"/>
+                        <a:t>Class </a:t>
+                      </a:r>
+                      <a:r>
+                        <a:rPr lang="fr-FR" b="0" dirty="0" err="1" smtClean="0"/>
+                        <a:t>NewsControllerTest</a:t>
+                      </a:r>
+                      <a:r>
+                        <a:rPr lang="fr-FR" b="0" dirty="0" smtClean="0"/>
+                        <a:t> </a:t>
+                      </a:r>
+                      <a:r>
+                        <a:rPr lang="fr-FR" b="0" dirty="0" err="1" smtClean="0"/>
+                        <a:t>extends</a:t>
+                      </a:r>
+                      <a:r>
+                        <a:rPr lang="fr-FR" b="0" dirty="0" smtClean="0"/>
+                        <a:t> </a:t>
+                      </a:r>
+                      <a:r>
+                        <a:rPr lang="fr-FR" b="1" dirty="0" err="1" smtClean="0"/>
+                        <a:t>WebTestCase</a:t>
+                      </a:r>
+                      <a:endParaRPr lang="fr-FR" b="1" dirty="0" smtClean="0"/>
+                    </a:p>
+                    <a:p>
+                      <a:pPr marL="400050" lvl="1" indent="0">
+                        <a:buNone/>
+                      </a:pPr>
+                      <a:r>
+                        <a:rPr lang="fr-FR" b="0" dirty="0" smtClean="0"/>
+                        <a:t>{</a:t>
+                      </a:r>
+                    </a:p>
+                    <a:p>
+                      <a:pPr marL="400050" lvl="1" indent="0">
+                        <a:buNone/>
+                      </a:pPr>
+                      <a:r>
+                        <a:rPr lang="fr-FR" b="0" dirty="0" smtClean="0"/>
+                        <a:t>    public </a:t>
+                      </a:r>
+                      <a:r>
+                        <a:rPr lang="fr-FR" b="0" dirty="0" err="1" smtClean="0"/>
+                        <a:t>function</a:t>
+                      </a:r>
+                      <a:r>
+                        <a:rPr lang="fr-FR" b="0" dirty="0" smtClean="0"/>
+                        <a:t> </a:t>
+                      </a:r>
+                      <a:r>
+                        <a:rPr lang="fr-FR" b="0" dirty="0" err="1" smtClean="0"/>
+                        <a:t>testSomeUnitTest</a:t>
+                      </a:r>
+                      <a:r>
+                        <a:rPr lang="fr-FR" b="0" dirty="0" smtClean="0"/>
+                        <a:t>() {</a:t>
+                      </a:r>
+                    </a:p>
+                    <a:p>
+                      <a:pPr marL="400050" lvl="1" indent="0">
+                        <a:buNone/>
+                      </a:pPr>
+                      <a:r>
+                        <a:rPr lang="fr-FR" b="0" dirty="0" smtClean="0"/>
+                        <a:t>        $client</a:t>
+                      </a:r>
+                      <a:r>
+                        <a:rPr lang="fr-FR" b="0" baseline="0" dirty="0" smtClean="0"/>
+                        <a:t> = </a:t>
+                      </a:r>
+                      <a:r>
+                        <a:rPr lang="fr-FR" b="0" baseline="0" dirty="0" err="1" smtClean="0"/>
+                        <a:t>static</a:t>
+                      </a:r>
+                      <a:r>
+                        <a:rPr lang="fr-FR" b="0" baseline="0" dirty="0" smtClean="0"/>
+                        <a:t>::</a:t>
+                      </a:r>
+                      <a:r>
+                        <a:rPr lang="fr-FR" b="0" baseline="0" dirty="0" err="1" smtClean="0"/>
+                        <a:t>createClient</a:t>
+                      </a:r>
+                      <a:r>
+                        <a:rPr lang="fr-FR" b="0" baseline="0" dirty="0" smtClean="0"/>
+                        <a:t>();</a:t>
+                      </a:r>
+                    </a:p>
+                    <a:p>
+                      <a:pPr marL="400050" lvl="1" indent="0">
+                        <a:buNone/>
+                      </a:pPr>
+                      <a:r>
+                        <a:rPr lang="fr-FR" b="0" baseline="0" dirty="0" smtClean="0"/>
+                        <a:t>        $crawler = $client-&gt;</a:t>
+                      </a:r>
+                      <a:r>
+                        <a:rPr lang="fr-FR" b="0" baseline="0" dirty="0" err="1" smtClean="0"/>
+                        <a:t>request</a:t>
+                      </a:r>
+                      <a:r>
+                        <a:rPr lang="fr-FR" b="0" baseline="0" dirty="0" smtClean="0"/>
+                        <a:t>(‘GET’, ‘/’);</a:t>
+                      </a:r>
+                      <a:endParaRPr lang="fr-FR" b="0" dirty="0" smtClean="0"/>
+                    </a:p>
+                    <a:p>
+                      <a:pPr marL="400050" lvl="1" indent="0">
+                        <a:buNone/>
+                      </a:pPr>
+                      <a:r>
+                        <a:rPr lang="fr-FR" b="0" dirty="0" smtClean="0"/>
+                        <a:t>    }</a:t>
+                      </a:r>
+                    </a:p>
+                    <a:p>
+                      <a:pPr marL="400050" lvl="1" indent="0">
+                        <a:buNone/>
+                      </a:pPr>
+                      <a:r>
+                        <a:rPr lang="fr-FR" b="0" dirty="0" smtClean="0"/>
+                        <a:t>}</a:t>
+                      </a:r>
+                    </a:p>
+                  </a:txBody>
+                  <a:tcPr>
+                    <a:solidFill>
+                      <a:schemeClr val="accent1"/>
+                    </a:solidFill>
+                  </a:tcPr>
+                </a:tc>
+              </a:tr>
+            </a:tbl>
+          </a:graphicData>
+        </a:graphic>
+      </p:graphicFrame>
+      <p:sp>
+        <p:nvSpPr>
+          <p:cNvPr id="2" name="Flèche gauche 1"/>
+          <p:cNvSpPr/>
+          <p:nvPr/>
+        </p:nvSpPr>
+        <p:spPr>
+          <a:xfrm rot="5400000">
+            <a:off x="9928145" y="1717720"/>
+            <a:ext cx="695459" cy="417490"/>
+          </a:xfrm>
+          <a:prstGeom prst="leftArrow">
+            <a:avLst/>
+          </a:prstGeom>
+        </p:spPr>
+        <p:style>
+          <a:lnRef idx="2">
+            <a:schemeClr val="accent4">
+              <a:shade val="50000"/>
+            </a:schemeClr>
+          </a:lnRef>
+          <a:fillRef idx="1">
+            <a:schemeClr val="accent4"/>
+          </a:fillRef>
+          <a:effectRef idx="0">
+            <a:schemeClr val="accent4"/>
+          </a:effectRef>
+          <a:fontRef idx="minor">
+            <a:schemeClr val="lt1"/>
+          </a:fontRef>
+        </p:style>
+        <p:txBody>
+          <a:bodyPr rtlCol="0" anchor="ctr"/>
+          <a:lstStyle/>
+          <a:p>
+            <a:pPr algn="ctr"/>
+            <a:endParaRPr lang="fr-FR"/>
           </a:p>
         </p:txBody>
       </p:sp>
       <p:sp>
         <p:nvSpPr>
-          <p:cNvPr id="7" name="ZoneTexte 6"/>
+          <p:cNvPr id="9" name="ZoneTexte 8"/>
           <p:cNvSpPr txBox="1"/>
           <p:nvPr/>
         </p:nvSpPr>
         <p:spPr>
           <a:xfrm>
             <a:off x="10510378" y="589337"/>
-            <a:ext cx="530915" cy="461665"/>
+            <a:ext cx="604653" cy="461665"/>
           </a:xfrm>
           <a:prstGeom prst="rect">
             <a:avLst/>
@@ -26885,7 +28664,7 @@
                   <a:schemeClr val="bg1"/>
                 </a:solidFill>
               </a:rPr>
-              <a:t>02</a:t>
+              <a:t>XX</a:t>
             </a:r>
             <a:endParaRPr lang="fr-FR" sz="2400" b="1" dirty="0">
               <a:solidFill>
@@ -26895,87 +28674,10 @@
           </a:p>
         </p:txBody>
       </p:sp>
-      <p:graphicFrame>
-        <p:nvGraphicFramePr>
-          <p:cNvPr id="8" name="Tableau 7"/>
-          <p:cNvGraphicFramePr>
-            <a:graphicFrameLocks noGrp="1"/>
-          </p:cNvGraphicFramePr>
-          <p:nvPr>
-            <p:extLst>
-              <p:ext uri="{D42A27DB-BD31-4B8C-83A1-F6EECF244321}">
-                <p14:modId xmlns:p14="http://schemas.microsoft.com/office/powerpoint/2010/main" val="4150175691"/>
-              </p:ext>
-            </p:extLst>
-          </p:nvPr>
-        </p:nvGraphicFramePr>
-        <p:xfrm>
-          <a:off x="1471660" y="3940810"/>
-          <a:ext cx="8128000" cy="370840"/>
-        </p:xfrm>
-        <a:graphic>
-          <a:graphicData uri="http://schemas.openxmlformats.org/drawingml/2006/table">
-            <a:tbl>
-              <a:tblPr firstRow="1" bandRow="1">
-                <a:tableStyleId>{5C22544A-7EE6-4342-B048-85BDC9FD1C3A}</a:tableStyleId>
-              </a:tblPr>
-              <a:tblGrid>
-                <a:gridCol w="8128000"/>
-              </a:tblGrid>
-              <a:tr h="370840">
-                <a:tc>
-                  <a:txBody>
-                    <a:bodyPr/>
-                    <a:lstStyle/>
-                    <a:p>
-                      <a:pPr marL="400050" lvl="1" indent="0">
-                        <a:buNone/>
-                      </a:pPr>
-                      <a:r>
-                        <a:rPr lang="fr-FR" b="0" dirty="0" smtClean="0"/>
-                        <a:t>$client-&gt;</a:t>
-                      </a:r>
-                      <a:r>
-                        <a:rPr lang="fr-FR" b="0" dirty="0" err="1" smtClean="0"/>
-                        <a:t>executeScript</a:t>
-                      </a:r>
-                      <a:r>
-                        <a:rPr lang="fr-FR" b="0" dirty="0" smtClean="0"/>
-                        <a:t>(‘</a:t>
-                      </a:r>
-                      <a:r>
-                        <a:rPr lang="fr-FR" b="1" dirty="0" err="1" smtClean="0"/>
-                        <a:t>alert</a:t>
-                      </a:r>
-                      <a:r>
-                        <a:rPr lang="fr-FR" b="1" dirty="0" smtClean="0"/>
-                        <a:t>(\’</a:t>
-                      </a:r>
-                      <a:r>
-                        <a:rPr lang="fr-FR" b="1" dirty="0" err="1" smtClean="0"/>
-                        <a:t>Javascript</a:t>
-                      </a:r>
-                      <a:r>
-                        <a:rPr lang="fr-FR" b="1" dirty="0" smtClean="0"/>
-                        <a:t>\’)</a:t>
-                      </a:r>
-                      <a:r>
-                        <a:rPr lang="fr-FR" b="0" dirty="0" smtClean="0"/>
-                        <a:t>’);</a:t>
-                      </a:r>
-                    </a:p>
-                  </a:txBody>
-                  <a:tcPr/>
-                </a:tc>
-              </a:tr>
-            </a:tbl>
-          </a:graphicData>
-        </a:graphic>
-      </p:graphicFrame>
     </p:spTree>
     <p:extLst>
       <p:ext uri="{BB962C8B-B14F-4D97-AF65-F5344CB8AC3E}">
-        <p14:creationId xmlns:p14="http://schemas.microsoft.com/office/powerpoint/2010/main" val="1633323789"/>
+        <p14:creationId xmlns:p14="http://schemas.microsoft.com/office/powerpoint/2010/main" val="393613610"/>
       </p:ext>
     </p:extLst>
   </p:cSld>
@@ -27026,6 +28728,508 @@
           <a:p>
             <a:r>
               <a:rPr lang="fr-FR" dirty="0" smtClean="0"/>
+              <a:t>CSS</a:t>
+            </a:r>
+            <a:endParaRPr lang="fr-FR" dirty="0"/>
+          </a:p>
+        </p:txBody>
+      </p:sp>
+      <p:sp>
+        <p:nvSpPr>
+          <p:cNvPr id="6" name="Espace réservé du contenu 5"/>
+          <p:cNvSpPr>
+            <a:spLocks noGrp="1"/>
+          </p:cNvSpPr>
+          <p:nvPr>
+            <p:ph idx="1"/>
+          </p:nvPr>
+        </p:nvSpPr>
+        <p:spPr/>
+        <p:txBody>
+          <a:bodyPr/>
+          <a:lstStyle/>
+          <a:p>
+            <a:r>
+              <a:rPr lang="fr-FR" dirty="0" smtClean="0"/>
+              <a:t>Au début des tests, nous avions installé un ensemble de paquets via l’installation de </a:t>
+            </a:r>
+            <a:r>
+              <a:rPr lang="fr-FR" b="1" dirty="0" err="1" smtClean="0"/>
+              <a:t>symfony</a:t>
+            </a:r>
+            <a:r>
+              <a:rPr lang="fr-FR" b="1" dirty="0" smtClean="0"/>
+              <a:t>/test-pack</a:t>
+            </a:r>
+            <a:r>
+              <a:rPr lang="fr-FR" dirty="0" smtClean="0"/>
+              <a:t>.</a:t>
+            </a:r>
+          </a:p>
+          <a:p>
+            <a:r>
+              <a:rPr lang="fr-FR" dirty="0" smtClean="0"/>
+              <a:t>Dans ces paquets nous allons utiliser de manière transparente </a:t>
+            </a:r>
+            <a:r>
+              <a:rPr lang="fr-FR" b="1" dirty="0" err="1" smtClean="0"/>
+              <a:t>css-selector</a:t>
+            </a:r>
+            <a:r>
+              <a:rPr lang="fr-FR" dirty="0" smtClean="0"/>
+              <a:t>. Il va nous permettre de parcourir le dom pour sélectionner les éléments désirés.</a:t>
+            </a:r>
+          </a:p>
+          <a:p>
+            <a:r>
+              <a:rPr lang="fr-FR" dirty="0" smtClean="0"/>
+              <a:t>Exemples :</a:t>
+            </a:r>
+          </a:p>
+        </p:txBody>
+      </p:sp>
+      <p:sp>
+        <p:nvSpPr>
+          <p:cNvPr id="7" name="ZoneTexte 6"/>
+          <p:cNvSpPr txBox="1"/>
+          <p:nvPr/>
+        </p:nvSpPr>
+        <p:spPr>
+          <a:xfrm>
+            <a:off x="10510378" y="589337"/>
+            <a:ext cx="530915" cy="461665"/>
+          </a:xfrm>
+          <a:prstGeom prst="rect">
+            <a:avLst/>
+          </a:prstGeom>
+          <a:noFill/>
+        </p:spPr>
+        <p:txBody>
+          <a:bodyPr wrap="none" rtlCol="0">
+            <a:spAutoFit/>
+          </a:bodyPr>
+          <a:lstStyle/>
+          <a:p>
+            <a:r>
+              <a:rPr lang="fr-FR" sz="2400" b="1" dirty="0" smtClean="0">
+                <a:solidFill>
+                  <a:schemeClr val="bg1"/>
+                </a:solidFill>
+              </a:rPr>
+              <a:t>01</a:t>
+            </a:r>
+            <a:endParaRPr lang="fr-FR" sz="2400" b="1" dirty="0">
+              <a:solidFill>
+                <a:schemeClr val="bg1"/>
+              </a:solidFill>
+            </a:endParaRPr>
+          </a:p>
+        </p:txBody>
+      </p:sp>
+      <p:graphicFrame>
+        <p:nvGraphicFramePr>
+          <p:cNvPr id="8" name="Tableau 7"/>
+          <p:cNvGraphicFramePr>
+            <a:graphicFrameLocks noGrp="1"/>
+          </p:cNvGraphicFramePr>
+          <p:nvPr>
+            <p:extLst>
+              <p:ext uri="{D42A27DB-BD31-4B8C-83A1-F6EECF244321}">
+                <p14:modId xmlns:p14="http://schemas.microsoft.com/office/powerpoint/2010/main" val="957648741"/>
+              </p:ext>
+            </p:extLst>
+          </p:nvPr>
+        </p:nvGraphicFramePr>
+        <p:xfrm>
+          <a:off x="1503783" y="4746079"/>
+          <a:ext cx="8128000" cy="914400"/>
+        </p:xfrm>
+        <a:graphic>
+          <a:graphicData uri="http://schemas.openxmlformats.org/drawingml/2006/table">
+            <a:tbl>
+              <a:tblPr firstRow="1" bandRow="1">
+                <a:tableStyleId>{5C22544A-7EE6-4342-B048-85BDC9FD1C3A}</a:tableStyleId>
+              </a:tblPr>
+              <a:tblGrid>
+                <a:gridCol w="8128000"/>
+              </a:tblGrid>
+              <a:tr h="370840">
+                <a:tc>
+                  <a:txBody>
+                    <a:bodyPr/>
+                    <a:lstStyle/>
+                    <a:p>
+                      <a:pPr marL="400050" lvl="1" indent="0">
+                        <a:buNone/>
+                      </a:pPr>
+                      <a:r>
+                        <a:rPr lang="en-US" b="0" dirty="0" smtClean="0"/>
+                        <a:t>$crawler-&gt;filter('</a:t>
+                      </a:r>
+                      <a:r>
+                        <a:rPr lang="en-US" b="1" dirty="0" smtClean="0"/>
+                        <a:t>#one-form</a:t>
+                      </a:r>
+                      <a:r>
+                        <a:rPr lang="en-US" b="0" dirty="0" smtClean="0"/>
+                        <a:t>')-&gt;form($values);</a:t>
+                      </a:r>
+                    </a:p>
+                    <a:p>
+                      <a:pPr marL="400050" lvl="1" indent="0">
+                        <a:buNone/>
+                      </a:pPr>
+                      <a:r>
+                        <a:rPr lang="en-US" b="0" dirty="0" smtClean="0"/>
+                        <a:t>$crawler-&gt;filter('</a:t>
+                      </a:r>
+                      <a:r>
+                        <a:rPr lang="en-US" b="1" dirty="0" err="1" smtClean="0"/>
+                        <a:t>html:contains</a:t>
+                      </a:r>
+                      <a:r>
+                        <a:rPr lang="en-US" b="1" dirty="0" smtClean="0"/>
+                        <a:t>("Hello World")</a:t>
+                      </a:r>
+                      <a:r>
+                        <a:rPr lang="en-US" b="0" dirty="0" smtClean="0"/>
+                        <a:t>')-&gt;count();</a:t>
+                      </a:r>
+                    </a:p>
+                    <a:p>
+                      <a:pPr marL="400050" lvl="1" indent="0">
+                        <a:buNone/>
+                      </a:pPr>
+                      <a:r>
+                        <a:rPr lang="fr-FR" b="0" dirty="0" smtClean="0"/>
+                        <a:t>$crawler-&gt;</a:t>
+                      </a:r>
+                      <a:r>
+                        <a:rPr lang="fr-FR" b="0" dirty="0" err="1" smtClean="0"/>
+                        <a:t>filter</a:t>
+                      </a:r>
+                      <a:r>
+                        <a:rPr lang="fr-FR" b="0" dirty="0" smtClean="0"/>
+                        <a:t>('</a:t>
+                      </a:r>
+                      <a:r>
+                        <a:rPr lang="fr-FR" b="1" dirty="0" smtClean="0"/>
+                        <a:t>h1</a:t>
+                      </a:r>
+                      <a:r>
+                        <a:rPr lang="fr-FR" b="0" dirty="0" smtClean="0"/>
+                        <a:t>')-&gt;count();</a:t>
+                      </a:r>
+                    </a:p>
+                  </a:txBody>
+                  <a:tcPr/>
+                </a:tc>
+              </a:tr>
+            </a:tbl>
+          </a:graphicData>
+        </a:graphic>
+      </p:graphicFrame>
+    </p:spTree>
+    <p:extLst>
+      <p:ext uri="{BB962C8B-B14F-4D97-AF65-F5344CB8AC3E}">
+        <p14:creationId xmlns:p14="http://schemas.microsoft.com/office/powerpoint/2010/main" val="3227277427"/>
+      </p:ext>
+    </p:extLst>
+  </p:cSld>
+  <p:clrMapOvr>
+    <a:masterClrMapping/>
+  </p:clrMapOvr>
+  <p:timing>
+    <p:tnLst>
+      <p:par>
+        <p:cTn id="1" dur="indefinite" restart="never" nodeType="tmRoot"/>
+      </p:par>
+    </p:tnLst>
+  </p:timing>
+</p:sld>
+</file>
+
+<file path=ppt/slides/slide52.xml><?xml version="1.0" encoding="utf-8"?>
+<p:sld xmlns:a="http://schemas.openxmlformats.org/drawingml/2006/main" xmlns:r="http://schemas.openxmlformats.org/officeDocument/2006/relationships" xmlns:p="http://schemas.openxmlformats.org/presentationml/2006/main">
+  <p:cSld>
+    <p:spTree>
+      <p:nvGrpSpPr>
+        <p:cNvPr id="1" name=""/>
+        <p:cNvGrpSpPr/>
+        <p:nvPr/>
+      </p:nvGrpSpPr>
+      <p:grpSpPr>
+        <a:xfrm>
+          <a:off x="0" y="0"/>
+          <a:ext cx="0" cy="0"/>
+          <a:chOff x="0" y="0"/>
+          <a:chExt cx="0" cy="0"/>
+        </a:xfrm>
+      </p:grpSpPr>
+      <p:sp>
+        <p:nvSpPr>
+          <p:cNvPr id="5" name="Titre 4"/>
+          <p:cNvSpPr>
+            <a:spLocks noGrp="1"/>
+          </p:cNvSpPr>
+          <p:nvPr>
+            <p:ph type="title"/>
+          </p:nvPr>
+        </p:nvSpPr>
+        <p:spPr/>
+        <p:txBody>
+          <a:bodyPr/>
+          <a:lstStyle/>
+          <a:p>
+            <a:r>
+              <a:rPr lang="fr-FR" dirty="0" err="1" smtClean="0"/>
+              <a:t>Javascript</a:t>
+            </a:r>
+            <a:endParaRPr lang="fr-FR" dirty="0"/>
+          </a:p>
+        </p:txBody>
+      </p:sp>
+      <p:sp>
+        <p:nvSpPr>
+          <p:cNvPr id="6" name="Espace réservé du contenu 5"/>
+          <p:cNvSpPr>
+            <a:spLocks noGrp="1"/>
+          </p:cNvSpPr>
+          <p:nvPr>
+            <p:ph idx="1"/>
+          </p:nvPr>
+        </p:nvSpPr>
+        <p:spPr/>
+        <p:txBody>
+          <a:bodyPr/>
+          <a:lstStyle/>
+          <a:p>
+            <a:r>
+              <a:rPr lang="fr-FR" dirty="0" smtClean="0"/>
+              <a:t>Il est possible d’exécuter du </a:t>
+            </a:r>
+            <a:r>
+              <a:rPr lang="fr-FR" dirty="0" err="1" smtClean="0"/>
+              <a:t>javascript</a:t>
+            </a:r>
+            <a:r>
+              <a:rPr lang="fr-FR" dirty="0" smtClean="0"/>
+              <a:t> directement dans le navigateur.</a:t>
+            </a:r>
+          </a:p>
+          <a:p>
+            <a:endParaRPr lang="fr-FR" dirty="0"/>
+          </a:p>
+          <a:p>
+            <a:endParaRPr lang="fr-FR" dirty="0" smtClean="0"/>
+          </a:p>
+          <a:p>
+            <a:endParaRPr lang="fr-FR" dirty="0"/>
+          </a:p>
+          <a:p>
+            <a:endParaRPr lang="fr-FR" dirty="0" smtClean="0"/>
+          </a:p>
+          <a:p>
+            <a:r>
+              <a:rPr lang="fr-FR" dirty="0" smtClean="0"/>
+              <a:t>Liste d’exemples :</a:t>
+            </a:r>
+          </a:p>
+          <a:p>
+            <a:pPr marL="0" indent="0">
+              <a:buNone/>
+            </a:pPr>
+            <a:r>
+              <a:rPr lang="fr-FR" dirty="0">
+                <a:hlinkClick r:id="rId3"/>
+              </a:rPr>
+              <a:t>https://github.com/symfony/panther/blob/master/tests</a:t>
+            </a:r>
+            <a:r>
+              <a:rPr lang="fr-FR" dirty="0" smtClean="0">
+                <a:hlinkClick r:id="rId3"/>
+              </a:rPr>
+              <a:t>/</a:t>
+            </a:r>
+            <a:endParaRPr lang="fr-FR" dirty="0" smtClean="0"/>
+          </a:p>
+          <a:p>
+            <a:pPr marL="0" indent="0">
+              <a:buNone/>
+            </a:pPr>
+            <a:endParaRPr lang="fr-FR" dirty="0"/>
+          </a:p>
+        </p:txBody>
+      </p:sp>
+      <p:sp>
+        <p:nvSpPr>
+          <p:cNvPr id="7" name="ZoneTexte 6"/>
+          <p:cNvSpPr txBox="1"/>
+          <p:nvPr/>
+        </p:nvSpPr>
+        <p:spPr>
+          <a:xfrm>
+            <a:off x="10510378" y="589337"/>
+            <a:ext cx="530915" cy="461665"/>
+          </a:xfrm>
+          <a:prstGeom prst="rect">
+            <a:avLst/>
+          </a:prstGeom>
+          <a:noFill/>
+        </p:spPr>
+        <p:txBody>
+          <a:bodyPr wrap="none" rtlCol="0">
+            <a:spAutoFit/>
+          </a:bodyPr>
+          <a:lstStyle/>
+          <a:p>
+            <a:r>
+              <a:rPr lang="fr-FR" sz="2400" b="1" dirty="0" smtClean="0">
+                <a:solidFill>
+                  <a:schemeClr val="bg1"/>
+                </a:solidFill>
+              </a:rPr>
+              <a:t>02</a:t>
+            </a:r>
+            <a:endParaRPr lang="fr-FR" sz="2400" b="1" dirty="0">
+              <a:solidFill>
+                <a:schemeClr val="bg1"/>
+              </a:solidFill>
+            </a:endParaRPr>
+          </a:p>
+        </p:txBody>
+      </p:sp>
+      <p:graphicFrame>
+        <p:nvGraphicFramePr>
+          <p:cNvPr id="8" name="Tableau 7"/>
+          <p:cNvGraphicFramePr>
+            <a:graphicFrameLocks noGrp="1"/>
+          </p:cNvGraphicFramePr>
+          <p:nvPr>
+            <p:extLst>
+              <p:ext uri="{D42A27DB-BD31-4B8C-83A1-F6EECF244321}">
+                <p14:modId xmlns:p14="http://schemas.microsoft.com/office/powerpoint/2010/main" val="4150175691"/>
+              </p:ext>
+            </p:extLst>
+          </p:nvPr>
+        </p:nvGraphicFramePr>
+        <p:xfrm>
+          <a:off x="1471660" y="3940810"/>
+          <a:ext cx="8128000" cy="370840"/>
+        </p:xfrm>
+        <a:graphic>
+          <a:graphicData uri="http://schemas.openxmlformats.org/drawingml/2006/table">
+            <a:tbl>
+              <a:tblPr firstRow="1" bandRow="1">
+                <a:tableStyleId>{5C22544A-7EE6-4342-B048-85BDC9FD1C3A}</a:tableStyleId>
+              </a:tblPr>
+              <a:tblGrid>
+                <a:gridCol w="8128000"/>
+              </a:tblGrid>
+              <a:tr h="370840">
+                <a:tc>
+                  <a:txBody>
+                    <a:bodyPr/>
+                    <a:lstStyle/>
+                    <a:p>
+                      <a:pPr marL="400050" lvl="1" indent="0">
+                        <a:buNone/>
+                      </a:pPr>
+                      <a:r>
+                        <a:rPr lang="fr-FR" b="0" dirty="0" smtClean="0"/>
+                        <a:t>$client-&gt;</a:t>
+                      </a:r>
+                      <a:r>
+                        <a:rPr lang="fr-FR" b="0" dirty="0" err="1" smtClean="0"/>
+                        <a:t>executeScript</a:t>
+                      </a:r>
+                      <a:r>
+                        <a:rPr lang="fr-FR" b="0" dirty="0" smtClean="0"/>
+                        <a:t>(‘</a:t>
+                      </a:r>
+                      <a:r>
+                        <a:rPr lang="fr-FR" b="1" dirty="0" err="1" smtClean="0"/>
+                        <a:t>alert</a:t>
+                      </a:r>
+                      <a:r>
+                        <a:rPr lang="fr-FR" b="1" dirty="0" smtClean="0"/>
+                        <a:t>(\’</a:t>
+                      </a:r>
+                      <a:r>
+                        <a:rPr lang="fr-FR" b="1" dirty="0" err="1" smtClean="0"/>
+                        <a:t>Javascript</a:t>
+                      </a:r>
+                      <a:r>
+                        <a:rPr lang="fr-FR" b="1" dirty="0" smtClean="0"/>
+                        <a:t>\’)</a:t>
+                      </a:r>
+                      <a:r>
+                        <a:rPr lang="fr-FR" b="0" dirty="0" smtClean="0"/>
+                        <a:t>’);</a:t>
+                      </a:r>
+                    </a:p>
+                  </a:txBody>
+                  <a:tcPr/>
+                </a:tc>
+              </a:tr>
+            </a:tbl>
+          </a:graphicData>
+        </a:graphic>
+      </p:graphicFrame>
+    </p:spTree>
+    <p:extLst>
+      <p:ext uri="{BB962C8B-B14F-4D97-AF65-F5344CB8AC3E}">
+        <p14:creationId xmlns:p14="http://schemas.microsoft.com/office/powerpoint/2010/main" val="1633323789"/>
+      </p:ext>
+    </p:extLst>
+  </p:cSld>
+  <p:clrMapOvr>
+    <a:masterClrMapping/>
+  </p:clrMapOvr>
+  <p:timing>
+    <p:tnLst>
+      <p:par>
+        <p:cTn id="1" dur="indefinite" restart="never" nodeType="tmRoot"/>
+      </p:par>
+    </p:tnLst>
+  </p:timing>
+</p:sld>
+</file>
+
+<file path=ppt/slides/slide53.xml><?xml version="1.0" encoding="utf-8"?>
+<p:sld xmlns:a="http://schemas.openxmlformats.org/drawingml/2006/main" xmlns:r="http://schemas.openxmlformats.org/officeDocument/2006/relationships" xmlns:p="http://schemas.openxmlformats.org/presentationml/2006/main">
+  <p:cSld>
+    <p:spTree>
+      <p:nvGrpSpPr>
+        <p:cNvPr id="1" name=""/>
+        <p:cNvGrpSpPr/>
+        <p:nvPr/>
+      </p:nvGrpSpPr>
+      <p:grpSpPr>
+        <a:xfrm>
+          <a:off x="0" y="0"/>
+          <a:ext cx="0" cy="0"/>
+          <a:chOff x="0" y="0"/>
+          <a:chExt cx="0" cy="0"/>
+        </a:xfrm>
+      </p:grpSpPr>
+      <p:sp>
+        <p:nvSpPr>
+          <p:cNvPr id="5" name="Titre 4"/>
+          <p:cNvSpPr>
+            <a:spLocks noGrp="1"/>
+          </p:cNvSpPr>
+          <p:nvPr>
+            <p:ph type="title"/>
+          </p:nvPr>
+        </p:nvSpPr>
+        <p:spPr/>
+        <p:txBody>
+          <a:bodyPr/>
+          <a:lstStyle/>
+          <a:p>
+            <a:r>
+              <a:rPr lang="fr-FR" dirty="0" smtClean="0"/>
               <a:t>Autres</a:t>
             </a:r>
             <a:endParaRPr lang="fr-FR" dirty="0"/>
@@ -27419,7 +29623,7 @@
 </p:sld>
 </file>
 
-<file path=ppt/slides/slide52.xml><?xml version="1.0" encoding="utf-8"?>
+<file path=ppt/slides/slide54.xml><?xml version="1.0" encoding="utf-8"?>
 <p:sld xmlns:a="http://schemas.openxmlformats.org/drawingml/2006/main" xmlns:r="http://schemas.openxmlformats.org/officeDocument/2006/relationships" xmlns:p="http://schemas.openxmlformats.org/presentationml/2006/main">
   <p:cSld>
     <p:spTree>
@@ -27674,7 +29878,7 @@
 </p:sld>
 </file>
 
-<file path=ppt/slides/slide53.xml><?xml version="1.0" encoding="utf-8"?>
+<file path=ppt/slides/slide55.xml><?xml version="1.0" encoding="utf-8"?>
 <p:sld xmlns:a="http://schemas.openxmlformats.org/drawingml/2006/main" xmlns:r="http://schemas.openxmlformats.org/officeDocument/2006/relationships" xmlns:p="http://schemas.openxmlformats.org/presentationml/2006/main">
   <p:cSld>
     <p:spTree>
@@ -27913,7 +30117,7 @@
 </p:sld>
 </file>
 
-<file path=ppt/slides/slide54.xml><?xml version="1.0" encoding="utf-8"?>
+<file path=ppt/slides/slide56.xml><?xml version="1.0" encoding="utf-8"?>
 <p:sld xmlns:a="http://schemas.openxmlformats.org/drawingml/2006/main" xmlns:r="http://schemas.openxmlformats.org/officeDocument/2006/relationships" xmlns:p="http://schemas.openxmlformats.org/presentationml/2006/main">
   <p:cSld>
     <p:spTree>
@@ -28375,7 +30579,7 @@
 </p:sld>
 </file>
 
-<file path=ppt/slides/slide55.xml><?xml version="1.0" encoding="utf-8"?>
+<file path=ppt/slides/slide57.xml><?xml version="1.0" encoding="utf-8"?>
 <p:sld xmlns:a="http://schemas.openxmlformats.org/drawingml/2006/main" xmlns:r="http://schemas.openxmlformats.org/officeDocument/2006/relationships" xmlns:p="http://schemas.openxmlformats.org/presentationml/2006/main">
   <p:cSld>
     <p:spTree>
@@ -28560,7 +30764,7 @@
 </p:sld>
 </file>
 
-<file path=ppt/slides/slide56.xml><?xml version="1.0" encoding="utf-8"?>
+<file path=ppt/slides/slide58.xml><?xml version="1.0" encoding="utf-8"?>
 <p:sld xmlns:a="http://schemas.openxmlformats.org/drawingml/2006/main" xmlns:r="http://schemas.openxmlformats.org/officeDocument/2006/relationships" xmlns:p="http://schemas.openxmlformats.org/presentationml/2006/main">
   <p:cSld>
     <p:spTree>
@@ -28734,7 +30938,7 @@
 </p:sld>
 </file>
 
-<file path=ppt/slides/slide57.xml><?xml version="1.0" encoding="utf-8"?>
+<file path=ppt/slides/slide59.xml><?xml version="1.0" encoding="utf-8"?>
 <p:sld xmlns:a="http://schemas.openxmlformats.org/drawingml/2006/main" xmlns:r="http://schemas.openxmlformats.org/officeDocument/2006/relationships" xmlns:p="http://schemas.openxmlformats.org/presentationml/2006/main">
   <p:cSld>
     <p:spTree>
